--- a/Modules/Platform/Achievements/Badges/Digital Explorer Badges.pptx
+++ b/Modules/Platform/Achievements/Badges/Digital Explorer Badges.pptx
@@ -216,7 +216,7 @@
 <file path=ppt/revisionInfo.xml><?xml version="1.0" encoding="utf-8"?>
 <p1510:revInfo xmlns:a="http://schemas.openxmlformats.org/drawingml/2006/main" xmlns:r="http://schemas.openxmlformats.org/officeDocument/2006/relationships" xmlns:p1510="http://schemas.microsoft.com/office/powerpoint/2015/10/main">
   <p1510:revLst>
-    <p1510:client id="{0D06C720-9C57-4E1E-B275-78274B6009E5}" v="202" dt="2018-07-09T08:54:06.901"/>
+    <p1510:client id="{DE14563C-17CB-460C-9B9E-4A97DFD9A9B8}" v="3" dt="2018-10-05T13:15:29.814"/>
   </p1510:revLst>
 </p1510:revInfo>
 </file>
@@ -225,111 +225,28 @@
 <pc:chgInfo xmlns:a="http://schemas.openxmlformats.org/drawingml/2006/main" xmlns:r="http://schemas.openxmlformats.org/officeDocument/2006/relationships" xmlns:ac="http://schemas.microsoft.com/office/drawing/2013/main/command" xmlns:pc="http://schemas.microsoft.com/office/powerpoint/2013/main/command">
   <pc:docChgLst>
     <pc:chgData name="David Stevens" userId="b6815b1ecc207c78" providerId="LiveId" clId="{92F79DC4-295C-419E-998B-5F1C8597ADC1}"/>
-    <pc:docChg chg="custSel addSld modSld">
-      <pc:chgData name="David Stevens" userId="b6815b1ecc207c78" providerId="LiveId" clId="{92F79DC4-295C-419E-998B-5F1C8597ADC1}" dt="2018-05-22T14:59:55.546" v="60" actId="108"/>
+  </pc:docChgLst>
+  <pc:docChgLst>
+    <pc:chgData name="David Stevens" userId="73fe415a-d21a-4898-bfab-0e75d37181d7" providerId="ADAL" clId="{DE14563C-17CB-460C-9B9E-4A97DFD9A9B8}"/>
+    <pc:docChg chg="modSld">
+      <pc:chgData name="David Stevens" userId="73fe415a-d21a-4898-bfab-0e75d37181d7" providerId="ADAL" clId="{DE14563C-17CB-460C-9B9E-4A97DFD9A9B8}" dt="2018-10-05T13:15:29.814" v="2" actId="207"/>
       <pc:docMkLst>
         <pc:docMk/>
       </pc:docMkLst>
       <pc:sldChg chg="modSp">
-        <pc:chgData name="David Stevens" userId="b6815b1ecc207c78" providerId="LiveId" clId="{92F79DC4-295C-419E-998B-5F1C8597ADC1}" dt="2018-05-17T09:36:09.317" v="1" actId="1076"/>
+        <pc:chgData name="David Stevens" userId="73fe415a-d21a-4898-bfab-0e75d37181d7" providerId="ADAL" clId="{DE14563C-17CB-460C-9B9E-4A97DFD9A9B8}" dt="2018-10-05T13:15:29.814" v="2" actId="207"/>
         <pc:sldMkLst>
           <pc:docMk/>
-          <pc:sldMk cId="1264948328" sldId="260"/>
-        </pc:sldMkLst>
-        <pc:picChg chg="mod">
-          <ac:chgData name="David Stevens" userId="b6815b1ecc207c78" providerId="LiveId" clId="{92F79DC4-295C-419E-998B-5F1C8597ADC1}" dt="2018-05-17T09:36:09.317" v="1" actId="1076"/>
-          <ac:picMkLst>
-            <pc:docMk/>
-            <pc:sldMk cId="1264948328" sldId="260"/>
-            <ac:picMk id="9" creationId="{74D66916-5977-4A02-A7B9-317728A08DB3}"/>
-          </ac:picMkLst>
-        </pc:picChg>
-      </pc:sldChg>
-      <pc:sldChg chg="modSp">
-        <pc:chgData name="David Stevens" userId="b6815b1ecc207c78" providerId="LiveId" clId="{92F79DC4-295C-419E-998B-5F1C8597ADC1}" dt="2018-05-17T09:38:48.310" v="2" actId="1076"/>
-        <pc:sldMkLst>
-          <pc:docMk/>
-          <pc:sldMk cId="2935416838" sldId="320"/>
+          <pc:sldMk cId="4207284262" sldId="323"/>
         </pc:sldMkLst>
         <pc:grpChg chg="mod">
-          <ac:chgData name="David Stevens" userId="b6815b1ecc207c78" providerId="LiveId" clId="{92F79DC4-295C-419E-998B-5F1C8597ADC1}" dt="2018-05-17T09:38:48.310" v="2" actId="1076"/>
+          <ac:chgData name="David Stevens" userId="73fe415a-d21a-4898-bfab-0e75d37181d7" providerId="ADAL" clId="{DE14563C-17CB-460C-9B9E-4A97DFD9A9B8}" dt="2018-10-05T13:15:29.814" v="2" actId="207"/>
           <ac:grpSpMkLst>
             <pc:docMk/>
-            <pc:sldMk cId="2935416838" sldId="320"/>
-            <ac:grpSpMk id="45" creationId="{631ECF51-9BA7-4585-A80C-4CF7AF0FF284}"/>
+            <pc:sldMk cId="4207284262" sldId="323"/>
+            <ac:grpSpMk id="22" creationId="{C186E666-D28B-48C3-974B-F60C53BA3282}"/>
           </ac:grpSpMkLst>
         </pc:grpChg>
-      </pc:sldChg>
-      <pc:sldChg chg="addSp delSp modSp add">
-        <pc:chgData name="David Stevens" userId="b6815b1ecc207c78" providerId="LiveId" clId="{92F79DC4-295C-419E-998B-5F1C8597ADC1}" dt="2018-05-22T14:59:55.546" v="60" actId="108"/>
-        <pc:sldMkLst>
-          <pc:docMk/>
-          <pc:sldMk cId="3131760488" sldId="326"/>
-        </pc:sldMkLst>
-        <pc:spChg chg="mod">
-          <ac:chgData name="David Stevens" userId="b6815b1ecc207c78" providerId="LiveId" clId="{92F79DC4-295C-419E-998B-5F1C8597ADC1}" dt="2018-05-22T14:56:18" v="12" actId="20577"/>
-          <ac:spMkLst>
-            <pc:docMk/>
-            <pc:sldMk cId="3131760488" sldId="326"/>
-            <ac:spMk id="2" creationId="{D4B79463-B876-4540-962D-874E4F8EFC74}"/>
-          </ac:spMkLst>
-        </pc:spChg>
-        <pc:spChg chg="add del">
-          <ac:chgData name="David Stevens" userId="b6815b1ecc207c78" providerId="LiveId" clId="{92F79DC4-295C-419E-998B-5F1C8597ADC1}" dt="2018-05-22T14:59:45.275" v="54" actId="108"/>
-          <ac:spMkLst>
-            <pc:docMk/>
-            <pc:sldMk cId="3131760488" sldId="326"/>
-            <ac:spMk id="5" creationId="{06ED5559-6029-46C8-B642-78EFF76F5EEB}"/>
-          </ac:spMkLst>
-        </pc:spChg>
-        <pc:spChg chg="del">
-          <ac:chgData name="David Stevens" userId="b6815b1ecc207c78" providerId="LiveId" clId="{92F79DC4-295C-419E-998B-5F1C8597ADC1}" dt="2018-05-22T14:56:59.202" v="52" actId="478"/>
-          <ac:spMkLst>
-            <pc:docMk/>
-            <pc:sldMk cId="3131760488" sldId="326"/>
-            <ac:spMk id="29" creationId="{12648762-B3B1-4B14-A6EA-0606C8649845}"/>
-          </ac:spMkLst>
-        </pc:spChg>
-        <pc:spChg chg="mod">
-          <ac:chgData name="David Stevens" userId="b6815b1ecc207c78" providerId="LiveId" clId="{92F79DC4-295C-419E-998B-5F1C8597ADC1}" dt="2018-05-22T14:56:28.867" v="21" actId="20577"/>
-          <ac:spMkLst>
-            <pc:docMk/>
-            <pc:sldMk cId="3131760488" sldId="326"/>
-            <ac:spMk id="30" creationId="{4AC2557D-B9FE-4FE6-9109-8914290121CA}"/>
-          </ac:spMkLst>
-        </pc:spChg>
-        <pc:grpChg chg="del">
-          <ac:chgData name="David Stevens" userId="b6815b1ecc207c78" providerId="LiveId" clId="{92F79DC4-295C-419E-998B-5F1C8597ADC1}" dt="2018-05-22T14:56:59.202" v="52" actId="478"/>
-          <ac:grpSpMkLst>
-            <pc:docMk/>
-            <pc:sldMk cId="3131760488" sldId="326"/>
-            <ac:grpSpMk id="3" creationId="{7CE0A3A5-9D42-475B-B2A1-08245D51F0EA}"/>
-          </ac:grpSpMkLst>
-        </pc:grpChg>
-        <pc:grpChg chg="del">
-          <ac:chgData name="David Stevens" userId="b6815b1ecc207c78" providerId="LiveId" clId="{92F79DC4-295C-419E-998B-5F1C8597ADC1}" dt="2018-05-22T14:56:59.202" v="52" actId="478"/>
-          <ac:grpSpMkLst>
-            <pc:docMk/>
-            <pc:sldMk cId="3131760488" sldId="326"/>
-            <ac:grpSpMk id="4" creationId="{02C690AF-0FF3-46BF-B393-67E1CEFA4768}"/>
-          </ac:grpSpMkLst>
-        </pc:grpChg>
-        <pc:grpChg chg="del">
-          <ac:chgData name="David Stevens" userId="b6815b1ecc207c78" providerId="LiveId" clId="{92F79DC4-295C-419E-998B-5F1C8597ADC1}" dt="2018-05-22T14:56:59.202" v="52" actId="478"/>
-          <ac:grpSpMkLst>
-            <pc:docMk/>
-            <pc:sldMk cId="3131760488" sldId="326"/>
-            <ac:grpSpMk id="25" creationId="{DF99DE16-4AC6-4F50-81E9-03E885DB9C24}"/>
-          </ac:grpSpMkLst>
-        </pc:grpChg>
-        <pc:graphicFrameChg chg="mod modGraphic">
-          <ac:chgData name="David Stevens" userId="b6815b1ecc207c78" providerId="LiveId" clId="{92F79DC4-295C-419E-998B-5F1C8597ADC1}" dt="2018-05-22T14:59:55.546" v="60" actId="108"/>
-          <ac:graphicFrameMkLst>
-            <pc:docMk/>
-            <pc:sldMk cId="3131760488" sldId="326"/>
-            <ac:graphicFrameMk id="14" creationId="{A7BC4D54-A17B-438E-A39A-7FA0A53C2E78}"/>
-          </ac:graphicFrameMkLst>
-        </pc:graphicFrameChg>
       </pc:sldChg>
     </pc:docChg>
   </pc:docChgLst>
@@ -585,28 +502,6 @@
           </ac:picMkLst>
         </pc:picChg>
       </pc:sldChg>
-      <pc:sldChg chg="delSp">
-        <pc:chgData name="Stevens, David" userId="73fe415a-d21a-4898-bfab-0e75d37181d7" providerId="ADAL" clId="{0D06C720-9C57-4E1E-B275-78274B6009E5}" dt="2018-07-02T09:39:31.602" v="0" actId="478"/>
-        <pc:sldMkLst>
-          <pc:docMk/>
-          <pc:sldMk cId="1816925610" sldId="324"/>
-        </pc:sldMkLst>
-        <pc:grpChg chg="del">
-          <ac:chgData name="Stevens, David" userId="73fe415a-d21a-4898-bfab-0e75d37181d7" providerId="ADAL" clId="{0D06C720-9C57-4E1E-B275-78274B6009E5}" dt="2018-07-02T09:39:31.602" v="0" actId="478"/>
-          <ac:grpSpMkLst>
-            <pc:docMk/>
-            <pc:sldMk cId="1816925610" sldId="324"/>
-            <ac:grpSpMk id="4" creationId="{F6B3966D-4B1C-4AA6-9FFF-1339EB8DE467}"/>
-          </ac:grpSpMkLst>
-        </pc:grpChg>
-      </pc:sldChg>
-      <pc:sldChg chg="del">
-        <pc:chgData name="Stevens, David" userId="73fe415a-d21a-4898-bfab-0e75d37181d7" providerId="ADAL" clId="{0D06C720-9C57-4E1E-B275-78274B6009E5}" dt="2018-07-09T08:13:35.223" v="105" actId="2696"/>
-        <pc:sldMkLst>
-          <pc:docMk/>
-          <pc:sldMk cId="3892881487" sldId="325"/>
-        </pc:sldMkLst>
-      </pc:sldChg>
       <pc:sldChg chg="addSp modSp">
         <pc:chgData name="Stevens, David" userId="73fe415a-d21a-4898-bfab-0e75d37181d7" providerId="ADAL" clId="{0D06C720-9C57-4E1E-B275-78274B6009E5}" dt="2018-07-09T08:19:21.657" v="190" actId="12789"/>
         <pc:sldMkLst>
@@ -658,27 +553,6 @@
   </pc:docChgLst>
   <pc:docChgLst>
     <pc:chgData name="David Stevens" userId="b6815b1ecc207c78" providerId="LiveId" clId="{456B4E9D-26DD-4E28-9DE1-E3370A981174}"/>
-    <pc:docChg chg="custSel modSld">
-      <pc:chgData name="David Stevens" userId="b6815b1ecc207c78" providerId="LiveId" clId="{456B4E9D-26DD-4E28-9DE1-E3370A981174}" dt="2018-06-12T12:39:30.277" v="40" actId="20577"/>
-      <pc:docMkLst>
-        <pc:docMk/>
-      </pc:docMkLst>
-      <pc:sldChg chg="modSp">
-        <pc:chgData name="David Stevens" userId="b6815b1ecc207c78" providerId="LiveId" clId="{456B4E9D-26DD-4E28-9DE1-E3370A981174}" dt="2018-06-12T12:39:30.277" v="40" actId="20577"/>
-        <pc:sldMkLst>
-          <pc:docMk/>
-          <pc:sldMk cId="3942625781" sldId="261"/>
-        </pc:sldMkLst>
-        <pc:spChg chg="mod">
-          <ac:chgData name="David Stevens" userId="b6815b1ecc207c78" providerId="LiveId" clId="{456B4E9D-26DD-4E28-9DE1-E3370A981174}" dt="2018-06-12T12:39:30.277" v="40" actId="20577"/>
-          <ac:spMkLst>
-            <pc:docMk/>
-            <pc:sldMk cId="3942625781" sldId="261"/>
-            <ac:spMk id="3" creationId="{8F09E122-47FB-49E4-9C1E-38878C6D529D}"/>
-          </ac:spMkLst>
-        </pc:spChg>
-      </pc:sldChg>
-    </pc:docChg>
   </pc:docChgLst>
 </pc:chgInfo>
 </file>
@@ -771,7 +645,7 @@
                 <a:latin typeface="Arial"/>
                 <a:cs typeface="Arial"/>
               </a:rPr>
-              <a:t>7/9/2018</a:t>
+              <a:t>10/5/2018</a:t>
             </a:fld>
             <a:endParaRPr lang="en-US">
               <a:latin typeface="Arial"/>
@@ -956,7 +830,7 @@
             <a:fld id="{73B26A0F-F4D6-9B4F-A87B-D8948CDE3BB4}" type="datetimeFigureOut">
               <a:rPr lang="en-US" smtClean="0"/>
               <a:pPr/>
-              <a:t>7/9/2018</a:t>
+              <a:t>10/5/2018</a:t>
             </a:fld>
             <a:endParaRPr lang="en-US"/>
           </a:p>
@@ -2600,7 +2474,7 @@
                   <a:spcPts val="0"/>
                 </a:spcBef>
               </a:pPr>
-              <a:t>July 9, 2018</a:t>
+              <a:t>October 5, 2018</a:t>
             </a:fld>
             <a:endParaRPr lang="en-US" sz="1400" b="0" dirty="0">
               <a:solidFill>
@@ -4403,7 +4277,7 @@
                   <a:spcPct val="50000"/>
                 </a:spcBef>
               </a:pPr>
-              <a:t>July 9, 2018</a:t>
+              <a:t>October 5, 2018</a:t>
             </a:fld>
             <a:endParaRPr lang="en-US" sz="1100" b="0" dirty="0">
               <a:solidFill>
@@ -6156,7 +6030,7 @@
                   <a:spcPct val="50000"/>
                 </a:spcBef>
               </a:pPr>
-              <a:t>July 9, 2018</a:t>
+              <a:t>October 5, 2018</a:t>
             </a:fld>
             <a:endParaRPr lang="en-US" sz="1100" b="0" dirty="0">
               <a:solidFill>
@@ -7627,7 +7501,7 @@
                   <a:spcPct val="50000"/>
                 </a:spcBef>
               </a:pPr>
-              <a:t>July 9, 2018</a:t>
+              <a:t>October 5, 2018</a:t>
             </a:fld>
             <a:endParaRPr lang="en-US" sz="1100" b="0" dirty="0">
               <a:solidFill>
@@ -8980,7 +8854,7 @@
                   <a:spcPts val="0"/>
                 </a:spcBef>
               </a:pPr>
-              <a:t>July 9, 2018</a:t>
+              <a:t>October 5, 2018</a:t>
             </a:fld>
             <a:endParaRPr lang="en-US" sz="1100" b="0" dirty="0">
               <a:solidFill>
@@ -10417,7 +10291,7 @@
                   <a:spcPct val="50000"/>
                 </a:spcBef>
               </a:pPr>
-              <a:t>July 9, 2018</a:t>
+              <a:t>October 5, 2018</a:t>
             </a:fld>
             <a:endParaRPr lang="en-US" sz="1100" b="0" dirty="0">
               <a:solidFill>
@@ -13318,7 +13192,7 @@
                   <a:spcPts val="0"/>
                 </a:spcBef>
               </a:pPr>
-              <a:t>July 9, 2018</a:t>
+              <a:t>October 5, 2018</a:t>
             </a:fld>
             <a:endParaRPr lang="en-US" sz="1400" b="0" dirty="0">
               <a:solidFill>
@@ -14709,7 +14583,7 @@
                   <a:spcPts val="0"/>
                 </a:spcBef>
               </a:pPr>
-              <a:t>July 9, 2018</a:t>
+              <a:t>October 5, 2018</a:t>
             </a:fld>
             <a:endParaRPr lang="en-US" sz="1400" b="0" dirty="0">
               <a:solidFill>
@@ -16270,7 +16144,7 @@
                   <a:spcPts val="0"/>
                 </a:spcBef>
               </a:pPr>
-              <a:t>July 9, 2018</a:t>
+              <a:t>October 5, 2018</a:t>
             </a:fld>
             <a:endParaRPr lang="en-US" sz="1400" b="0" dirty="0">
               <a:solidFill>
@@ -17692,7 +17566,7 @@
                   <a:spcPts val="0"/>
                 </a:spcBef>
               </a:pPr>
-              <a:t>July 9, 2018</a:t>
+              <a:t>October 5, 2018</a:t>
             </a:fld>
             <a:endParaRPr lang="en-US" sz="1400" b="0" dirty="0">
               <a:solidFill>
@@ -19106,7 +18980,7 @@
                   <a:spcPts val="0"/>
                 </a:spcBef>
               </a:pPr>
-              <a:t>July 9, 2018</a:t>
+              <a:t>October 5, 2018</a:t>
             </a:fld>
             <a:endParaRPr lang="en-US" sz="1400" b="0" dirty="0">
               <a:solidFill>
@@ -20854,7 +20728,7 @@
                   <a:spcPts val="0"/>
                 </a:spcBef>
               </a:pPr>
-              <a:t>July 9, 2018</a:t>
+              <a:t>October 5, 2018</a:t>
             </a:fld>
             <a:endParaRPr lang="en-US" sz="1100" b="0" dirty="0">
               <a:solidFill>
@@ -24111,6 +23985,9 @@
             <a:chOff x="2914197" y="4330823"/>
             <a:chExt cx="1662107" cy="1927667"/>
           </a:xfrm>
+          <a:solidFill>
+            <a:srgbClr val="FFED00"/>
+          </a:solidFill>
         </p:grpSpPr>
         <p:sp>
           <p:nvSpPr>
@@ -24134,9 +24011,7 @@
                 <a:gd name="adj" fmla="val 14707"/>
               </a:avLst>
             </a:prstGeom>
-            <a:solidFill>
-              <a:schemeClr val="accent3"/>
-            </a:solidFill>
+            <a:grpFill/>
             <a:ln w="127000" cmpd="thinThick">
               <a:solidFill>
                 <a:schemeClr val="tx1"/>
@@ -24191,7 +24066,7 @@
             <a:prstGeom prst="rect">
               <a:avLst/>
             </a:prstGeom>
-            <a:noFill/>
+            <a:grpFill/>
           </p:spPr>
           <p:txBody>
             <a:bodyPr wrap="square" rtlCol="0">
@@ -24292,6 +24167,7 @@
                 </a:path>
               </a:pathLst>
             </a:custGeom>
+            <a:grpFill/>
           </p:spPr>
         </p:pic>
       </p:grpSp>

--- a/Modules/Platform/Achievements/Badges/Digital Explorer Badges.pptx
+++ b/Modules/Platform/Achievements/Badges/Digital Explorer Badges.pptx
@@ -216,7 +216,7 @@
 <file path=ppt/revisionInfo.xml><?xml version="1.0" encoding="utf-8"?>
 <p1510:revInfo xmlns:a="http://schemas.openxmlformats.org/drawingml/2006/main" xmlns:r="http://schemas.openxmlformats.org/officeDocument/2006/relationships" xmlns:p1510="http://schemas.microsoft.com/office/powerpoint/2015/10/main">
   <p1510:revLst>
-    <p1510:client id="{DE14563C-17CB-460C-9B9E-4A97DFD9A9B8}" v="3" dt="2018-10-05T13:15:29.814"/>
+    <p1510:client id="{670E130C-2988-4301-A9D9-8E29E06048A8}" v="8" dt="2019-03-19T15:23:46.156"/>
   </p1510:revLst>
 </p1510:revInfo>
 </file>
@@ -224,189 +224,129 @@
 <file path=ppt/changesInfos/changesInfo1.xml><?xml version="1.0" encoding="utf-8"?>
 <pc:chgInfo xmlns:a="http://schemas.openxmlformats.org/drawingml/2006/main" xmlns:r="http://schemas.openxmlformats.org/officeDocument/2006/relationships" xmlns:ac="http://schemas.microsoft.com/office/drawing/2013/main/command" xmlns:pc="http://schemas.microsoft.com/office/powerpoint/2013/main/command">
   <pc:docChgLst>
+    <pc:chgData name="David Stevens" userId="73fe415a-d21a-4898-bfab-0e75d37181d7" providerId="ADAL" clId="{DE14563C-17CB-460C-9B9E-4A97DFD9A9B8}"/>
+  </pc:docChgLst>
+  <pc:docChgLst>
     <pc:chgData name="David Stevens" userId="b6815b1ecc207c78" providerId="LiveId" clId="{92F79DC4-295C-419E-998B-5F1C8597ADC1}"/>
   </pc:docChgLst>
   <pc:docChgLst>
-    <pc:chgData name="David Stevens" userId="73fe415a-d21a-4898-bfab-0e75d37181d7" providerId="ADAL" clId="{DE14563C-17CB-460C-9B9E-4A97DFD9A9B8}"/>
-    <pc:docChg chg="modSld">
-      <pc:chgData name="David Stevens" userId="73fe415a-d21a-4898-bfab-0e75d37181d7" providerId="ADAL" clId="{DE14563C-17CB-460C-9B9E-4A97DFD9A9B8}" dt="2018-10-05T13:15:29.814" v="2" actId="207"/>
+    <pc:chgData name="David Stevens" userId="73fe415a-d21a-4898-bfab-0e75d37181d7" providerId="ADAL" clId="{670E130C-2988-4301-A9D9-8E29E06048A8}"/>
+    <pc:docChg chg="custSel modSld">
+      <pc:chgData name="David Stevens" userId="73fe415a-d21a-4898-bfab-0e75d37181d7" providerId="ADAL" clId="{670E130C-2988-4301-A9D9-8E29E06048A8}" dt="2019-03-19T15:23:46.156" v="8" actId="164"/>
       <pc:docMkLst>
         <pc:docMk/>
       </pc:docMkLst>
-      <pc:sldChg chg="modSp">
-        <pc:chgData name="David Stevens" userId="73fe415a-d21a-4898-bfab-0e75d37181d7" providerId="ADAL" clId="{DE14563C-17CB-460C-9B9E-4A97DFD9A9B8}" dt="2018-10-05T13:15:29.814" v="2" actId="207"/>
-        <pc:sldMkLst>
-          <pc:docMk/>
-          <pc:sldMk cId="4207284262" sldId="323"/>
-        </pc:sldMkLst>
-        <pc:grpChg chg="mod">
-          <ac:chgData name="David Stevens" userId="73fe415a-d21a-4898-bfab-0e75d37181d7" providerId="ADAL" clId="{DE14563C-17CB-460C-9B9E-4A97DFD9A9B8}" dt="2018-10-05T13:15:29.814" v="2" actId="207"/>
-          <ac:grpSpMkLst>
-            <pc:docMk/>
-            <pc:sldMk cId="4207284262" sldId="323"/>
-            <ac:grpSpMk id="22" creationId="{C186E666-D28B-48C3-974B-F60C53BA3282}"/>
-          </ac:grpSpMkLst>
-        </pc:grpChg>
-      </pc:sldChg>
-    </pc:docChg>
-  </pc:docChgLst>
-  <pc:docChgLst>
-    <pc:chgData name="Stevens, David" userId="73fe415a-d21a-4898-bfab-0e75d37181d7" providerId="ADAL" clId="{0D06C720-9C57-4E1E-B275-78274B6009E5}"/>
-    <pc:docChg chg="undo custSel delSld modSld">
-      <pc:chgData name="Stevens, David" userId="73fe415a-d21a-4898-bfab-0e75d37181d7" providerId="ADAL" clId="{0D06C720-9C57-4E1E-B275-78274B6009E5}" dt="2018-07-09T08:54:06.901" v="201" actId="2164"/>
-      <pc:docMkLst>
-        <pc:docMk/>
-      </pc:docMkLst>
-      <pc:sldChg chg="modSp">
-        <pc:chgData name="Stevens, David" userId="73fe415a-d21a-4898-bfab-0e75d37181d7" providerId="ADAL" clId="{0D06C720-9C57-4E1E-B275-78274B6009E5}" dt="2018-07-09T08:54:06.901" v="201" actId="2164"/>
+      <pc:sldChg chg="addSp delSp modSp">
+        <pc:chgData name="David Stevens" userId="73fe415a-d21a-4898-bfab-0e75d37181d7" providerId="ADAL" clId="{670E130C-2988-4301-A9D9-8E29E06048A8}" dt="2019-03-19T15:23:28.876" v="4" actId="164"/>
         <pc:sldMkLst>
           <pc:docMk/>
           <pc:sldMk cId="2848744142" sldId="259"/>
         </pc:sldMkLst>
-        <pc:graphicFrameChg chg="modGraphic">
-          <ac:chgData name="Stevens, David" userId="73fe415a-d21a-4898-bfab-0e75d37181d7" providerId="ADAL" clId="{0D06C720-9C57-4E1E-B275-78274B6009E5}" dt="2018-07-09T08:54:06.901" v="201" actId="2164"/>
-          <ac:graphicFrameMkLst>
+        <pc:spChg chg="del">
+          <ac:chgData name="David Stevens" userId="73fe415a-d21a-4898-bfab-0e75d37181d7" providerId="ADAL" clId="{670E130C-2988-4301-A9D9-8E29E06048A8}" dt="2019-03-19T15:23:23.173" v="1" actId="478"/>
+          <ac:spMkLst>
             <pc:docMk/>
             <pc:sldMk cId="2848744142" sldId="259"/>
-            <ac:graphicFrameMk id="23" creationId="{8DC5217E-5120-4A77-8AAF-6CE9CCDEDCCC}"/>
-          </ac:graphicFrameMkLst>
-        </pc:graphicFrameChg>
+            <ac:spMk id="17" creationId="{A2750273-64CD-4CCB-91B3-3BC42FCB8511}"/>
+          </ac:spMkLst>
+        </pc:spChg>
+        <pc:spChg chg="mod topLvl">
+          <ac:chgData name="David Stevens" userId="73fe415a-d21a-4898-bfab-0e75d37181d7" providerId="ADAL" clId="{670E130C-2988-4301-A9D9-8E29E06048A8}" dt="2019-03-19T15:23:25.652" v="2" actId="164"/>
+          <ac:spMkLst>
+            <pc:docMk/>
+            <pc:sldMk cId="2848744142" sldId="259"/>
+            <ac:spMk id="47" creationId="{773DFFC2-F605-4872-93B9-7EBBF5F58F38}"/>
+          </ac:spMkLst>
+        </pc:spChg>
+        <pc:spChg chg="mod topLvl">
+          <ac:chgData name="David Stevens" userId="73fe415a-d21a-4898-bfab-0e75d37181d7" providerId="ADAL" clId="{670E130C-2988-4301-A9D9-8E29E06048A8}" dt="2019-03-19T15:23:17.813" v="0" actId="165"/>
+          <ac:spMkLst>
+            <pc:docMk/>
+            <pc:sldMk cId="2848744142" sldId="259"/>
+            <ac:spMk id="49" creationId="{7E2CDDD2-4A56-419B-8370-39DF706CCD44}"/>
+          </ac:spMkLst>
+        </pc:spChg>
+        <pc:spChg chg="mod topLvl">
+          <ac:chgData name="David Stevens" userId="73fe415a-d21a-4898-bfab-0e75d37181d7" providerId="ADAL" clId="{670E130C-2988-4301-A9D9-8E29E06048A8}" dt="2019-03-19T15:23:25.652" v="2" actId="164"/>
+          <ac:spMkLst>
+            <pc:docMk/>
+            <pc:sldMk cId="2848744142" sldId="259"/>
+            <ac:spMk id="50" creationId="{C4162CC5-E5C5-4A0F-8A86-524540F8BE33}"/>
+          </ac:spMkLst>
+        </pc:spChg>
+        <pc:spChg chg="mod">
+          <ac:chgData name="David Stevens" userId="73fe415a-d21a-4898-bfab-0e75d37181d7" providerId="ADAL" clId="{670E130C-2988-4301-A9D9-8E29E06048A8}" dt="2019-03-19T15:23:27.188" v="3" actId="164"/>
+          <ac:spMkLst>
+            <pc:docMk/>
+            <pc:sldMk cId="2848744142" sldId="259"/>
+            <ac:spMk id="52" creationId="{114E22AA-6F85-4492-BBC5-B7C602617E18}"/>
+          </ac:spMkLst>
+        </pc:spChg>
+        <pc:spChg chg="mod">
+          <ac:chgData name="David Stevens" userId="73fe415a-d21a-4898-bfab-0e75d37181d7" providerId="ADAL" clId="{670E130C-2988-4301-A9D9-8E29E06048A8}" dt="2019-03-19T15:23:28.876" v="4" actId="164"/>
+          <ac:spMkLst>
+            <pc:docMk/>
+            <pc:sldMk cId="2848744142" sldId="259"/>
+            <ac:spMk id="55" creationId="{02934CD2-2E55-4F21-90B1-4CA06B44E4BC}"/>
+          </ac:spMkLst>
+        </pc:spChg>
+        <pc:spChg chg="mod">
+          <ac:chgData name="David Stevens" userId="73fe415a-d21a-4898-bfab-0e75d37181d7" providerId="ADAL" clId="{670E130C-2988-4301-A9D9-8E29E06048A8}" dt="2019-03-19T15:23:28.876" v="4" actId="164"/>
+          <ac:spMkLst>
+            <pc:docMk/>
+            <pc:sldMk cId="2848744142" sldId="259"/>
+            <ac:spMk id="62" creationId="{0983C606-8C6F-431B-8E0F-20F236054CC0}"/>
+          </ac:spMkLst>
+        </pc:spChg>
+        <pc:spChg chg="mod">
+          <ac:chgData name="David Stevens" userId="73fe415a-d21a-4898-bfab-0e75d37181d7" providerId="ADAL" clId="{670E130C-2988-4301-A9D9-8E29E06048A8}" dt="2019-03-19T15:23:27.188" v="3" actId="164"/>
+          <ac:spMkLst>
+            <pc:docMk/>
+            <pc:sldMk cId="2848744142" sldId="259"/>
+            <ac:spMk id="63" creationId="{439C0702-5749-4941-89AA-2A7499BA6FF1}"/>
+          </ac:spMkLst>
+        </pc:spChg>
+        <pc:grpChg chg="add mod">
+          <ac:chgData name="David Stevens" userId="73fe415a-d21a-4898-bfab-0e75d37181d7" providerId="ADAL" clId="{670E130C-2988-4301-A9D9-8E29E06048A8}" dt="2019-03-19T15:23:25.652" v="2" actId="164"/>
+          <ac:grpSpMkLst>
+            <pc:docMk/>
+            <pc:sldMk cId="2848744142" sldId="259"/>
+            <ac:grpSpMk id="3" creationId="{17EF9390-4149-48B7-9ACF-95C6EAF54E5F}"/>
+          </ac:grpSpMkLst>
+        </pc:grpChg>
+        <pc:grpChg chg="add mod">
+          <ac:chgData name="David Stevens" userId="73fe415a-d21a-4898-bfab-0e75d37181d7" providerId="ADAL" clId="{670E130C-2988-4301-A9D9-8E29E06048A8}" dt="2019-03-19T15:23:27.188" v="3" actId="164"/>
+          <ac:grpSpMkLst>
+            <pc:docMk/>
+            <pc:sldMk cId="2848744142" sldId="259"/>
+            <ac:grpSpMk id="4" creationId="{19C8315B-F12C-42D8-9D45-1A27530DFE2D}"/>
+          </ac:grpSpMkLst>
+        </pc:grpChg>
+        <pc:grpChg chg="add mod">
+          <ac:chgData name="David Stevens" userId="73fe415a-d21a-4898-bfab-0e75d37181d7" providerId="ADAL" clId="{670E130C-2988-4301-A9D9-8E29E06048A8}" dt="2019-03-19T15:23:28.876" v="4" actId="164"/>
+          <ac:grpSpMkLst>
+            <pc:docMk/>
+            <pc:sldMk cId="2848744142" sldId="259"/>
+            <ac:grpSpMk id="6" creationId="{40384163-81B4-4719-8B8A-30C508C8950E}"/>
+          </ac:grpSpMkLst>
+        </pc:grpChg>
+        <pc:grpChg chg="del">
+          <ac:chgData name="David Stevens" userId="73fe415a-d21a-4898-bfab-0e75d37181d7" providerId="ADAL" clId="{670E130C-2988-4301-A9D9-8E29E06048A8}" dt="2019-03-19T15:23:17.813" v="0" actId="165"/>
+          <ac:grpSpMkLst>
+            <pc:docMk/>
+            <pc:sldMk cId="2848744142" sldId="259"/>
+            <ac:grpSpMk id="61" creationId="{086A705E-9C94-4C19-896E-59C0E89C0CD1}"/>
+          </ac:grpSpMkLst>
+        </pc:grpChg>
       </pc:sldChg>
       <pc:sldChg chg="addSp delSp modSp">
-        <pc:chgData name="Stevens, David" userId="73fe415a-d21a-4898-bfab-0e75d37181d7" providerId="ADAL" clId="{0D06C720-9C57-4E1E-B275-78274B6009E5}" dt="2018-07-09T08:54:01.065" v="200" actId="1076"/>
-        <pc:sldMkLst>
-          <pc:docMk/>
-          <pc:sldMk cId="3942625781" sldId="261"/>
-        </pc:sldMkLst>
-        <pc:spChg chg="mod">
-          <ac:chgData name="Stevens, David" userId="73fe415a-d21a-4898-bfab-0e75d37181d7" providerId="ADAL" clId="{0D06C720-9C57-4E1E-B275-78274B6009E5}" dt="2018-07-09T08:53:31.149" v="192" actId="1076"/>
-          <ac:spMkLst>
-            <pc:docMk/>
-            <pc:sldMk cId="3942625781" sldId="261"/>
-            <ac:spMk id="3" creationId="{8F09E122-47FB-49E4-9C1E-38878C6D529D}"/>
-          </ac:spMkLst>
-        </pc:spChg>
-        <pc:spChg chg="add del mod">
-          <ac:chgData name="Stevens, David" userId="73fe415a-d21a-4898-bfab-0e75d37181d7" providerId="ADAL" clId="{0D06C720-9C57-4E1E-B275-78274B6009E5}" dt="2018-07-09T08:16:47.344" v="128" actId="478"/>
-          <ac:spMkLst>
-            <pc:docMk/>
-            <pc:sldMk cId="3942625781" sldId="261"/>
-            <ac:spMk id="6" creationId="{6FDC515A-E5BE-4E00-8752-4312F9715AEC}"/>
-          </ac:spMkLst>
-        </pc:spChg>
-        <pc:spChg chg="add del mod">
-          <ac:chgData name="Stevens, David" userId="73fe415a-d21a-4898-bfab-0e75d37181d7" providerId="ADAL" clId="{0D06C720-9C57-4E1E-B275-78274B6009E5}" dt="2018-07-09T08:17:11.373" v="140" actId="478"/>
-          <ac:spMkLst>
-            <pc:docMk/>
-            <pc:sldMk cId="3942625781" sldId="261"/>
-            <ac:spMk id="7" creationId="{D108946D-8193-41EF-8AD8-1BA8E372565F}"/>
-          </ac:spMkLst>
-        </pc:spChg>
-        <pc:spChg chg="add del mod ord">
-          <ac:chgData name="Stevens, David" userId="73fe415a-d21a-4898-bfab-0e75d37181d7" providerId="ADAL" clId="{0D06C720-9C57-4E1E-B275-78274B6009E5}" dt="2018-07-09T08:16:47.997" v="129" actId="478"/>
-          <ac:spMkLst>
-            <pc:docMk/>
-            <pc:sldMk cId="3942625781" sldId="261"/>
-            <ac:spMk id="14" creationId="{B665053B-2AAB-403D-B42B-FEBF77D38BA7}"/>
-          </ac:spMkLst>
-        </pc:spChg>
-        <pc:spChg chg="add del mod">
-          <ac:chgData name="Stevens, David" userId="73fe415a-d21a-4898-bfab-0e75d37181d7" providerId="ADAL" clId="{0D06C720-9C57-4E1E-B275-78274B6009E5}" dt="2018-07-09T08:18:01.444" v="156" actId="478"/>
-          <ac:spMkLst>
-            <pc:docMk/>
-            <pc:sldMk cId="3942625781" sldId="261"/>
-            <ac:spMk id="15" creationId="{963373E2-1944-447E-AB4D-7CF5879E0086}"/>
-          </ac:spMkLst>
-        </pc:spChg>
-        <pc:spChg chg="add del mod">
-          <ac:chgData name="Stevens, David" userId="73fe415a-d21a-4898-bfab-0e75d37181d7" providerId="ADAL" clId="{0D06C720-9C57-4E1E-B275-78274B6009E5}" dt="2018-07-09T08:18:01.444" v="156" actId="478"/>
-          <ac:spMkLst>
-            <pc:docMk/>
-            <pc:sldMk cId="3942625781" sldId="261"/>
-            <ac:spMk id="16" creationId="{2792D243-4B9D-4660-B4A2-5B399FB2B101}"/>
-          </ac:spMkLst>
-        </pc:spChg>
-        <pc:spChg chg="add del mod">
-          <ac:chgData name="Stevens, David" userId="73fe415a-d21a-4898-bfab-0e75d37181d7" providerId="ADAL" clId="{0D06C720-9C57-4E1E-B275-78274B6009E5}" dt="2018-07-09T08:18:03.346" v="157"/>
-          <ac:spMkLst>
-            <pc:docMk/>
-            <pc:sldMk cId="3942625781" sldId="261"/>
-            <ac:spMk id="17" creationId="{2A421217-816E-4BC0-B84F-DB257D5AFD01}"/>
-          </ac:spMkLst>
-        </pc:spChg>
-        <pc:spChg chg="add mod">
-          <ac:chgData name="Stevens, David" userId="73fe415a-d21a-4898-bfab-0e75d37181d7" providerId="ADAL" clId="{0D06C720-9C57-4E1E-B275-78274B6009E5}" dt="2018-07-09T08:53:50.910" v="197" actId="14100"/>
-          <ac:spMkLst>
-            <pc:docMk/>
-            <pc:sldMk cId="3942625781" sldId="261"/>
-            <ac:spMk id="18" creationId="{1B3CC482-B442-4755-9B10-45781B85574D}"/>
-          </ac:spMkLst>
-        </pc:spChg>
-        <pc:spChg chg="add del mod">
-          <ac:chgData name="Stevens, David" userId="73fe415a-d21a-4898-bfab-0e75d37181d7" providerId="ADAL" clId="{0D06C720-9C57-4E1E-B275-78274B6009E5}" dt="2018-07-09T08:18:25.879" v="174" actId="478"/>
-          <ac:spMkLst>
-            <pc:docMk/>
-            <pc:sldMk cId="3942625781" sldId="261"/>
-            <ac:spMk id="19" creationId="{A940F32A-89AD-4BC6-8709-58F99DC7A14E}"/>
-          </ac:spMkLst>
-        </pc:spChg>
-        <pc:spChg chg="add mod">
-          <ac:chgData name="Stevens, David" userId="73fe415a-d21a-4898-bfab-0e75d37181d7" providerId="ADAL" clId="{0D06C720-9C57-4E1E-B275-78274B6009E5}" dt="2018-07-09T08:54:01.065" v="200" actId="1076"/>
-          <ac:spMkLst>
-            <pc:docMk/>
-            <pc:sldMk cId="3942625781" sldId="261"/>
-            <ac:spMk id="20" creationId="{810A3ED6-73F8-4F69-8557-8D022E2932D1}"/>
-          </ac:spMkLst>
-        </pc:spChg>
-        <pc:cxnChg chg="add del mod">
-          <ac:chgData name="Stevens, David" userId="73fe415a-d21a-4898-bfab-0e75d37181d7" providerId="ADAL" clId="{0D06C720-9C57-4E1E-B275-78274B6009E5}" dt="2018-07-09T08:53:54.249" v="199" actId="478"/>
-          <ac:cxnSpMkLst>
-            <pc:docMk/>
-            <pc:sldMk cId="3942625781" sldId="261"/>
-            <ac:cxnSpMk id="7" creationId="{0F4B4F80-43E4-4A5A-B4E5-6EE93537ADEF}"/>
-          </ac:cxnSpMkLst>
-        </pc:cxnChg>
-        <pc:cxnChg chg="add del mod">
-          <ac:chgData name="Stevens, David" userId="73fe415a-d21a-4898-bfab-0e75d37181d7" providerId="ADAL" clId="{0D06C720-9C57-4E1E-B275-78274B6009E5}" dt="2018-07-09T08:53:52.775" v="198" actId="478"/>
-          <ac:cxnSpMkLst>
-            <pc:docMk/>
-            <pc:sldMk cId="3942625781" sldId="261"/>
-            <ac:cxnSpMk id="15" creationId="{434B6B8D-F4BA-429E-B1F8-70BA421EC86E}"/>
-          </ac:cxnSpMkLst>
-        </pc:cxnChg>
-      </pc:sldChg>
-      <pc:sldChg chg="addSp delSp modSp">
-        <pc:chgData name="Stevens, David" userId="73fe415a-d21a-4898-bfab-0e75d37181d7" providerId="ADAL" clId="{0D06C720-9C57-4E1E-B275-78274B6009E5}" dt="2018-07-09T08:08:07.604" v="104" actId="1076"/>
+        <pc:chgData name="David Stevens" userId="73fe415a-d21a-4898-bfab-0e75d37181d7" providerId="ADAL" clId="{670E130C-2988-4301-A9D9-8E29E06048A8}" dt="2019-03-19T15:23:46.156" v="8" actId="164"/>
         <pc:sldMkLst>
           <pc:docMk/>
           <pc:sldMk cId="492255895" sldId="262"/>
         </pc:sldMkLst>
         <pc:spChg chg="mod topLvl">
-          <ac:chgData name="Stevens, David" userId="73fe415a-d21a-4898-bfab-0e75d37181d7" providerId="ADAL" clId="{0D06C720-9C57-4E1E-B275-78274B6009E5}" dt="2018-07-09T07:56:11.135" v="98" actId="164"/>
-          <ac:spMkLst>
-            <pc:docMk/>
-            <pc:sldMk cId="492255895" sldId="262"/>
-            <ac:spMk id="13" creationId="{6FF5D2E2-8F68-4FFE-AEE7-0CF6B48AF69B}"/>
-          </ac:spMkLst>
-        </pc:spChg>
-        <pc:spChg chg="mod topLvl">
-          <ac:chgData name="Stevens, David" userId="73fe415a-d21a-4898-bfab-0e75d37181d7" providerId="ADAL" clId="{0D06C720-9C57-4E1E-B275-78274B6009E5}" dt="2018-07-09T07:56:11.135" v="98" actId="164"/>
-          <ac:spMkLst>
-            <pc:docMk/>
-            <pc:sldMk cId="492255895" sldId="262"/>
-            <ac:spMk id="16" creationId="{381FA272-7623-4EEC-BCD7-8145EA538B8A}"/>
-          </ac:spMkLst>
-        </pc:spChg>
-        <pc:spChg chg="del">
-          <ac:chgData name="Stevens, David" userId="73fe415a-d21a-4898-bfab-0e75d37181d7" providerId="ADAL" clId="{0D06C720-9C57-4E1E-B275-78274B6009E5}" dt="2018-07-09T07:55:37.609" v="91" actId="478"/>
-          <ac:spMkLst>
-            <pc:docMk/>
-            <pc:sldMk cId="492255895" sldId="262"/>
-            <ac:spMk id="17" creationId="{F26554C9-3A84-4C0C-B26D-42DFB2F0B82E}"/>
-          </ac:spMkLst>
-        </pc:spChg>
-        <pc:spChg chg="mod topLvl">
-          <ac:chgData name="Stevens, David" userId="73fe415a-d21a-4898-bfab-0e75d37181d7" providerId="ADAL" clId="{0D06C720-9C57-4E1E-B275-78274B6009E5}" dt="2018-07-09T07:56:12.769" v="99" actId="164"/>
+          <ac:chgData name="David Stevens" userId="73fe415a-d21a-4898-bfab-0e75d37181d7" providerId="ADAL" clId="{670E130C-2988-4301-A9D9-8E29E06048A8}" dt="2019-03-19T15:23:46.156" v="8" actId="164"/>
           <ac:spMkLst>
             <pc:docMk/>
             <pc:sldMk cId="492255895" sldId="262"/>
@@ -414,142 +354,82 @@
           </ac:spMkLst>
         </pc:spChg>
         <pc:spChg chg="mod topLvl">
-          <ac:chgData name="Stevens, David" userId="73fe415a-d21a-4898-bfab-0e75d37181d7" providerId="ADAL" clId="{0D06C720-9C57-4E1E-B275-78274B6009E5}" dt="2018-07-09T07:56:12.769" v="99" actId="164"/>
+          <ac:chgData name="David Stevens" userId="73fe415a-d21a-4898-bfab-0e75d37181d7" providerId="ADAL" clId="{670E130C-2988-4301-A9D9-8E29E06048A8}" dt="2019-03-19T15:23:44.293" v="7" actId="165"/>
           <ac:spMkLst>
             <pc:docMk/>
             <pc:sldMk cId="492255895" sldId="262"/>
             <ac:spMk id="20" creationId="{D52F7C25-AA9B-4F57-9601-59FBDDC6CB9A}"/>
           </ac:spMkLst>
         </pc:spChg>
-        <pc:spChg chg="del mod topLvl">
-          <ac:chgData name="Stevens, David" userId="73fe415a-d21a-4898-bfab-0e75d37181d7" providerId="ADAL" clId="{0D06C720-9C57-4E1E-B275-78274B6009E5}" dt="2018-07-09T07:55:09.494" v="85" actId="478"/>
+        <pc:spChg chg="mod topLvl">
+          <ac:chgData name="David Stevens" userId="73fe415a-d21a-4898-bfab-0e75d37181d7" providerId="ADAL" clId="{670E130C-2988-4301-A9D9-8E29E06048A8}" dt="2019-03-19T15:23:43.324" v="6" actId="164"/>
           <ac:spMkLst>
             <pc:docMk/>
             <pc:sldMk cId="492255895" sldId="262"/>
-            <ac:spMk id="21" creationId="{CEFF42F1-900D-435F-8AF6-E098EE3A06BF}"/>
+            <ac:spMk id="25" creationId="{90BF5E18-EF66-435D-887B-864DED8F3011}"/>
           </ac:spMkLst>
         </pc:spChg>
-        <pc:grpChg chg="del">
-          <ac:chgData name="Stevens, David" userId="73fe415a-d21a-4898-bfab-0e75d37181d7" providerId="ADAL" clId="{0D06C720-9C57-4E1E-B275-78274B6009E5}" dt="2018-07-02T09:39:35.924" v="1" actId="478"/>
+        <pc:spChg chg="mod topLvl">
+          <ac:chgData name="David Stevens" userId="73fe415a-d21a-4898-bfab-0e75d37181d7" providerId="ADAL" clId="{670E130C-2988-4301-A9D9-8E29E06048A8}" dt="2019-03-19T15:23:40.709" v="5" actId="165"/>
+          <ac:spMkLst>
+            <pc:docMk/>
+            <pc:sldMk cId="492255895" sldId="262"/>
+            <ac:spMk id="27" creationId="{A72DDD85-BC29-4438-B32B-BBA28A40C4C8}"/>
+          </ac:spMkLst>
+        </pc:spChg>
+        <pc:spChg chg="mod topLvl">
+          <ac:chgData name="David Stevens" userId="73fe415a-d21a-4898-bfab-0e75d37181d7" providerId="ADAL" clId="{670E130C-2988-4301-A9D9-8E29E06048A8}" dt="2019-03-19T15:23:43.324" v="6" actId="164"/>
+          <ac:spMkLst>
+            <pc:docMk/>
+            <pc:sldMk cId="492255895" sldId="262"/>
+            <ac:spMk id="28" creationId="{13FDD253-26FD-4701-825C-F7EB4C557D21}"/>
+          </ac:spMkLst>
+        </pc:spChg>
+        <pc:grpChg chg="add mod">
+          <ac:chgData name="David Stevens" userId="73fe415a-d21a-4898-bfab-0e75d37181d7" providerId="ADAL" clId="{670E130C-2988-4301-A9D9-8E29E06048A8}" dt="2019-03-19T15:23:43.324" v="6" actId="164"/>
           <ac:grpSpMkLst>
             <pc:docMk/>
             <pc:sldMk cId="492255895" sldId="262"/>
-            <ac:grpSpMk id="3" creationId="{F2A8A224-B365-4AE6-87C7-37C34BCEFBBB}"/>
+            <ac:grpSpMk id="3" creationId="{FC7880F1-B056-40B8-9BAA-5C5EA6677A1B}"/>
           </ac:grpSpMkLst>
         </pc:grpChg>
-        <pc:grpChg chg="mod">
-          <ac:chgData name="Stevens, David" userId="73fe415a-d21a-4898-bfab-0e75d37181d7" providerId="ADAL" clId="{0D06C720-9C57-4E1E-B275-78274B6009E5}" dt="2018-07-09T07:50:45.449" v="62" actId="1076"/>
+        <pc:grpChg chg="add mod">
+          <ac:chgData name="David Stevens" userId="73fe415a-d21a-4898-bfab-0e75d37181d7" providerId="ADAL" clId="{670E130C-2988-4301-A9D9-8E29E06048A8}" dt="2019-03-19T15:23:46.156" v="8" actId="164"/>
+          <ac:grpSpMkLst>
+            <pc:docMk/>
+            <pc:sldMk cId="492255895" sldId="262"/>
+            <ac:grpSpMk id="5" creationId="{BB3199AD-B3CF-457C-9DE4-435A54FC8380}"/>
+          </ac:grpSpMkLst>
+        </pc:grpChg>
+        <pc:grpChg chg="del">
+          <ac:chgData name="David Stevens" userId="73fe415a-d21a-4898-bfab-0e75d37181d7" providerId="ADAL" clId="{670E130C-2988-4301-A9D9-8E29E06048A8}" dt="2019-03-19T15:23:40.709" v="5" actId="165"/>
           <ac:grpSpMkLst>
             <pc:docMk/>
             <pc:sldMk cId="492255895" sldId="262"/>
             <ac:grpSpMk id="6" creationId="{35913779-960F-428C-9986-06765E7BD496}"/>
           </ac:grpSpMkLst>
         </pc:grpChg>
-        <pc:grpChg chg="add del mod">
-          <ac:chgData name="Stevens, David" userId="73fe415a-d21a-4898-bfab-0e75d37181d7" providerId="ADAL" clId="{0D06C720-9C57-4E1E-B275-78274B6009E5}" dt="2018-07-09T08:07:49.791" v="101" actId="478"/>
-          <ac:grpSpMkLst>
-            <pc:docMk/>
-            <pc:sldMk cId="492255895" sldId="262"/>
-            <ac:grpSpMk id="8" creationId="{0981A5E8-6459-4C4E-9946-2C8006CC245F}"/>
-          </ac:grpSpMkLst>
-        </pc:grpChg>
-        <pc:grpChg chg="add mod">
-          <ac:chgData name="Stevens, David" userId="73fe415a-d21a-4898-bfab-0e75d37181d7" providerId="ADAL" clId="{0D06C720-9C57-4E1E-B275-78274B6009E5}" dt="2018-07-09T08:08:07.604" v="104" actId="1076"/>
+        <pc:grpChg chg="del">
+          <ac:chgData name="David Stevens" userId="73fe415a-d21a-4898-bfab-0e75d37181d7" providerId="ADAL" clId="{670E130C-2988-4301-A9D9-8E29E06048A8}" dt="2019-03-19T15:23:44.293" v="7" actId="165"/>
           <ac:grpSpMkLst>
             <pc:docMk/>
             <pc:sldMk cId="492255895" sldId="262"/>
             <ac:grpSpMk id="9" creationId="{F05350B0-C9F2-4A47-AD21-F5BCA2B29686}"/>
           </ac:grpSpMkLst>
         </pc:grpChg>
-        <pc:grpChg chg="add del mod">
-          <ac:chgData name="Stevens, David" userId="73fe415a-d21a-4898-bfab-0e75d37181d7" providerId="ADAL" clId="{0D06C720-9C57-4E1E-B275-78274B6009E5}" dt="2018-07-09T07:56:03.486" v="95" actId="165"/>
-          <ac:grpSpMkLst>
-            <pc:docMk/>
-            <pc:sldMk cId="492255895" sldId="262"/>
-            <ac:grpSpMk id="12" creationId="{E3CCE7C9-977A-4AD2-ACDB-FF6AC297E4D0}"/>
-          </ac:grpSpMkLst>
-        </pc:grpChg>
-        <pc:grpChg chg="add del mod">
-          <ac:chgData name="Stevens, David" userId="73fe415a-d21a-4898-bfab-0e75d37181d7" providerId="ADAL" clId="{0D06C720-9C57-4E1E-B275-78274B6009E5}" dt="2018-07-09T07:54:46.480" v="82" actId="165"/>
-          <ac:grpSpMkLst>
-            <pc:docMk/>
-            <pc:sldMk cId="492255895" sldId="262"/>
-            <ac:grpSpMk id="18" creationId="{F0B29B92-B4CB-4295-86A8-661F892423C1}"/>
-          </ac:grpSpMkLst>
-        </pc:grpChg>
-        <pc:graphicFrameChg chg="modGraphic">
-          <ac:chgData name="Stevens, David" userId="73fe415a-d21a-4898-bfab-0e75d37181d7" providerId="ADAL" clId="{0D06C720-9C57-4E1E-B275-78274B6009E5}" dt="2018-07-09T08:08:00.470" v="103" actId="2164"/>
-          <ac:graphicFrameMkLst>
-            <pc:docMk/>
-            <pc:sldMk cId="492255895" sldId="262"/>
-            <ac:graphicFrameMk id="14" creationId="{A7BC4D54-A17B-438E-A39A-7FA0A53C2E78}"/>
-          </ac:graphicFrameMkLst>
-        </pc:graphicFrameChg>
-        <pc:picChg chg="add mod">
-          <ac:chgData name="Stevens, David" userId="73fe415a-d21a-4898-bfab-0e75d37181d7" providerId="ADAL" clId="{0D06C720-9C57-4E1E-B275-78274B6009E5}" dt="2018-07-09T07:56:12.769" v="99" actId="164"/>
+        <pc:picChg chg="mod topLvl">
+          <ac:chgData name="David Stevens" userId="73fe415a-d21a-4898-bfab-0e75d37181d7" providerId="ADAL" clId="{670E130C-2988-4301-A9D9-8E29E06048A8}" dt="2019-03-19T15:23:46.156" v="8" actId="164"/>
           <ac:picMkLst>
             <pc:docMk/>
             <pc:sldMk cId="492255895" sldId="262"/>
             <ac:picMk id="4" creationId="{0AD5BE59-AE25-4079-A980-A437936E0CFD}"/>
           </ac:picMkLst>
         </pc:picChg>
-        <pc:picChg chg="add mod">
-          <ac:chgData name="Stevens, David" userId="73fe415a-d21a-4898-bfab-0e75d37181d7" providerId="ADAL" clId="{0D06C720-9C57-4E1E-B275-78274B6009E5}" dt="2018-07-09T07:56:11.135" v="98" actId="164"/>
-          <ac:picMkLst>
-            <pc:docMk/>
-            <pc:sldMk cId="492255895" sldId="262"/>
-            <ac:picMk id="7" creationId="{459E3743-7514-4F26-B0C9-B6F1578868F5}"/>
-          </ac:picMkLst>
-        </pc:picChg>
-      </pc:sldChg>
-      <pc:sldChg chg="addSp modSp">
-        <pc:chgData name="Stevens, David" userId="73fe415a-d21a-4898-bfab-0e75d37181d7" providerId="ADAL" clId="{0D06C720-9C57-4E1E-B275-78274B6009E5}" dt="2018-07-09T08:19:21.657" v="190" actId="12789"/>
-        <pc:sldMkLst>
-          <pc:docMk/>
-          <pc:sldMk cId="3131760488" sldId="326"/>
-        </pc:sldMkLst>
-        <pc:spChg chg="add mod ord">
-          <ac:chgData name="Stevens, David" userId="73fe415a-d21a-4898-bfab-0e75d37181d7" providerId="ADAL" clId="{0D06C720-9C57-4E1E-B275-78274B6009E5}" dt="2018-07-09T08:19:21.657" v="190" actId="12789"/>
-          <ac:spMkLst>
-            <pc:docMk/>
-            <pc:sldMk cId="3131760488" sldId="326"/>
-            <ac:spMk id="5" creationId="{63DEDB00-F3ED-499C-B70D-2B48F741B06D}"/>
-          </ac:spMkLst>
-        </pc:spChg>
-        <pc:spChg chg="add mod">
-          <ac:chgData name="Stevens, David" userId="73fe415a-d21a-4898-bfab-0e75d37181d7" providerId="ADAL" clId="{0D06C720-9C57-4E1E-B275-78274B6009E5}" dt="2018-07-09T08:19:21.657" v="190" actId="12789"/>
-          <ac:spMkLst>
-            <pc:docMk/>
-            <pc:sldMk cId="3131760488" sldId="326"/>
-            <ac:spMk id="6" creationId="{EB6AE692-005E-4E3D-BFCA-A9BE29E5F342}"/>
-          </ac:spMkLst>
-        </pc:spChg>
-        <pc:spChg chg="add mod ord">
-          <ac:chgData name="Stevens, David" userId="73fe415a-d21a-4898-bfab-0e75d37181d7" providerId="ADAL" clId="{0D06C720-9C57-4E1E-B275-78274B6009E5}" dt="2018-07-09T08:19:17.313" v="188" actId="12789"/>
-          <ac:spMkLst>
-            <pc:docMk/>
-            <pc:sldMk cId="3131760488" sldId="326"/>
-            <ac:spMk id="7" creationId="{28374A95-4DC9-469B-9BCC-050CB7C3BD6D}"/>
-          </ac:spMkLst>
-        </pc:spChg>
-        <pc:spChg chg="add mod">
-          <ac:chgData name="Stevens, David" userId="73fe415a-d21a-4898-bfab-0e75d37181d7" providerId="ADAL" clId="{0D06C720-9C57-4E1E-B275-78274B6009E5}" dt="2018-07-09T08:19:17.313" v="188" actId="12789"/>
-          <ac:spMkLst>
-            <pc:docMk/>
-            <pc:sldMk cId="3131760488" sldId="326"/>
-            <ac:spMk id="8" creationId="{459EE1CA-F1AF-4F4C-ADB6-AE7106702E1E}"/>
-          </ac:spMkLst>
-        </pc:spChg>
-        <pc:graphicFrameChg chg="mod modGraphic">
-          <ac:chgData name="Stevens, David" userId="73fe415a-d21a-4898-bfab-0e75d37181d7" providerId="ADAL" clId="{0D06C720-9C57-4E1E-B275-78274B6009E5}" dt="2018-07-09T08:15:12.920" v="110" actId="108"/>
-          <ac:graphicFrameMkLst>
-            <pc:docMk/>
-            <pc:sldMk cId="3131760488" sldId="326"/>
-            <ac:graphicFrameMk id="14" creationId="{A7BC4D54-A17B-438E-A39A-7FA0A53C2E78}"/>
-          </ac:graphicFrameMkLst>
-        </pc:graphicFrameChg>
       </pc:sldChg>
     </pc:docChg>
+  </pc:docChgLst>
+  <pc:docChgLst>
+    <pc:chgData name="Stevens, David" userId="73fe415a-d21a-4898-bfab-0e75d37181d7" providerId="ADAL" clId="{0D06C720-9C57-4E1E-B275-78274B6009E5}"/>
   </pc:docChgLst>
   <pc:docChgLst>
     <pc:chgData name="David Stevens" userId="b6815b1ecc207c78" providerId="LiveId" clId="{456B4E9D-26DD-4E28-9DE1-E3370A981174}"/>
@@ -645,7 +525,7 @@
                 <a:latin typeface="Arial"/>
                 <a:cs typeface="Arial"/>
               </a:rPr>
-              <a:t>10/5/2018</a:t>
+              <a:t>3/19/2019</a:t>
             </a:fld>
             <a:endParaRPr lang="en-US">
               <a:latin typeface="Arial"/>
@@ -830,7 +710,7 @@
             <a:fld id="{73B26A0F-F4D6-9B4F-A87B-D8948CDE3BB4}" type="datetimeFigureOut">
               <a:rPr lang="en-US" smtClean="0"/>
               <a:pPr/>
-              <a:t>10/5/2018</a:t>
+              <a:t>3/19/2019</a:t>
             </a:fld>
             <a:endParaRPr lang="en-US"/>
           </a:p>
@@ -2474,7 +2354,7 @@
                   <a:spcPts val="0"/>
                 </a:spcBef>
               </a:pPr>
-              <a:t>October 5, 2018</a:t>
+              <a:t>March 19, 2019</a:t>
             </a:fld>
             <a:endParaRPr lang="en-US" sz="1400" b="0" dirty="0">
               <a:solidFill>
@@ -4277,7 +4157,7 @@
                   <a:spcPct val="50000"/>
                 </a:spcBef>
               </a:pPr>
-              <a:t>October 5, 2018</a:t>
+              <a:t>March 19, 2019</a:t>
             </a:fld>
             <a:endParaRPr lang="en-US" sz="1100" b="0" dirty="0">
               <a:solidFill>
@@ -6030,7 +5910,7 @@
                   <a:spcPct val="50000"/>
                 </a:spcBef>
               </a:pPr>
-              <a:t>October 5, 2018</a:t>
+              <a:t>March 19, 2019</a:t>
             </a:fld>
             <a:endParaRPr lang="en-US" sz="1100" b="0" dirty="0">
               <a:solidFill>
@@ -7501,7 +7381,7 @@
                   <a:spcPct val="50000"/>
                 </a:spcBef>
               </a:pPr>
-              <a:t>October 5, 2018</a:t>
+              <a:t>March 19, 2019</a:t>
             </a:fld>
             <a:endParaRPr lang="en-US" sz="1100" b="0" dirty="0">
               <a:solidFill>
@@ -8854,7 +8734,7 @@
                   <a:spcPts val="0"/>
                 </a:spcBef>
               </a:pPr>
-              <a:t>October 5, 2018</a:t>
+              <a:t>March 19, 2019</a:t>
             </a:fld>
             <a:endParaRPr lang="en-US" sz="1100" b="0" dirty="0">
               <a:solidFill>
@@ -10291,7 +10171,7 @@
                   <a:spcPct val="50000"/>
                 </a:spcBef>
               </a:pPr>
-              <a:t>October 5, 2018</a:t>
+              <a:t>March 19, 2019</a:t>
             </a:fld>
             <a:endParaRPr lang="en-US" sz="1100" b="0" dirty="0">
               <a:solidFill>
@@ -13192,7 +13072,7 @@
                   <a:spcPts val="0"/>
                 </a:spcBef>
               </a:pPr>
-              <a:t>October 5, 2018</a:t>
+              <a:t>March 19, 2019</a:t>
             </a:fld>
             <a:endParaRPr lang="en-US" sz="1400" b="0" dirty="0">
               <a:solidFill>
@@ -14583,7 +14463,7 @@
                   <a:spcPts val="0"/>
                 </a:spcBef>
               </a:pPr>
-              <a:t>October 5, 2018</a:t>
+              <a:t>March 19, 2019</a:t>
             </a:fld>
             <a:endParaRPr lang="en-US" sz="1400" b="0" dirty="0">
               <a:solidFill>
@@ -16144,7 +16024,7 @@
                   <a:spcPts val="0"/>
                 </a:spcBef>
               </a:pPr>
-              <a:t>October 5, 2018</a:t>
+              <a:t>March 19, 2019</a:t>
             </a:fld>
             <a:endParaRPr lang="en-US" sz="1400" b="0" dirty="0">
               <a:solidFill>
@@ -17566,7 +17446,7 @@
                   <a:spcPts val="0"/>
                 </a:spcBef>
               </a:pPr>
-              <a:t>October 5, 2018</a:t>
+              <a:t>March 19, 2019</a:t>
             </a:fld>
             <a:endParaRPr lang="en-US" sz="1400" b="0" dirty="0">
               <a:solidFill>
@@ -18980,7 +18860,7 @@
                   <a:spcPts val="0"/>
                 </a:spcBef>
               </a:pPr>
-              <a:t>October 5, 2018</a:t>
+              <a:t>March 19, 2019</a:t>
             </a:fld>
             <a:endParaRPr lang="en-US" sz="1400" b="0" dirty="0">
               <a:solidFill>
@@ -20728,7 +20608,7 @@
                   <a:spcPts val="0"/>
                 </a:spcBef>
               </a:pPr>
-              <a:t>October 5, 2018</a:t>
+              <a:t>March 19, 2019</a:t>
             </a:fld>
             <a:endParaRPr lang="en-US" sz="1100" b="0" dirty="0">
               <a:solidFill>
@@ -25125,62 +25005,6 @@
       </p:sp>
       <p:sp>
         <p:nvSpPr>
-          <p:cNvPr id="17" name="Rectangle 16">
-            <a:extLst>
-              <a:ext uri="{FF2B5EF4-FFF2-40B4-BE49-F238E27FC236}">
-                <a16:creationId xmlns:a16="http://schemas.microsoft.com/office/drawing/2014/main" id="{A2750273-64CD-4CCB-91B3-3BC42FCB8511}"/>
-              </a:ext>
-            </a:extLst>
-          </p:cNvPr>
-          <p:cNvSpPr/>
-          <p:nvPr/>
-        </p:nvSpPr>
-        <p:spPr>
-          <a:xfrm>
-            <a:off x="771846" y="5007420"/>
-            <a:ext cx="1796541" cy="287456"/>
-          </a:xfrm>
-          <a:prstGeom prst="rect">
-            <a:avLst/>
-          </a:prstGeom>
-          <a:noFill/>
-          <a:ln w="12700">
-            <a:noFill/>
-          </a:ln>
-        </p:spPr>
-        <p:style>
-          <a:lnRef idx="0">
-            <a:schemeClr val="accent1"/>
-          </a:lnRef>
-          <a:fillRef idx="1">
-            <a:schemeClr val="accent1"/>
-          </a:fillRef>
-          <a:effectRef idx="0">
-            <a:schemeClr val="accent1"/>
-          </a:effectRef>
-          <a:fontRef idx="minor">
-            <a:schemeClr val="lt1"/>
-          </a:fontRef>
-        </p:style>
-        <p:txBody>
-          <a:bodyPr lIns="0" tIns="0" rIns="0" bIns="0" rtlCol="0" anchor="ctr"/>
-          <a:lstStyle/>
-          <a:p>
-            <a:pPr>
-              <a:spcAft>
-                <a:spcPts val="600"/>
-              </a:spcAft>
-            </a:pPr>
-            <a:endParaRPr lang="en-US" sz="1600" b="1" dirty="0">
-              <a:solidFill>
-                <a:schemeClr val="tx1"/>
-              </a:solidFill>
-            </a:endParaRPr>
-          </a:p>
-        </p:txBody>
-      </p:sp>
-      <p:sp>
-        <p:nvSpPr>
           <p:cNvPr id="21" name="Rectangle 20">
             <a:extLst>
               <a:ext uri="{FF2B5EF4-FFF2-40B4-BE49-F238E27FC236}">
@@ -27236,12 +27060,50 @@
           </p:txBody>
         </p:sp>
       </p:grpSp>
+      <p:sp>
+        <p:nvSpPr>
+          <p:cNvPr id="49" name="TextBox 48">
+            <a:extLst>
+              <a:ext uri="{FF2B5EF4-FFF2-40B4-BE49-F238E27FC236}">
+                <a16:creationId xmlns:a16="http://schemas.microsoft.com/office/drawing/2014/main" id="{7E2CDDD2-4A56-419B-8370-39DF706CCD44}"/>
+              </a:ext>
+            </a:extLst>
+          </p:cNvPr>
+          <p:cNvSpPr txBox="1"/>
+          <p:nvPr/>
+        </p:nvSpPr>
+        <p:spPr>
+          <a:xfrm>
+            <a:off x="802916" y="6919012"/>
+            <a:ext cx="1501005" cy="253916"/>
+          </a:xfrm>
+          <a:prstGeom prst="rect">
+            <a:avLst/>
+          </a:prstGeom>
+          <a:noFill/>
+        </p:spPr>
+        <p:txBody>
+          <a:bodyPr wrap="square" rtlCol="0">
+            <a:spAutoFit/>
+          </a:bodyPr>
+          <a:lstStyle/>
+          <a:p>
+            <a:pPr algn="ctr"/>
+            <a:r>
+              <a:rPr lang="en-GB" sz="1050" dirty="0">
+                <a:latin typeface="GT Walsheim Pro" panose="00000500000000000000" pitchFamily="2" charset="0"/>
+              </a:rPr>
+              <a:t>Onboard: Solutions</a:t>
+            </a:r>
+          </a:p>
+        </p:txBody>
+      </p:sp>
       <p:grpSp>
         <p:nvGrpSpPr>
-          <p:cNvPr id="61" name="Group 60">
+          <p:cNvPr id="3" name="Group 2">
             <a:extLst>
               <a:ext uri="{FF2B5EF4-FFF2-40B4-BE49-F238E27FC236}">
-                <a16:creationId xmlns:a16="http://schemas.microsoft.com/office/drawing/2014/main" id="{086A705E-9C94-4C19-896E-59C0E89C0CD1}"/>
+                <a16:creationId xmlns:a16="http://schemas.microsoft.com/office/drawing/2014/main" id="{17EF9390-4149-48B7-9ACF-95C6EAF54E5F}"/>
               </a:ext>
             </a:extLst>
           </p:cNvPr>
@@ -27250,10 +27112,10 @@
         </p:nvGrpSpPr>
         <p:grpSpPr>
           <a:xfrm>
-            <a:off x="802916" y="5428220"/>
-            <a:ext cx="1501005" cy="1744708"/>
-            <a:chOff x="805160" y="5398076"/>
-            <a:chExt cx="1501005" cy="1744708"/>
+            <a:off x="836993" y="5428220"/>
+            <a:ext cx="1432851" cy="1432851"/>
+            <a:chOff x="836993" y="5428220"/>
+            <a:chExt cx="1432851" cy="1432851"/>
           </a:xfrm>
         </p:grpSpPr>
         <p:sp>
@@ -27270,7 +27132,7 @@
           </p:nvSpPr>
           <p:spPr>
             <a:xfrm>
-              <a:off x="839237" y="5398076"/>
+              <a:off x="836993" y="5428220"/>
               <a:ext cx="1432851" cy="1432851"/>
             </a:xfrm>
             <a:prstGeom prst="rect">
@@ -27305,44 +27167,6 @@
             <a:p>
               <a:pPr algn="ctr"/>
               <a:endParaRPr lang="en-GB"/>
-            </a:p>
-          </p:txBody>
-        </p:sp>
-        <p:sp>
-          <p:nvSpPr>
-            <p:cNvPr id="49" name="TextBox 48">
-              <a:extLst>
-                <a:ext uri="{FF2B5EF4-FFF2-40B4-BE49-F238E27FC236}">
-                  <a16:creationId xmlns:a16="http://schemas.microsoft.com/office/drawing/2014/main" id="{7E2CDDD2-4A56-419B-8370-39DF706CCD44}"/>
-                </a:ext>
-              </a:extLst>
-            </p:cNvPr>
-            <p:cNvSpPr txBox="1"/>
-            <p:nvPr/>
-          </p:nvSpPr>
-          <p:spPr>
-            <a:xfrm>
-              <a:off x="805160" y="6888868"/>
-              <a:ext cx="1501005" cy="253916"/>
-            </a:xfrm>
-            <a:prstGeom prst="rect">
-              <a:avLst/>
-            </a:prstGeom>
-            <a:noFill/>
-          </p:spPr>
-          <p:txBody>
-            <a:bodyPr wrap="square" rtlCol="0">
-              <a:spAutoFit/>
-            </a:bodyPr>
-            <a:lstStyle/>
-            <a:p>
-              <a:pPr algn="ctr"/>
-              <a:r>
-                <a:rPr lang="en-GB" sz="1050" dirty="0">
-                  <a:latin typeface="GT Walsheim Pro" panose="00000500000000000000" pitchFamily="2" charset="0"/>
-                </a:rPr>
-                <a:t>Onboard: Solutions</a:t>
-              </a:r>
             </a:p>
           </p:txBody>
         </p:sp>
@@ -27362,7 +27186,7 @@
           </p:nvSpPr>
           <p:spPr bwMode="auto">
             <a:xfrm>
-              <a:off x="1092806" y="5758251"/>
+              <a:off x="1090562" y="5788395"/>
               <a:ext cx="925713" cy="622127"/>
             </a:xfrm>
             <a:custGeom>
@@ -27607,58 +27431,6 @@
       </p:grpSp>
       <p:sp>
         <p:nvSpPr>
-          <p:cNvPr id="52" name="Rectangle 51">
-            <a:extLst>
-              <a:ext uri="{FF2B5EF4-FFF2-40B4-BE49-F238E27FC236}">
-                <a16:creationId xmlns:a16="http://schemas.microsoft.com/office/drawing/2014/main" id="{114E22AA-6F85-4492-BBC5-B7C602617E18}"/>
-              </a:ext>
-            </a:extLst>
-          </p:cNvPr>
-          <p:cNvSpPr/>
-          <p:nvPr/>
-        </p:nvSpPr>
-        <p:spPr>
-          <a:xfrm>
-            <a:off x="3708243" y="5428220"/>
-            <a:ext cx="1432851" cy="1432851"/>
-          </a:xfrm>
-          <a:prstGeom prst="rect">
-            <a:avLst/>
-          </a:prstGeom>
-          <a:solidFill>
-            <a:schemeClr val="bg1"/>
-          </a:solidFill>
-          <a:ln w="127000" cmpd="thinThick">
-            <a:solidFill>
-              <a:schemeClr val="tx1"/>
-            </a:solidFill>
-          </a:ln>
-        </p:spPr>
-        <p:style>
-          <a:lnRef idx="0">
-            <a:schemeClr val="accent1"/>
-          </a:lnRef>
-          <a:fillRef idx="1">
-            <a:schemeClr val="accent1"/>
-          </a:fillRef>
-          <a:effectRef idx="0">
-            <a:schemeClr val="accent1"/>
-          </a:effectRef>
-          <a:fontRef idx="minor">
-            <a:schemeClr val="lt1"/>
-          </a:fontRef>
-        </p:style>
-        <p:txBody>
-          <a:bodyPr rtlCol="0" anchor="ctr"/>
-          <a:lstStyle/>
-          <a:p>
-            <a:pPr algn="ctr"/>
-            <a:endParaRPr lang="en-GB"/>
-          </a:p>
-        </p:txBody>
-      </p:sp>
-      <p:sp>
-        <p:nvSpPr>
           <p:cNvPr id="53" name="TextBox 52">
             <a:extLst>
               <a:ext uri="{FF2B5EF4-FFF2-40B4-BE49-F238E27FC236}">
@@ -27692,58 +27464,6 @@
               </a:rPr>
               <a:t>Journeyman</a:t>
             </a:r>
-          </a:p>
-        </p:txBody>
-      </p:sp>
-      <p:sp>
-        <p:nvSpPr>
-          <p:cNvPr id="55" name="Rectangle 54">
-            <a:extLst>
-              <a:ext uri="{FF2B5EF4-FFF2-40B4-BE49-F238E27FC236}">
-                <a16:creationId xmlns:a16="http://schemas.microsoft.com/office/drawing/2014/main" id="{02934CD2-2E55-4F21-90B1-4CA06B44E4BC}"/>
-              </a:ext>
-            </a:extLst>
-          </p:cNvPr>
-          <p:cNvSpPr/>
-          <p:nvPr/>
-        </p:nvSpPr>
-        <p:spPr>
-          <a:xfrm>
-            <a:off x="6579493" y="5428220"/>
-            <a:ext cx="1432851" cy="1432851"/>
-          </a:xfrm>
-          <a:prstGeom prst="rect">
-            <a:avLst/>
-          </a:prstGeom>
-          <a:solidFill>
-            <a:schemeClr val="bg1"/>
-          </a:solidFill>
-          <a:ln w="127000" cmpd="thinThick">
-            <a:solidFill>
-              <a:schemeClr val="tx1"/>
-            </a:solidFill>
-          </a:ln>
-        </p:spPr>
-        <p:style>
-          <a:lnRef idx="0">
-            <a:schemeClr val="accent1"/>
-          </a:lnRef>
-          <a:fillRef idx="1">
-            <a:schemeClr val="accent1"/>
-          </a:fillRef>
-          <a:effectRef idx="0">
-            <a:schemeClr val="accent1"/>
-          </a:effectRef>
-          <a:fontRef idx="minor">
-            <a:schemeClr val="lt1"/>
-          </a:fontRef>
-        </p:style>
-        <p:txBody>
-          <a:bodyPr rtlCol="0" anchor="ctr"/>
-          <a:lstStyle/>
-          <a:p>
-            <a:pPr algn="ctr"/>
-            <a:endParaRPr lang="en-GB"/>
           </a:p>
         </p:txBody>
       </p:sp>
@@ -27820,718 +27540,864 @@
           </a:p>
         </p:txBody>
       </p:sp>
-      <p:sp>
-        <p:nvSpPr>
-          <p:cNvPr id="62" name="Freeform 89">
+      <p:grpSp>
+        <p:nvGrpSpPr>
+          <p:cNvPr id="6" name="Group 5">
             <a:extLst>
               <a:ext uri="{FF2B5EF4-FFF2-40B4-BE49-F238E27FC236}">
-                <a16:creationId xmlns:a16="http://schemas.microsoft.com/office/drawing/2014/main" id="{0983C606-8C6F-431B-8E0F-20F236054CC0}"/>
+                <a16:creationId xmlns:a16="http://schemas.microsoft.com/office/drawing/2014/main" id="{40384163-81B4-4719-8B8A-30C508C8950E}"/>
               </a:ext>
             </a:extLst>
           </p:cNvPr>
-          <p:cNvSpPr>
-            <a:spLocks noChangeAspect="1" noEditPoints="1"/>
-          </p:cNvSpPr>
+          <p:cNvGrpSpPr/>
           <p:nvPr/>
-        </p:nvSpPr>
-        <p:spPr bwMode="auto">
+        </p:nvGrpSpPr>
+        <p:grpSpPr>
           <a:xfrm>
-            <a:off x="6876399" y="5759881"/>
-            <a:ext cx="839038" cy="769528"/>
+            <a:off x="6579493" y="5428220"/>
+            <a:ext cx="1432851" cy="1432851"/>
+            <a:chOff x="6579493" y="5428220"/>
+            <a:chExt cx="1432851" cy="1432851"/>
           </a:xfrm>
-          <a:custGeom>
-            <a:avLst/>
-            <a:gdLst>
-              <a:gd name="T0" fmla="*/ 576 w 1152"/>
-              <a:gd name="T1" fmla="*/ 288 h 1056"/>
-              <a:gd name="T2" fmla="*/ 768 w 1152"/>
-              <a:gd name="T3" fmla="*/ 480 h 1056"/>
-              <a:gd name="T4" fmla="*/ 768 w 1152"/>
-              <a:gd name="T5" fmla="*/ 672 h 1056"/>
-              <a:gd name="T6" fmla="*/ 576 w 1152"/>
-              <a:gd name="T7" fmla="*/ 480 h 1056"/>
-              <a:gd name="T8" fmla="*/ 384 w 1152"/>
-              <a:gd name="T9" fmla="*/ 672 h 1056"/>
-              <a:gd name="T10" fmla="*/ 384 w 1152"/>
-              <a:gd name="T11" fmla="*/ 480 h 1056"/>
-              <a:gd name="T12" fmla="*/ 576 w 1152"/>
-              <a:gd name="T13" fmla="*/ 288 h 1056"/>
-              <a:gd name="T14" fmla="*/ 720 w 1152"/>
-              <a:gd name="T15" fmla="*/ 144 h 1056"/>
-              <a:gd name="T16" fmla="*/ 576 w 1152"/>
-              <a:gd name="T17" fmla="*/ 0 h 1056"/>
-              <a:gd name="T18" fmla="*/ 432 w 1152"/>
-              <a:gd name="T19" fmla="*/ 144 h 1056"/>
-              <a:gd name="T20" fmla="*/ 576 w 1152"/>
-              <a:gd name="T21" fmla="*/ 288 h 1056"/>
-              <a:gd name="T22" fmla="*/ 720 w 1152"/>
-              <a:gd name="T23" fmla="*/ 144 h 1056"/>
-              <a:gd name="T24" fmla="*/ 336 w 1152"/>
-              <a:gd name="T25" fmla="*/ 528 h 1056"/>
-              <a:gd name="T26" fmla="*/ 192 w 1152"/>
-              <a:gd name="T27" fmla="*/ 384 h 1056"/>
-              <a:gd name="T28" fmla="*/ 48 w 1152"/>
-              <a:gd name="T29" fmla="*/ 528 h 1056"/>
-              <a:gd name="T30" fmla="*/ 192 w 1152"/>
-              <a:gd name="T31" fmla="*/ 672 h 1056"/>
-              <a:gd name="T32" fmla="*/ 336 w 1152"/>
-              <a:gd name="T33" fmla="*/ 528 h 1056"/>
-              <a:gd name="T34" fmla="*/ 328 w 1152"/>
-              <a:gd name="T35" fmla="*/ 728 h 1056"/>
-              <a:gd name="T36" fmla="*/ 192 w 1152"/>
-              <a:gd name="T37" fmla="*/ 672 h 1056"/>
-              <a:gd name="T38" fmla="*/ 0 w 1152"/>
-              <a:gd name="T39" fmla="*/ 864 h 1056"/>
-              <a:gd name="T40" fmla="*/ 0 w 1152"/>
-              <a:gd name="T41" fmla="*/ 1056 h 1056"/>
-              <a:gd name="T42" fmla="*/ 384 w 1152"/>
-              <a:gd name="T43" fmla="*/ 1056 h 1056"/>
-              <a:gd name="T44" fmla="*/ 384 w 1152"/>
-              <a:gd name="T45" fmla="*/ 864 h 1056"/>
-              <a:gd name="T46" fmla="*/ 192 w 1152"/>
-              <a:gd name="T47" fmla="*/ 864 h 1056"/>
-              <a:gd name="T48" fmla="*/ 328 w 1152"/>
-              <a:gd name="T49" fmla="*/ 728 h 1056"/>
-              <a:gd name="T50" fmla="*/ 1104 w 1152"/>
-              <a:gd name="T51" fmla="*/ 528 h 1056"/>
-              <a:gd name="T52" fmla="*/ 960 w 1152"/>
-              <a:gd name="T53" fmla="*/ 384 h 1056"/>
-              <a:gd name="T54" fmla="*/ 816 w 1152"/>
-              <a:gd name="T55" fmla="*/ 528 h 1056"/>
-              <a:gd name="T56" fmla="*/ 960 w 1152"/>
-              <a:gd name="T57" fmla="*/ 672 h 1056"/>
-              <a:gd name="T58" fmla="*/ 1104 w 1152"/>
-              <a:gd name="T59" fmla="*/ 528 h 1056"/>
-              <a:gd name="T60" fmla="*/ 960 w 1152"/>
-              <a:gd name="T61" fmla="*/ 672 h 1056"/>
-              <a:gd name="T62" fmla="*/ 824 w 1152"/>
-              <a:gd name="T63" fmla="*/ 728 h 1056"/>
-              <a:gd name="T64" fmla="*/ 960 w 1152"/>
-              <a:gd name="T65" fmla="*/ 864 h 1056"/>
-              <a:gd name="T66" fmla="*/ 768 w 1152"/>
-              <a:gd name="T67" fmla="*/ 864 h 1056"/>
-              <a:gd name="T68" fmla="*/ 768 w 1152"/>
-              <a:gd name="T69" fmla="*/ 1056 h 1056"/>
-              <a:gd name="T70" fmla="*/ 1152 w 1152"/>
-              <a:gd name="T71" fmla="*/ 1056 h 1056"/>
-              <a:gd name="T72" fmla="*/ 1152 w 1152"/>
-              <a:gd name="T73" fmla="*/ 864 h 1056"/>
-              <a:gd name="T74" fmla="*/ 960 w 1152"/>
-              <a:gd name="T75" fmla="*/ 672 h 1056"/>
-            </a:gdLst>
-            <a:ahLst/>
-            <a:cxnLst>
-              <a:cxn ang="0">
-                <a:pos x="T0" y="T1"/>
-              </a:cxn>
-              <a:cxn ang="0">
-                <a:pos x="T2" y="T3"/>
-              </a:cxn>
-              <a:cxn ang="0">
-                <a:pos x="T4" y="T5"/>
-              </a:cxn>
-              <a:cxn ang="0">
-                <a:pos x="T6" y="T7"/>
-              </a:cxn>
-              <a:cxn ang="0">
-                <a:pos x="T8" y="T9"/>
-              </a:cxn>
-              <a:cxn ang="0">
-                <a:pos x="T10" y="T11"/>
-              </a:cxn>
-              <a:cxn ang="0">
-                <a:pos x="T12" y="T13"/>
-              </a:cxn>
-              <a:cxn ang="0">
-                <a:pos x="T14" y="T15"/>
-              </a:cxn>
-              <a:cxn ang="0">
-                <a:pos x="T16" y="T17"/>
-              </a:cxn>
-              <a:cxn ang="0">
-                <a:pos x="T18" y="T19"/>
-              </a:cxn>
-              <a:cxn ang="0">
-                <a:pos x="T20" y="T21"/>
-              </a:cxn>
-              <a:cxn ang="0">
-                <a:pos x="T22" y="T23"/>
-              </a:cxn>
-              <a:cxn ang="0">
-                <a:pos x="T24" y="T25"/>
-              </a:cxn>
-              <a:cxn ang="0">
-                <a:pos x="T26" y="T27"/>
-              </a:cxn>
-              <a:cxn ang="0">
-                <a:pos x="T28" y="T29"/>
-              </a:cxn>
-              <a:cxn ang="0">
-                <a:pos x="T30" y="T31"/>
-              </a:cxn>
-              <a:cxn ang="0">
-                <a:pos x="T32" y="T33"/>
-              </a:cxn>
-              <a:cxn ang="0">
-                <a:pos x="T34" y="T35"/>
-              </a:cxn>
-              <a:cxn ang="0">
-                <a:pos x="T36" y="T37"/>
-              </a:cxn>
-              <a:cxn ang="0">
-                <a:pos x="T38" y="T39"/>
-              </a:cxn>
-              <a:cxn ang="0">
-                <a:pos x="T40" y="T41"/>
-              </a:cxn>
-              <a:cxn ang="0">
-                <a:pos x="T42" y="T43"/>
-              </a:cxn>
-              <a:cxn ang="0">
-                <a:pos x="T44" y="T45"/>
-              </a:cxn>
-              <a:cxn ang="0">
-                <a:pos x="T46" y="T47"/>
-              </a:cxn>
-              <a:cxn ang="0">
-                <a:pos x="T48" y="T49"/>
-              </a:cxn>
-              <a:cxn ang="0">
-                <a:pos x="T50" y="T51"/>
-              </a:cxn>
-              <a:cxn ang="0">
-                <a:pos x="T52" y="T53"/>
-              </a:cxn>
-              <a:cxn ang="0">
-                <a:pos x="T54" y="T55"/>
-              </a:cxn>
-              <a:cxn ang="0">
-                <a:pos x="T56" y="T57"/>
-              </a:cxn>
-              <a:cxn ang="0">
-                <a:pos x="T58" y="T59"/>
-              </a:cxn>
-              <a:cxn ang="0">
-                <a:pos x="T60" y="T61"/>
-              </a:cxn>
-              <a:cxn ang="0">
-                <a:pos x="T62" y="T63"/>
-              </a:cxn>
-              <a:cxn ang="0">
-                <a:pos x="T64" y="T65"/>
-              </a:cxn>
-              <a:cxn ang="0">
-                <a:pos x="T66" y="T67"/>
-              </a:cxn>
-              <a:cxn ang="0">
-                <a:pos x="T68" y="T69"/>
-              </a:cxn>
-              <a:cxn ang="0">
-                <a:pos x="T70" y="T71"/>
-              </a:cxn>
-              <a:cxn ang="0">
-                <a:pos x="T72" y="T73"/>
-              </a:cxn>
-              <a:cxn ang="0">
-                <a:pos x="T74" y="T75"/>
-              </a:cxn>
-            </a:cxnLst>
-            <a:rect l="0" t="0" r="r" b="b"/>
-            <a:pathLst>
-              <a:path w="1152" h="1056">
-                <a:moveTo>
-                  <a:pt x="576" y="288"/>
-                </a:moveTo>
-                <a:cubicBezTo>
-                  <a:pt x="682" y="288"/>
-                  <a:pt x="768" y="374"/>
-                  <a:pt x="768" y="480"/>
-                </a:cubicBezTo>
-                <a:cubicBezTo>
-                  <a:pt x="768" y="672"/>
-                  <a:pt x="768" y="672"/>
-                  <a:pt x="768" y="672"/>
-                </a:cubicBezTo>
-                <a:cubicBezTo>
-                  <a:pt x="576" y="480"/>
-                  <a:pt x="576" y="480"/>
-                  <a:pt x="576" y="480"/>
-                </a:cubicBezTo>
-                <a:cubicBezTo>
-                  <a:pt x="384" y="672"/>
-                  <a:pt x="384" y="672"/>
-                  <a:pt x="384" y="672"/>
-                </a:cubicBezTo>
-                <a:cubicBezTo>
-                  <a:pt x="384" y="480"/>
-                  <a:pt x="384" y="480"/>
-                  <a:pt x="384" y="480"/>
-                </a:cubicBezTo>
-                <a:cubicBezTo>
-                  <a:pt x="384" y="374"/>
-                  <a:pt x="470" y="288"/>
-                  <a:pt x="576" y="288"/>
-                </a:cubicBezTo>
-                <a:close/>
-                <a:moveTo>
-                  <a:pt x="720" y="144"/>
-                </a:moveTo>
-                <a:cubicBezTo>
-                  <a:pt x="720" y="64"/>
-                  <a:pt x="656" y="0"/>
-                  <a:pt x="576" y="0"/>
-                </a:cubicBezTo>
-                <a:cubicBezTo>
-                  <a:pt x="496" y="0"/>
-                  <a:pt x="432" y="64"/>
-                  <a:pt x="432" y="144"/>
-                </a:cubicBezTo>
-                <a:cubicBezTo>
-                  <a:pt x="432" y="224"/>
-                  <a:pt x="496" y="288"/>
-                  <a:pt x="576" y="288"/>
-                </a:cubicBezTo>
-                <a:cubicBezTo>
-                  <a:pt x="656" y="288"/>
-                  <a:pt x="720" y="224"/>
-                  <a:pt x="720" y="144"/>
-                </a:cubicBezTo>
-                <a:close/>
-                <a:moveTo>
-                  <a:pt x="336" y="528"/>
-                </a:moveTo>
-                <a:cubicBezTo>
-                  <a:pt x="336" y="448"/>
-                  <a:pt x="272" y="384"/>
-                  <a:pt x="192" y="384"/>
-                </a:cubicBezTo>
-                <a:cubicBezTo>
-                  <a:pt x="112" y="384"/>
-                  <a:pt x="48" y="448"/>
-                  <a:pt x="48" y="528"/>
-                </a:cubicBezTo>
-                <a:cubicBezTo>
-                  <a:pt x="48" y="608"/>
-                  <a:pt x="112" y="672"/>
-                  <a:pt x="192" y="672"/>
-                </a:cubicBezTo>
-                <a:cubicBezTo>
-                  <a:pt x="272" y="672"/>
-                  <a:pt x="336" y="608"/>
-                  <a:pt x="336" y="528"/>
-                </a:cubicBezTo>
-                <a:close/>
-                <a:moveTo>
-                  <a:pt x="328" y="728"/>
-                </a:moveTo>
-                <a:cubicBezTo>
-                  <a:pt x="293" y="693"/>
-                  <a:pt x="245" y="672"/>
-                  <a:pt x="192" y="672"/>
-                </a:cubicBezTo>
-                <a:cubicBezTo>
-                  <a:pt x="86" y="672"/>
-                  <a:pt x="0" y="758"/>
-                  <a:pt x="0" y="864"/>
-                </a:cubicBezTo>
-                <a:cubicBezTo>
-                  <a:pt x="0" y="1056"/>
-                  <a:pt x="0" y="1056"/>
-                  <a:pt x="0" y="1056"/>
-                </a:cubicBezTo>
-                <a:cubicBezTo>
-                  <a:pt x="384" y="1056"/>
-                  <a:pt x="384" y="1056"/>
-                  <a:pt x="384" y="1056"/>
-                </a:cubicBezTo>
-                <a:cubicBezTo>
-                  <a:pt x="384" y="864"/>
-                  <a:pt x="384" y="864"/>
-                  <a:pt x="384" y="864"/>
-                </a:cubicBezTo>
-                <a:cubicBezTo>
-                  <a:pt x="192" y="864"/>
-                  <a:pt x="192" y="864"/>
-                  <a:pt x="192" y="864"/>
-                </a:cubicBezTo>
-                <a:lnTo>
-                  <a:pt x="328" y="728"/>
-                </a:lnTo>
-                <a:close/>
-                <a:moveTo>
-                  <a:pt x="1104" y="528"/>
-                </a:moveTo>
-                <a:cubicBezTo>
-                  <a:pt x="1104" y="448"/>
-                  <a:pt x="1040" y="384"/>
-                  <a:pt x="960" y="384"/>
-                </a:cubicBezTo>
-                <a:cubicBezTo>
-                  <a:pt x="880" y="384"/>
-                  <a:pt x="816" y="448"/>
-                  <a:pt x="816" y="528"/>
-                </a:cubicBezTo>
-                <a:cubicBezTo>
-                  <a:pt x="816" y="608"/>
-                  <a:pt x="880" y="672"/>
-                  <a:pt x="960" y="672"/>
-                </a:cubicBezTo>
-                <a:cubicBezTo>
-                  <a:pt x="1040" y="672"/>
-                  <a:pt x="1104" y="608"/>
-                  <a:pt x="1104" y="528"/>
-                </a:cubicBezTo>
-                <a:close/>
-                <a:moveTo>
-                  <a:pt x="960" y="672"/>
-                </a:moveTo>
-                <a:cubicBezTo>
-                  <a:pt x="907" y="672"/>
-                  <a:pt x="859" y="693"/>
-                  <a:pt x="824" y="728"/>
-                </a:cubicBezTo>
-                <a:cubicBezTo>
-                  <a:pt x="960" y="864"/>
-                  <a:pt x="960" y="864"/>
-                  <a:pt x="960" y="864"/>
-                </a:cubicBezTo>
-                <a:cubicBezTo>
-                  <a:pt x="768" y="864"/>
-                  <a:pt x="768" y="864"/>
-                  <a:pt x="768" y="864"/>
-                </a:cubicBezTo>
-                <a:cubicBezTo>
-                  <a:pt x="768" y="1056"/>
-                  <a:pt x="768" y="1056"/>
-                  <a:pt x="768" y="1056"/>
-                </a:cubicBezTo>
-                <a:cubicBezTo>
-                  <a:pt x="1152" y="1056"/>
-                  <a:pt x="1152" y="1056"/>
-                  <a:pt x="1152" y="1056"/>
-                </a:cubicBezTo>
-                <a:cubicBezTo>
-                  <a:pt x="1152" y="864"/>
-                  <a:pt x="1152" y="864"/>
-                  <a:pt x="1152" y="864"/>
-                </a:cubicBezTo>
-                <a:cubicBezTo>
-                  <a:pt x="1152" y="758"/>
-                  <a:pt x="1066" y="672"/>
-                  <a:pt x="960" y="672"/>
-                </a:cubicBezTo>
-                <a:close/>
-              </a:path>
-            </a:pathLst>
-          </a:custGeom>
-          <a:solidFill>
-            <a:srgbClr val="000000"/>
-          </a:solidFill>
-          <a:ln>
-            <a:noFill/>
-          </a:ln>
-          <a:extLst>
-            <a:ext uri="{91240B29-F687-4F45-9708-019B960494DF}">
-              <a14:hiddenLine xmlns:a14="http://schemas.microsoft.com/office/drawing/2010/main" w="9525">
-                <a:solidFill>
-                  <a:srgbClr val="000000"/>
-                </a:solidFill>
-                <a:round/>
-                <a:headEnd/>
-                <a:tailEnd/>
-              </a14:hiddenLine>
-            </a:ext>
-          </a:extLst>
-        </p:spPr>
-        <p:txBody>
-          <a:bodyPr vert="horz" wrap="square" lIns="91440" tIns="45720" rIns="91440" bIns="45720" numCol="1" anchor="t" anchorCtr="0" compatLnSpc="1">
-            <a:prstTxWarp prst="textNoShape">
-              <a:avLst/>
-            </a:prstTxWarp>
-          </a:bodyPr>
-          <a:lstStyle/>
-          <a:p>
-            <a:endParaRPr lang="en-GB"/>
-          </a:p>
-        </p:txBody>
-      </p:sp>
-      <p:sp>
-        <p:nvSpPr>
-          <p:cNvPr id="63" name="Freeform 9">
+        </p:grpSpPr>
+        <p:sp>
+          <p:nvSpPr>
+            <p:cNvPr id="55" name="Rectangle 54">
+              <a:extLst>
+                <a:ext uri="{FF2B5EF4-FFF2-40B4-BE49-F238E27FC236}">
+                  <a16:creationId xmlns:a16="http://schemas.microsoft.com/office/drawing/2014/main" id="{02934CD2-2E55-4F21-90B1-4CA06B44E4BC}"/>
+                </a:ext>
+              </a:extLst>
+            </p:cNvPr>
+            <p:cNvSpPr/>
+            <p:nvPr/>
+          </p:nvSpPr>
+          <p:spPr>
+            <a:xfrm>
+              <a:off x="6579493" y="5428220"/>
+              <a:ext cx="1432851" cy="1432851"/>
+            </a:xfrm>
+            <a:prstGeom prst="rect">
+              <a:avLst/>
+            </a:prstGeom>
+            <a:solidFill>
+              <a:schemeClr val="bg1"/>
+            </a:solidFill>
+            <a:ln w="127000" cmpd="thinThick">
+              <a:solidFill>
+                <a:schemeClr val="tx1"/>
+              </a:solidFill>
+            </a:ln>
+          </p:spPr>
+          <p:style>
+            <a:lnRef idx="0">
+              <a:schemeClr val="accent1"/>
+            </a:lnRef>
+            <a:fillRef idx="1">
+              <a:schemeClr val="accent1"/>
+            </a:fillRef>
+            <a:effectRef idx="0">
+              <a:schemeClr val="accent1"/>
+            </a:effectRef>
+            <a:fontRef idx="minor">
+              <a:schemeClr val="lt1"/>
+            </a:fontRef>
+          </p:style>
+          <p:txBody>
+            <a:bodyPr rtlCol="0" anchor="ctr"/>
+            <a:lstStyle/>
+            <a:p>
+              <a:pPr algn="ctr"/>
+              <a:endParaRPr lang="en-GB"/>
+            </a:p>
+          </p:txBody>
+        </p:sp>
+        <p:sp>
+          <p:nvSpPr>
+            <p:cNvPr id="62" name="Freeform 89">
+              <a:extLst>
+                <a:ext uri="{FF2B5EF4-FFF2-40B4-BE49-F238E27FC236}">
+                  <a16:creationId xmlns:a16="http://schemas.microsoft.com/office/drawing/2014/main" id="{0983C606-8C6F-431B-8E0F-20F236054CC0}"/>
+                </a:ext>
+              </a:extLst>
+            </p:cNvPr>
+            <p:cNvSpPr>
+              <a:spLocks noChangeAspect="1" noEditPoints="1"/>
+            </p:cNvSpPr>
+            <p:nvPr/>
+          </p:nvSpPr>
+          <p:spPr bwMode="auto">
+            <a:xfrm>
+              <a:off x="6876399" y="5759881"/>
+              <a:ext cx="839038" cy="769528"/>
+            </a:xfrm>
+            <a:custGeom>
+              <a:avLst/>
+              <a:gdLst>
+                <a:gd name="T0" fmla="*/ 576 w 1152"/>
+                <a:gd name="T1" fmla="*/ 288 h 1056"/>
+                <a:gd name="T2" fmla="*/ 768 w 1152"/>
+                <a:gd name="T3" fmla="*/ 480 h 1056"/>
+                <a:gd name="T4" fmla="*/ 768 w 1152"/>
+                <a:gd name="T5" fmla="*/ 672 h 1056"/>
+                <a:gd name="T6" fmla="*/ 576 w 1152"/>
+                <a:gd name="T7" fmla="*/ 480 h 1056"/>
+                <a:gd name="T8" fmla="*/ 384 w 1152"/>
+                <a:gd name="T9" fmla="*/ 672 h 1056"/>
+                <a:gd name="T10" fmla="*/ 384 w 1152"/>
+                <a:gd name="T11" fmla="*/ 480 h 1056"/>
+                <a:gd name="T12" fmla="*/ 576 w 1152"/>
+                <a:gd name="T13" fmla="*/ 288 h 1056"/>
+                <a:gd name="T14" fmla="*/ 720 w 1152"/>
+                <a:gd name="T15" fmla="*/ 144 h 1056"/>
+                <a:gd name="T16" fmla="*/ 576 w 1152"/>
+                <a:gd name="T17" fmla="*/ 0 h 1056"/>
+                <a:gd name="T18" fmla="*/ 432 w 1152"/>
+                <a:gd name="T19" fmla="*/ 144 h 1056"/>
+                <a:gd name="T20" fmla="*/ 576 w 1152"/>
+                <a:gd name="T21" fmla="*/ 288 h 1056"/>
+                <a:gd name="T22" fmla="*/ 720 w 1152"/>
+                <a:gd name="T23" fmla="*/ 144 h 1056"/>
+                <a:gd name="T24" fmla="*/ 336 w 1152"/>
+                <a:gd name="T25" fmla="*/ 528 h 1056"/>
+                <a:gd name="T26" fmla="*/ 192 w 1152"/>
+                <a:gd name="T27" fmla="*/ 384 h 1056"/>
+                <a:gd name="T28" fmla="*/ 48 w 1152"/>
+                <a:gd name="T29" fmla="*/ 528 h 1056"/>
+                <a:gd name="T30" fmla="*/ 192 w 1152"/>
+                <a:gd name="T31" fmla="*/ 672 h 1056"/>
+                <a:gd name="T32" fmla="*/ 336 w 1152"/>
+                <a:gd name="T33" fmla="*/ 528 h 1056"/>
+                <a:gd name="T34" fmla="*/ 328 w 1152"/>
+                <a:gd name="T35" fmla="*/ 728 h 1056"/>
+                <a:gd name="T36" fmla="*/ 192 w 1152"/>
+                <a:gd name="T37" fmla="*/ 672 h 1056"/>
+                <a:gd name="T38" fmla="*/ 0 w 1152"/>
+                <a:gd name="T39" fmla="*/ 864 h 1056"/>
+                <a:gd name="T40" fmla="*/ 0 w 1152"/>
+                <a:gd name="T41" fmla="*/ 1056 h 1056"/>
+                <a:gd name="T42" fmla="*/ 384 w 1152"/>
+                <a:gd name="T43" fmla="*/ 1056 h 1056"/>
+                <a:gd name="T44" fmla="*/ 384 w 1152"/>
+                <a:gd name="T45" fmla="*/ 864 h 1056"/>
+                <a:gd name="T46" fmla="*/ 192 w 1152"/>
+                <a:gd name="T47" fmla="*/ 864 h 1056"/>
+                <a:gd name="T48" fmla="*/ 328 w 1152"/>
+                <a:gd name="T49" fmla="*/ 728 h 1056"/>
+                <a:gd name="T50" fmla="*/ 1104 w 1152"/>
+                <a:gd name="T51" fmla="*/ 528 h 1056"/>
+                <a:gd name="T52" fmla="*/ 960 w 1152"/>
+                <a:gd name="T53" fmla="*/ 384 h 1056"/>
+                <a:gd name="T54" fmla="*/ 816 w 1152"/>
+                <a:gd name="T55" fmla="*/ 528 h 1056"/>
+                <a:gd name="T56" fmla="*/ 960 w 1152"/>
+                <a:gd name="T57" fmla="*/ 672 h 1056"/>
+                <a:gd name="T58" fmla="*/ 1104 w 1152"/>
+                <a:gd name="T59" fmla="*/ 528 h 1056"/>
+                <a:gd name="T60" fmla="*/ 960 w 1152"/>
+                <a:gd name="T61" fmla="*/ 672 h 1056"/>
+                <a:gd name="T62" fmla="*/ 824 w 1152"/>
+                <a:gd name="T63" fmla="*/ 728 h 1056"/>
+                <a:gd name="T64" fmla="*/ 960 w 1152"/>
+                <a:gd name="T65" fmla="*/ 864 h 1056"/>
+                <a:gd name="T66" fmla="*/ 768 w 1152"/>
+                <a:gd name="T67" fmla="*/ 864 h 1056"/>
+                <a:gd name="T68" fmla="*/ 768 w 1152"/>
+                <a:gd name="T69" fmla="*/ 1056 h 1056"/>
+                <a:gd name="T70" fmla="*/ 1152 w 1152"/>
+                <a:gd name="T71" fmla="*/ 1056 h 1056"/>
+                <a:gd name="T72" fmla="*/ 1152 w 1152"/>
+                <a:gd name="T73" fmla="*/ 864 h 1056"/>
+                <a:gd name="T74" fmla="*/ 960 w 1152"/>
+                <a:gd name="T75" fmla="*/ 672 h 1056"/>
+              </a:gdLst>
+              <a:ahLst/>
+              <a:cxnLst>
+                <a:cxn ang="0">
+                  <a:pos x="T0" y="T1"/>
+                </a:cxn>
+                <a:cxn ang="0">
+                  <a:pos x="T2" y="T3"/>
+                </a:cxn>
+                <a:cxn ang="0">
+                  <a:pos x="T4" y="T5"/>
+                </a:cxn>
+                <a:cxn ang="0">
+                  <a:pos x="T6" y="T7"/>
+                </a:cxn>
+                <a:cxn ang="0">
+                  <a:pos x="T8" y="T9"/>
+                </a:cxn>
+                <a:cxn ang="0">
+                  <a:pos x="T10" y="T11"/>
+                </a:cxn>
+                <a:cxn ang="0">
+                  <a:pos x="T12" y="T13"/>
+                </a:cxn>
+                <a:cxn ang="0">
+                  <a:pos x="T14" y="T15"/>
+                </a:cxn>
+                <a:cxn ang="0">
+                  <a:pos x="T16" y="T17"/>
+                </a:cxn>
+                <a:cxn ang="0">
+                  <a:pos x="T18" y="T19"/>
+                </a:cxn>
+                <a:cxn ang="0">
+                  <a:pos x="T20" y="T21"/>
+                </a:cxn>
+                <a:cxn ang="0">
+                  <a:pos x="T22" y="T23"/>
+                </a:cxn>
+                <a:cxn ang="0">
+                  <a:pos x="T24" y="T25"/>
+                </a:cxn>
+                <a:cxn ang="0">
+                  <a:pos x="T26" y="T27"/>
+                </a:cxn>
+                <a:cxn ang="0">
+                  <a:pos x="T28" y="T29"/>
+                </a:cxn>
+                <a:cxn ang="0">
+                  <a:pos x="T30" y="T31"/>
+                </a:cxn>
+                <a:cxn ang="0">
+                  <a:pos x="T32" y="T33"/>
+                </a:cxn>
+                <a:cxn ang="0">
+                  <a:pos x="T34" y="T35"/>
+                </a:cxn>
+                <a:cxn ang="0">
+                  <a:pos x="T36" y="T37"/>
+                </a:cxn>
+                <a:cxn ang="0">
+                  <a:pos x="T38" y="T39"/>
+                </a:cxn>
+                <a:cxn ang="0">
+                  <a:pos x="T40" y="T41"/>
+                </a:cxn>
+                <a:cxn ang="0">
+                  <a:pos x="T42" y="T43"/>
+                </a:cxn>
+                <a:cxn ang="0">
+                  <a:pos x="T44" y="T45"/>
+                </a:cxn>
+                <a:cxn ang="0">
+                  <a:pos x="T46" y="T47"/>
+                </a:cxn>
+                <a:cxn ang="0">
+                  <a:pos x="T48" y="T49"/>
+                </a:cxn>
+                <a:cxn ang="0">
+                  <a:pos x="T50" y="T51"/>
+                </a:cxn>
+                <a:cxn ang="0">
+                  <a:pos x="T52" y="T53"/>
+                </a:cxn>
+                <a:cxn ang="0">
+                  <a:pos x="T54" y="T55"/>
+                </a:cxn>
+                <a:cxn ang="0">
+                  <a:pos x="T56" y="T57"/>
+                </a:cxn>
+                <a:cxn ang="0">
+                  <a:pos x="T58" y="T59"/>
+                </a:cxn>
+                <a:cxn ang="0">
+                  <a:pos x="T60" y="T61"/>
+                </a:cxn>
+                <a:cxn ang="0">
+                  <a:pos x="T62" y="T63"/>
+                </a:cxn>
+                <a:cxn ang="0">
+                  <a:pos x="T64" y="T65"/>
+                </a:cxn>
+                <a:cxn ang="0">
+                  <a:pos x="T66" y="T67"/>
+                </a:cxn>
+                <a:cxn ang="0">
+                  <a:pos x="T68" y="T69"/>
+                </a:cxn>
+                <a:cxn ang="0">
+                  <a:pos x="T70" y="T71"/>
+                </a:cxn>
+                <a:cxn ang="0">
+                  <a:pos x="T72" y="T73"/>
+                </a:cxn>
+                <a:cxn ang="0">
+                  <a:pos x="T74" y="T75"/>
+                </a:cxn>
+              </a:cxnLst>
+              <a:rect l="0" t="0" r="r" b="b"/>
+              <a:pathLst>
+                <a:path w="1152" h="1056">
+                  <a:moveTo>
+                    <a:pt x="576" y="288"/>
+                  </a:moveTo>
+                  <a:cubicBezTo>
+                    <a:pt x="682" y="288"/>
+                    <a:pt x="768" y="374"/>
+                    <a:pt x="768" y="480"/>
+                  </a:cubicBezTo>
+                  <a:cubicBezTo>
+                    <a:pt x="768" y="672"/>
+                    <a:pt x="768" y="672"/>
+                    <a:pt x="768" y="672"/>
+                  </a:cubicBezTo>
+                  <a:cubicBezTo>
+                    <a:pt x="576" y="480"/>
+                    <a:pt x="576" y="480"/>
+                    <a:pt x="576" y="480"/>
+                  </a:cubicBezTo>
+                  <a:cubicBezTo>
+                    <a:pt x="384" y="672"/>
+                    <a:pt x="384" y="672"/>
+                    <a:pt x="384" y="672"/>
+                  </a:cubicBezTo>
+                  <a:cubicBezTo>
+                    <a:pt x="384" y="480"/>
+                    <a:pt x="384" y="480"/>
+                    <a:pt x="384" y="480"/>
+                  </a:cubicBezTo>
+                  <a:cubicBezTo>
+                    <a:pt x="384" y="374"/>
+                    <a:pt x="470" y="288"/>
+                    <a:pt x="576" y="288"/>
+                  </a:cubicBezTo>
+                  <a:close/>
+                  <a:moveTo>
+                    <a:pt x="720" y="144"/>
+                  </a:moveTo>
+                  <a:cubicBezTo>
+                    <a:pt x="720" y="64"/>
+                    <a:pt x="656" y="0"/>
+                    <a:pt x="576" y="0"/>
+                  </a:cubicBezTo>
+                  <a:cubicBezTo>
+                    <a:pt x="496" y="0"/>
+                    <a:pt x="432" y="64"/>
+                    <a:pt x="432" y="144"/>
+                  </a:cubicBezTo>
+                  <a:cubicBezTo>
+                    <a:pt x="432" y="224"/>
+                    <a:pt x="496" y="288"/>
+                    <a:pt x="576" y="288"/>
+                  </a:cubicBezTo>
+                  <a:cubicBezTo>
+                    <a:pt x="656" y="288"/>
+                    <a:pt x="720" y="224"/>
+                    <a:pt x="720" y="144"/>
+                  </a:cubicBezTo>
+                  <a:close/>
+                  <a:moveTo>
+                    <a:pt x="336" y="528"/>
+                  </a:moveTo>
+                  <a:cubicBezTo>
+                    <a:pt x="336" y="448"/>
+                    <a:pt x="272" y="384"/>
+                    <a:pt x="192" y="384"/>
+                  </a:cubicBezTo>
+                  <a:cubicBezTo>
+                    <a:pt x="112" y="384"/>
+                    <a:pt x="48" y="448"/>
+                    <a:pt x="48" y="528"/>
+                  </a:cubicBezTo>
+                  <a:cubicBezTo>
+                    <a:pt x="48" y="608"/>
+                    <a:pt x="112" y="672"/>
+                    <a:pt x="192" y="672"/>
+                  </a:cubicBezTo>
+                  <a:cubicBezTo>
+                    <a:pt x="272" y="672"/>
+                    <a:pt x="336" y="608"/>
+                    <a:pt x="336" y="528"/>
+                  </a:cubicBezTo>
+                  <a:close/>
+                  <a:moveTo>
+                    <a:pt x="328" y="728"/>
+                  </a:moveTo>
+                  <a:cubicBezTo>
+                    <a:pt x="293" y="693"/>
+                    <a:pt x="245" y="672"/>
+                    <a:pt x="192" y="672"/>
+                  </a:cubicBezTo>
+                  <a:cubicBezTo>
+                    <a:pt x="86" y="672"/>
+                    <a:pt x="0" y="758"/>
+                    <a:pt x="0" y="864"/>
+                  </a:cubicBezTo>
+                  <a:cubicBezTo>
+                    <a:pt x="0" y="1056"/>
+                    <a:pt x="0" y="1056"/>
+                    <a:pt x="0" y="1056"/>
+                  </a:cubicBezTo>
+                  <a:cubicBezTo>
+                    <a:pt x="384" y="1056"/>
+                    <a:pt x="384" y="1056"/>
+                    <a:pt x="384" y="1056"/>
+                  </a:cubicBezTo>
+                  <a:cubicBezTo>
+                    <a:pt x="384" y="864"/>
+                    <a:pt x="384" y="864"/>
+                    <a:pt x="384" y="864"/>
+                  </a:cubicBezTo>
+                  <a:cubicBezTo>
+                    <a:pt x="192" y="864"/>
+                    <a:pt x="192" y="864"/>
+                    <a:pt x="192" y="864"/>
+                  </a:cubicBezTo>
+                  <a:lnTo>
+                    <a:pt x="328" y="728"/>
+                  </a:lnTo>
+                  <a:close/>
+                  <a:moveTo>
+                    <a:pt x="1104" y="528"/>
+                  </a:moveTo>
+                  <a:cubicBezTo>
+                    <a:pt x="1104" y="448"/>
+                    <a:pt x="1040" y="384"/>
+                    <a:pt x="960" y="384"/>
+                  </a:cubicBezTo>
+                  <a:cubicBezTo>
+                    <a:pt x="880" y="384"/>
+                    <a:pt x="816" y="448"/>
+                    <a:pt x="816" y="528"/>
+                  </a:cubicBezTo>
+                  <a:cubicBezTo>
+                    <a:pt x="816" y="608"/>
+                    <a:pt x="880" y="672"/>
+                    <a:pt x="960" y="672"/>
+                  </a:cubicBezTo>
+                  <a:cubicBezTo>
+                    <a:pt x="1040" y="672"/>
+                    <a:pt x="1104" y="608"/>
+                    <a:pt x="1104" y="528"/>
+                  </a:cubicBezTo>
+                  <a:close/>
+                  <a:moveTo>
+                    <a:pt x="960" y="672"/>
+                  </a:moveTo>
+                  <a:cubicBezTo>
+                    <a:pt x="907" y="672"/>
+                    <a:pt x="859" y="693"/>
+                    <a:pt x="824" y="728"/>
+                  </a:cubicBezTo>
+                  <a:cubicBezTo>
+                    <a:pt x="960" y="864"/>
+                    <a:pt x="960" y="864"/>
+                    <a:pt x="960" y="864"/>
+                  </a:cubicBezTo>
+                  <a:cubicBezTo>
+                    <a:pt x="768" y="864"/>
+                    <a:pt x="768" y="864"/>
+                    <a:pt x="768" y="864"/>
+                  </a:cubicBezTo>
+                  <a:cubicBezTo>
+                    <a:pt x="768" y="1056"/>
+                    <a:pt x="768" y="1056"/>
+                    <a:pt x="768" y="1056"/>
+                  </a:cubicBezTo>
+                  <a:cubicBezTo>
+                    <a:pt x="1152" y="1056"/>
+                    <a:pt x="1152" y="1056"/>
+                    <a:pt x="1152" y="1056"/>
+                  </a:cubicBezTo>
+                  <a:cubicBezTo>
+                    <a:pt x="1152" y="864"/>
+                    <a:pt x="1152" y="864"/>
+                    <a:pt x="1152" y="864"/>
+                  </a:cubicBezTo>
+                  <a:cubicBezTo>
+                    <a:pt x="1152" y="758"/>
+                    <a:pt x="1066" y="672"/>
+                    <a:pt x="960" y="672"/>
+                  </a:cubicBezTo>
+                  <a:close/>
+                </a:path>
+              </a:pathLst>
+            </a:custGeom>
+            <a:solidFill>
+              <a:srgbClr val="000000"/>
+            </a:solidFill>
+            <a:ln>
+              <a:noFill/>
+            </a:ln>
+            <a:extLst>
+              <a:ext uri="{91240B29-F687-4F45-9708-019B960494DF}">
+                <a14:hiddenLine xmlns:a14="http://schemas.microsoft.com/office/drawing/2010/main" w="9525">
+                  <a:solidFill>
+                    <a:srgbClr val="000000"/>
+                  </a:solidFill>
+                  <a:round/>
+                  <a:headEnd/>
+                  <a:tailEnd/>
+                </a14:hiddenLine>
+              </a:ext>
+            </a:extLst>
+          </p:spPr>
+          <p:txBody>
+            <a:bodyPr vert="horz" wrap="square" lIns="91440" tIns="45720" rIns="91440" bIns="45720" numCol="1" anchor="t" anchorCtr="0" compatLnSpc="1">
+              <a:prstTxWarp prst="textNoShape">
+                <a:avLst/>
+              </a:prstTxWarp>
+            </a:bodyPr>
+            <a:lstStyle/>
+            <a:p>
+              <a:endParaRPr lang="en-GB"/>
+            </a:p>
+          </p:txBody>
+        </p:sp>
+      </p:grpSp>
+      <p:grpSp>
+        <p:nvGrpSpPr>
+          <p:cNvPr id="4" name="Group 3">
             <a:extLst>
               <a:ext uri="{FF2B5EF4-FFF2-40B4-BE49-F238E27FC236}">
-                <a16:creationId xmlns:a16="http://schemas.microsoft.com/office/drawing/2014/main" id="{439C0702-5749-4941-89AA-2A7499BA6FF1}"/>
+                <a16:creationId xmlns:a16="http://schemas.microsoft.com/office/drawing/2014/main" id="{19C8315B-F12C-42D8-9D45-1A27530DFE2D}"/>
               </a:ext>
             </a:extLst>
           </p:cNvPr>
-          <p:cNvSpPr>
-            <a:spLocks noChangeAspect="1" noEditPoints="1"/>
-          </p:cNvSpPr>
+          <p:cNvGrpSpPr/>
           <p:nvPr/>
-        </p:nvSpPr>
-        <p:spPr bwMode="auto">
-          <a:xfrm rot="2858357">
-            <a:off x="3989200" y="5744409"/>
-            <a:ext cx="870937" cy="800473"/>
+        </p:nvGrpSpPr>
+        <p:grpSpPr>
+          <a:xfrm>
+            <a:off x="3708243" y="5428220"/>
+            <a:ext cx="1432851" cy="1432851"/>
+            <a:chOff x="3708243" y="5428220"/>
+            <a:chExt cx="1432851" cy="1432851"/>
           </a:xfrm>
-          <a:custGeom>
-            <a:avLst/>
-            <a:gdLst>
-              <a:gd name="T0" fmla="*/ 259 w 259"/>
-              <a:gd name="T1" fmla="*/ 152 h 238"/>
-              <a:gd name="T2" fmla="*/ 259 w 259"/>
-              <a:gd name="T3" fmla="*/ 130 h 238"/>
-              <a:gd name="T4" fmla="*/ 151 w 259"/>
-              <a:gd name="T5" fmla="*/ 87 h 238"/>
-              <a:gd name="T6" fmla="*/ 151 w 259"/>
-              <a:gd name="T7" fmla="*/ 22 h 238"/>
-              <a:gd name="T8" fmla="*/ 130 w 259"/>
-              <a:gd name="T9" fmla="*/ 0 h 238"/>
-              <a:gd name="T10" fmla="*/ 108 w 259"/>
-              <a:gd name="T11" fmla="*/ 22 h 238"/>
-              <a:gd name="T12" fmla="*/ 108 w 259"/>
-              <a:gd name="T13" fmla="*/ 87 h 238"/>
-              <a:gd name="T14" fmla="*/ 0 w 259"/>
-              <a:gd name="T15" fmla="*/ 130 h 238"/>
-              <a:gd name="T16" fmla="*/ 0 w 259"/>
-              <a:gd name="T17" fmla="*/ 152 h 238"/>
-              <a:gd name="T18" fmla="*/ 108 w 259"/>
-              <a:gd name="T19" fmla="*/ 152 h 238"/>
-              <a:gd name="T20" fmla="*/ 108 w 259"/>
-              <a:gd name="T21" fmla="*/ 206 h 238"/>
-              <a:gd name="T22" fmla="*/ 76 w 259"/>
-              <a:gd name="T23" fmla="*/ 216 h 238"/>
-              <a:gd name="T24" fmla="*/ 76 w 259"/>
-              <a:gd name="T25" fmla="*/ 238 h 238"/>
-              <a:gd name="T26" fmla="*/ 184 w 259"/>
-              <a:gd name="T27" fmla="*/ 238 h 238"/>
-              <a:gd name="T28" fmla="*/ 184 w 259"/>
-              <a:gd name="T29" fmla="*/ 216 h 238"/>
-              <a:gd name="T30" fmla="*/ 151 w 259"/>
-              <a:gd name="T31" fmla="*/ 206 h 238"/>
-              <a:gd name="T32" fmla="*/ 151 w 259"/>
-              <a:gd name="T33" fmla="*/ 152 h 238"/>
-              <a:gd name="T34" fmla="*/ 259 w 259"/>
-              <a:gd name="T35" fmla="*/ 152 h 238"/>
-              <a:gd name="T36" fmla="*/ 130 w 259"/>
-              <a:gd name="T37" fmla="*/ 152 h 238"/>
-              <a:gd name="T38" fmla="*/ 108 w 259"/>
-              <a:gd name="T39" fmla="*/ 108 h 238"/>
-              <a:gd name="T40" fmla="*/ 151 w 259"/>
-              <a:gd name="T41" fmla="*/ 108 h 238"/>
-              <a:gd name="T42" fmla="*/ 130 w 259"/>
-              <a:gd name="T43" fmla="*/ 152 h 238"/>
-            </a:gdLst>
-            <a:ahLst/>
-            <a:cxnLst>
-              <a:cxn ang="0">
-                <a:pos x="T0" y="T1"/>
-              </a:cxn>
-              <a:cxn ang="0">
-                <a:pos x="T2" y="T3"/>
-              </a:cxn>
-              <a:cxn ang="0">
-                <a:pos x="T4" y="T5"/>
-              </a:cxn>
-              <a:cxn ang="0">
-                <a:pos x="T6" y="T7"/>
-              </a:cxn>
-              <a:cxn ang="0">
-                <a:pos x="T8" y="T9"/>
-              </a:cxn>
-              <a:cxn ang="0">
-                <a:pos x="T10" y="T11"/>
-              </a:cxn>
-              <a:cxn ang="0">
-                <a:pos x="T12" y="T13"/>
-              </a:cxn>
-              <a:cxn ang="0">
-                <a:pos x="T14" y="T15"/>
-              </a:cxn>
-              <a:cxn ang="0">
-                <a:pos x="T16" y="T17"/>
-              </a:cxn>
-              <a:cxn ang="0">
-                <a:pos x="T18" y="T19"/>
-              </a:cxn>
-              <a:cxn ang="0">
-                <a:pos x="T20" y="T21"/>
-              </a:cxn>
-              <a:cxn ang="0">
-                <a:pos x="T22" y="T23"/>
-              </a:cxn>
-              <a:cxn ang="0">
-                <a:pos x="T24" y="T25"/>
-              </a:cxn>
-              <a:cxn ang="0">
-                <a:pos x="T26" y="T27"/>
-              </a:cxn>
-              <a:cxn ang="0">
-                <a:pos x="T28" y="T29"/>
-              </a:cxn>
-              <a:cxn ang="0">
-                <a:pos x="T30" y="T31"/>
-              </a:cxn>
-              <a:cxn ang="0">
-                <a:pos x="T32" y="T33"/>
-              </a:cxn>
-              <a:cxn ang="0">
-                <a:pos x="T34" y="T35"/>
-              </a:cxn>
-              <a:cxn ang="0">
-                <a:pos x="T36" y="T37"/>
-              </a:cxn>
-              <a:cxn ang="0">
-                <a:pos x="T38" y="T39"/>
-              </a:cxn>
-              <a:cxn ang="0">
-                <a:pos x="T40" y="T41"/>
-              </a:cxn>
-              <a:cxn ang="0">
-                <a:pos x="T42" y="T43"/>
-              </a:cxn>
-            </a:cxnLst>
-            <a:rect l="0" t="0" r="r" b="b"/>
-            <a:pathLst>
-              <a:path w="259" h="238">
-                <a:moveTo>
-                  <a:pt x="259" y="152"/>
-                </a:moveTo>
-                <a:cubicBezTo>
-                  <a:pt x="259" y="130"/>
-                  <a:pt x="259" y="130"/>
-                  <a:pt x="259" y="130"/>
-                </a:cubicBezTo>
-                <a:cubicBezTo>
-                  <a:pt x="151" y="87"/>
-                  <a:pt x="151" y="87"/>
-                  <a:pt x="151" y="87"/>
-                </a:cubicBezTo>
-                <a:cubicBezTo>
-                  <a:pt x="151" y="22"/>
-                  <a:pt x="151" y="22"/>
-                  <a:pt x="151" y="22"/>
-                </a:cubicBezTo>
-                <a:cubicBezTo>
-                  <a:pt x="151" y="10"/>
-                  <a:pt x="142" y="0"/>
-                  <a:pt x="130" y="0"/>
-                </a:cubicBezTo>
-                <a:cubicBezTo>
-                  <a:pt x="118" y="0"/>
-                  <a:pt x="108" y="10"/>
-                  <a:pt x="108" y="22"/>
-                </a:cubicBezTo>
-                <a:cubicBezTo>
-                  <a:pt x="108" y="87"/>
-                  <a:pt x="108" y="87"/>
-                  <a:pt x="108" y="87"/>
-                </a:cubicBezTo>
-                <a:cubicBezTo>
-                  <a:pt x="0" y="130"/>
-                  <a:pt x="0" y="130"/>
-                  <a:pt x="0" y="130"/>
-                </a:cubicBezTo>
-                <a:cubicBezTo>
-                  <a:pt x="0" y="152"/>
-                  <a:pt x="0" y="152"/>
-                  <a:pt x="0" y="152"/>
-                </a:cubicBezTo>
-                <a:cubicBezTo>
-                  <a:pt x="108" y="152"/>
-                  <a:pt x="108" y="152"/>
-                  <a:pt x="108" y="152"/>
-                </a:cubicBezTo>
-                <a:cubicBezTo>
-                  <a:pt x="108" y="206"/>
-                  <a:pt x="108" y="206"/>
-                  <a:pt x="108" y="206"/>
-                </a:cubicBezTo>
-                <a:cubicBezTo>
-                  <a:pt x="76" y="216"/>
-                  <a:pt x="76" y="216"/>
-                  <a:pt x="76" y="216"/>
-                </a:cubicBezTo>
-                <a:cubicBezTo>
-                  <a:pt x="76" y="238"/>
-                  <a:pt x="76" y="238"/>
-                  <a:pt x="76" y="238"/>
-                </a:cubicBezTo>
-                <a:cubicBezTo>
-                  <a:pt x="184" y="238"/>
-                  <a:pt x="184" y="238"/>
-                  <a:pt x="184" y="238"/>
-                </a:cubicBezTo>
-                <a:cubicBezTo>
-                  <a:pt x="184" y="216"/>
-                  <a:pt x="184" y="216"/>
-                  <a:pt x="184" y="216"/>
-                </a:cubicBezTo>
-                <a:cubicBezTo>
-                  <a:pt x="151" y="206"/>
-                  <a:pt x="151" y="206"/>
-                  <a:pt x="151" y="206"/>
-                </a:cubicBezTo>
-                <a:cubicBezTo>
-                  <a:pt x="151" y="152"/>
-                  <a:pt x="151" y="152"/>
-                  <a:pt x="151" y="152"/>
-                </a:cubicBezTo>
-                <a:lnTo>
-                  <a:pt x="259" y="152"/>
-                </a:lnTo>
-                <a:close/>
-                <a:moveTo>
-                  <a:pt x="130" y="152"/>
-                </a:moveTo>
-                <a:cubicBezTo>
-                  <a:pt x="108" y="108"/>
-                  <a:pt x="108" y="108"/>
-                  <a:pt x="108" y="108"/>
-                </a:cubicBezTo>
-                <a:cubicBezTo>
-                  <a:pt x="151" y="108"/>
-                  <a:pt x="151" y="108"/>
-                  <a:pt x="151" y="108"/>
-                </a:cubicBezTo>
-                <a:lnTo>
-                  <a:pt x="130" y="152"/>
-                </a:lnTo>
-                <a:close/>
-              </a:path>
-            </a:pathLst>
-          </a:custGeom>
-          <a:solidFill>
-            <a:srgbClr val="231F20"/>
-          </a:solidFill>
-          <a:ln>
-            <a:noFill/>
-          </a:ln>
-          <a:extLst>
-            <a:ext uri="{91240B29-F687-4F45-9708-019B960494DF}">
-              <a14:hiddenLine xmlns:a14="http://schemas.microsoft.com/office/drawing/2010/main" w="9525">
-                <a:solidFill>
-                  <a:srgbClr val="000000"/>
-                </a:solidFill>
-                <a:round/>
-                <a:headEnd/>
-                <a:tailEnd/>
-              </a14:hiddenLine>
-            </a:ext>
-          </a:extLst>
-        </p:spPr>
-        <p:txBody>
-          <a:bodyPr vert="horz" wrap="square" lIns="91440" tIns="45720" rIns="91440" bIns="45720" numCol="1" anchor="t" anchorCtr="0" compatLnSpc="1">
-            <a:prstTxWarp prst="textNoShape">
-              <a:avLst/>
-            </a:prstTxWarp>
-          </a:bodyPr>
-          <a:lstStyle/>
-          <a:p>
-            <a:endParaRPr lang="en-GB"/>
-          </a:p>
-        </p:txBody>
-      </p:sp>
+        </p:grpSpPr>
+        <p:sp>
+          <p:nvSpPr>
+            <p:cNvPr id="52" name="Rectangle 51">
+              <a:extLst>
+                <a:ext uri="{FF2B5EF4-FFF2-40B4-BE49-F238E27FC236}">
+                  <a16:creationId xmlns:a16="http://schemas.microsoft.com/office/drawing/2014/main" id="{114E22AA-6F85-4492-BBC5-B7C602617E18}"/>
+                </a:ext>
+              </a:extLst>
+            </p:cNvPr>
+            <p:cNvSpPr/>
+            <p:nvPr/>
+          </p:nvSpPr>
+          <p:spPr>
+            <a:xfrm>
+              <a:off x="3708243" y="5428220"/>
+              <a:ext cx="1432851" cy="1432851"/>
+            </a:xfrm>
+            <a:prstGeom prst="rect">
+              <a:avLst/>
+            </a:prstGeom>
+            <a:solidFill>
+              <a:schemeClr val="bg1"/>
+            </a:solidFill>
+            <a:ln w="127000" cmpd="thinThick">
+              <a:solidFill>
+                <a:schemeClr val="tx1"/>
+              </a:solidFill>
+            </a:ln>
+          </p:spPr>
+          <p:style>
+            <a:lnRef idx="0">
+              <a:schemeClr val="accent1"/>
+            </a:lnRef>
+            <a:fillRef idx="1">
+              <a:schemeClr val="accent1"/>
+            </a:fillRef>
+            <a:effectRef idx="0">
+              <a:schemeClr val="accent1"/>
+            </a:effectRef>
+            <a:fontRef idx="minor">
+              <a:schemeClr val="lt1"/>
+            </a:fontRef>
+          </p:style>
+          <p:txBody>
+            <a:bodyPr rtlCol="0" anchor="ctr"/>
+            <a:lstStyle/>
+            <a:p>
+              <a:pPr algn="ctr"/>
+              <a:endParaRPr lang="en-GB"/>
+            </a:p>
+          </p:txBody>
+        </p:sp>
+        <p:sp>
+          <p:nvSpPr>
+            <p:cNvPr id="63" name="Freeform 9">
+              <a:extLst>
+                <a:ext uri="{FF2B5EF4-FFF2-40B4-BE49-F238E27FC236}">
+                  <a16:creationId xmlns:a16="http://schemas.microsoft.com/office/drawing/2014/main" id="{439C0702-5749-4941-89AA-2A7499BA6FF1}"/>
+                </a:ext>
+              </a:extLst>
+            </p:cNvPr>
+            <p:cNvSpPr>
+              <a:spLocks noChangeAspect="1" noEditPoints="1"/>
+            </p:cNvSpPr>
+            <p:nvPr/>
+          </p:nvSpPr>
+          <p:spPr bwMode="auto">
+            <a:xfrm rot="2858357">
+              <a:off x="3989200" y="5744409"/>
+              <a:ext cx="870937" cy="800473"/>
+            </a:xfrm>
+            <a:custGeom>
+              <a:avLst/>
+              <a:gdLst>
+                <a:gd name="T0" fmla="*/ 259 w 259"/>
+                <a:gd name="T1" fmla="*/ 152 h 238"/>
+                <a:gd name="T2" fmla="*/ 259 w 259"/>
+                <a:gd name="T3" fmla="*/ 130 h 238"/>
+                <a:gd name="T4" fmla="*/ 151 w 259"/>
+                <a:gd name="T5" fmla="*/ 87 h 238"/>
+                <a:gd name="T6" fmla="*/ 151 w 259"/>
+                <a:gd name="T7" fmla="*/ 22 h 238"/>
+                <a:gd name="T8" fmla="*/ 130 w 259"/>
+                <a:gd name="T9" fmla="*/ 0 h 238"/>
+                <a:gd name="T10" fmla="*/ 108 w 259"/>
+                <a:gd name="T11" fmla="*/ 22 h 238"/>
+                <a:gd name="T12" fmla="*/ 108 w 259"/>
+                <a:gd name="T13" fmla="*/ 87 h 238"/>
+                <a:gd name="T14" fmla="*/ 0 w 259"/>
+                <a:gd name="T15" fmla="*/ 130 h 238"/>
+                <a:gd name="T16" fmla="*/ 0 w 259"/>
+                <a:gd name="T17" fmla="*/ 152 h 238"/>
+                <a:gd name="T18" fmla="*/ 108 w 259"/>
+                <a:gd name="T19" fmla="*/ 152 h 238"/>
+                <a:gd name="T20" fmla="*/ 108 w 259"/>
+                <a:gd name="T21" fmla="*/ 206 h 238"/>
+                <a:gd name="T22" fmla="*/ 76 w 259"/>
+                <a:gd name="T23" fmla="*/ 216 h 238"/>
+                <a:gd name="T24" fmla="*/ 76 w 259"/>
+                <a:gd name="T25" fmla="*/ 238 h 238"/>
+                <a:gd name="T26" fmla="*/ 184 w 259"/>
+                <a:gd name="T27" fmla="*/ 238 h 238"/>
+                <a:gd name="T28" fmla="*/ 184 w 259"/>
+                <a:gd name="T29" fmla="*/ 216 h 238"/>
+                <a:gd name="T30" fmla="*/ 151 w 259"/>
+                <a:gd name="T31" fmla="*/ 206 h 238"/>
+                <a:gd name="T32" fmla="*/ 151 w 259"/>
+                <a:gd name="T33" fmla="*/ 152 h 238"/>
+                <a:gd name="T34" fmla="*/ 259 w 259"/>
+                <a:gd name="T35" fmla="*/ 152 h 238"/>
+                <a:gd name="T36" fmla="*/ 130 w 259"/>
+                <a:gd name="T37" fmla="*/ 152 h 238"/>
+                <a:gd name="T38" fmla="*/ 108 w 259"/>
+                <a:gd name="T39" fmla="*/ 108 h 238"/>
+                <a:gd name="T40" fmla="*/ 151 w 259"/>
+                <a:gd name="T41" fmla="*/ 108 h 238"/>
+                <a:gd name="T42" fmla="*/ 130 w 259"/>
+                <a:gd name="T43" fmla="*/ 152 h 238"/>
+              </a:gdLst>
+              <a:ahLst/>
+              <a:cxnLst>
+                <a:cxn ang="0">
+                  <a:pos x="T0" y="T1"/>
+                </a:cxn>
+                <a:cxn ang="0">
+                  <a:pos x="T2" y="T3"/>
+                </a:cxn>
+                <a:cxn ang="0">
+                  <a:pos x="T4" y="T5"/>
+                </a:cxn>
+                <a:cxn ang="0">
+                  <a:pos x="T6" y="T7"/>
+                </a:cxn>
+                <a:cxn ang="0">
+                  <a:pos x="T8" y="T9"/>
+                </a:cxn>
+                <a:cxn ang="0">
+                  <a:pos x="T10" y="T11"/>
+                </a:cxn>
+                <a:cxn ang="0">
+                  <a:pos x="T12" y="T13"/>
+                </a:cxn>
+                <a:cxn ang="0">
+                  <a:pos x="T14" y="T15"/>
+                </a:cxn>
+                <a:cxn ang="0">
+                  <a:pos x="T16" y="T17"/>
+                </a:cxn>
+                <a:cxn ang="0">
+                  <a:pos x="T18" y="T19"/>
+                </a:cxn>
+                <a:cxn ang="0">
+                  <a:pos x="T20" y="T21"/>
+                </a:cxn>
+                <a:cxn ang="0">
+                  <a:pos x="T22" y="T23"/>
+                </a:cxn>
+                <a:cxn ang="0">
+                  <a:pos x="T24" y="T25"/>
+                </a:cxn>
+                <a:cxn ang="0">
+                  <a:pos x="T26" y="T27"/>
+                </a:cxn>
+                <a:cxn ang="0">
+                  <a:pos x="T28" y="T29"/>
+                </a:cxn>
+                <a:cxn ang="0">
+                  <a:pos x="T30" y="T31"/>
+                </a:cxn>
+                <a:cxn ang="0">
+                  <a:pos x="T32" y="T33"/>
+                </a:cxn>
+                <a:cxn ang="0">
+                  <a:pos x="T34" y="T35"/>
+                </a:cxn>
+                <a:cxn ang="0">
+                  <a:pos x="T36" y="T37"/>
+                </a:cxn>
+                <a:cxn ang="0">
+                  <a:pos x="T38" y="T39"/>
+                </a:cxn>
+                <a:cxn ang="0">
+                  <a:pos x="T40" y="T41"/>
+                </a:cxn>
+                <a:cxn ang="0">
+                  <a:pos x="T42" y="T43"/>
+                </a:cxn>
+              </a:cxnLst>
+              <a:rect l="0" t="0" r="r" b="b"/>
+              <a:pathLst>
+                <a:path w="259" h="238">
+                  <a:moveTo>
+                    <a:pt x="259" y="152"/>
+                  </a:moveTo>
+                  <a:cubicBezTo>
+                    <a:pt x="259" y="130"/>
+                    <a:pt x="259" y="130"/>
+                    <a:pt x="259" y="130"/>
+                  </a:cubicBezTo>
+                  <a:cubicBezTo>
+                    <a:pt x="151" y="87"/>
+                    <a:pt x="151" y="87"/>
+                    <a:pt x="151" y="87"/>
+                  </a:cubicBezTo>
+                  <a:cubicBezTo>
+                    <a:pt x="151" y="22"/>
+                    <a:pt x="151" y="22"/>
+                    <a:pt x="151" y="22"/>
+                  </a:cubicBezTo>
+                  <a:cubicBezTo>
+                    <a:pt x="151" y="10"/>
+                    <a:pt x="142" y="0"/>
+                    <a:pt x="130" y="0"/>
+                  </a:cubicBezTo>
+                  <a:cubicBezTo>
+                    <a:pt x="118" y="0"/>
+                    <a:pt x="108" y="10"/>
+                    <a:pt x="108" y="22"/>
+                  </a:cubicBezTo>
+                  <a:cubicBezTo>
+                    <a:pt x="108" y="87"/>
+                    <a:pt x="108" y="87"/>
+                    <a:pt x="108" y="87"/>
+                  </a:cubicBezTo>
+                  <a:cubicBezTo>
+                    <a:pt x="0" y="130"/>
+                    <a:pt x="0" y="130"/>
+                    <a:pt x="0" y="130"/>
+                  </a:cubicBezTo>
+                  <a:cubicBezTo>
+                    <a:pt x="0" y="152"/>
+                    <a:pt x="0" y="152"/>
+                    <a:pt x="0" y="152"/>
+                  </a:cubicBezTo>
+                  <a:cubicBezTo>
+                    <a:pt x="108" y="152"/>
+                    <a:pt x="108" y="152"/>
+                    <a:pt x="108" y="152"/>
+                  </a:cubicBezTo>
+                  <a:cubicBezTo>
+                    <a:pt x="108" y="206"/>
+                    <a:pt x="108" y="206"/>
+                    <a:pt x="108" y="206"/>
+                  </a:cubicBezTo>
+                  <a:cubicBezTo>
+                    <a:pt x="76" y="216"/>
+                    <a:pt x="76" y="216"/>
+                    <a:pt x="76" y="216"/>
+                  </a:cubicBezTo>
+                  <a:cubicBezTo>
+                    <a:pt x="76" y="238"/>
+                    <a:pt x="76" y="238"/>
+                    <a:pt x="76" y="238"/>
+                  </a:cubicBezTo>
+                  <a:cubicBezTo>
+                    <a:pt x="184" y="238"/>
+                    <a:pt x="184" y="238"/>
+                    <a:pt x="184" y="238"/>
+                  </a:cubicBezTo>
+                  <a:cubicBezTo>
+                    <a:pt x="184" y="216"/>
+                    <a:pt x="184" y="216"/>
+                    <a:pt x="184" y="216"/>
+                  </a:cubicBezTo>
+                  <a:cubicBezTo>
+                    <a:pt x="151" y="206"/>
+                    <a:pt x="151" y="206"/>
+                    <a:pt x="151" y="206"/>
+                  </a:cubicBezTo>
+                  <a:cubicBezTo>
+                    <a:pt x="151" y="152"/>
+                    <a:pt x="151" y="152"/>
+                    <a:pt x="151" y="152"/>
+                  </a:cubicBezTo>
+                  <a:lnTo>
+                    <a:pt x="259" y="152"/>
+                  </a:lnTo>
+                  <a:close/>
+                  <a:moveTo>
+                    <a:pt x="130" y="152"/>
+                  </a:moveTo>
+                  <a:cubicBezTo>
+                    <a:pt x="108" y="108"/>
+                    <a:pt x="108" y="108"/>
+                    <a:pt x="108" y="108"/>
+                  </a:cubicBezTo>
+                  <a:cubicBezTo>
+                    <a:pt x="151" y="108"/>
+                    <a:pt x="151" y="108"/>
+                    <a:pt x="151" y="108"/>
+                  </a:cubicBezTo>
+                  <a:lnTo>
+                    <a:pt x="130" y="152"/>
+                  </a:lnTo>
+                  <a:close/>
+                </a:path>
+              </a:pathLst>
+            </a:custGeom>
+            <a:solidFill>
+              <a:srgbClr val="231F20"/>
+            </a:solidFill>
+            <a:ln>
+              <a:noFill/>
+            </a:ln>
+            <a:extLst>
+              <a:ext uri="{91240B29-F687-4F45-9708-019B960494DF}">
+                <a14:hiddenLine xmlns:a14="http://schemas.microsoft.com/office/drawing/2010/main" w="9525">
+                  <a:solidFill>
+                    <a:srgbClr val="000000"/>
+                  </a:solidFill>
+                  <a:round/>
+                  <a:headEnd/>
+                  <a:tailEnd/>
+                </a14:hiddenLine>
+              </a:ext>
+            </a:extLst>
+          </p:spPr>
+          <p:txBody>
+            <a:bodyPr vert="horz" wrap="square" lIns="91440" tIns="45720" rIns="91440" bIns="45720" numCol="1" anchor="t" anchorCtr="0" compatLnSpc="1">
+              <a:prstTxWarp prst="textNoShape">
+                <a:avLst/>
+              </a:prstTxWarp>
+            </a:bodyPr>
+            <a:lstStyle/>
+            <a:p>
+              <a:endParaRPr lang="en-GB"/>
+            </a:p>
+          </p:txBody>
+        </p:sp>
+      </p:grpSp>
     </p:spTree>
     <p:extLst>
       <p:ext uri="{BB962C8B-B14F-4D97-AF65-F5344CB8AC3E}">
@@ -36816,12 +36682,50 @@
           </a:p>
         </p:txBody>
       </p:sp>
+      <p:sp>
+        <p:nvSpPr>
+          <p:cNvPr id="27" name="TextBox 26">
+            <a:extLst>
+              <a:ext uri="{FF2B5EF4-FFF2-40B4-BE49-F238E27FC236}">
+                <a16:creationId xmlns:a16="http://schemas.microsoft.com/office/drawing/2014/main" id="{A72DDD85-BC29-4438-B32B-BBA28A40C4C8}"/>
+              </a:ext>
+            </a:extLst>
+          </p:cNvPr>
+          <p:cNvSpPr txBox="1"/>
+          <p:nvPr/>
+        </p:nvSpPr>
+        <p:spPr>
+          <a:xfrm>
+            <a:off x="3210744" y="6751460"/>
+            <a:ext cx="1501005" cy="253916"/>
+          </a:xfrm>
+          <a:prstGeom prst="rect">
+            <a:avLst/>
+          </a:prstGeom>
+          <a:noFill/>
+        </p:spPr>
+        <p:txBody>
+          <a:bodyPr wrap="square" rtlCol="0">
+            <a:spAutoFit/>
+          </a:bodyPr>
+          <a:lstStyle/>
+          <a:p>
+            <a:pPr lvl="0" algn="ctr">
+              <a:defRPr/>
+            </a:pPr>
+            <a:r>
+              <a:rPr lang="en-US" sz="1050" dirty="0"/>
+              <a:t>Thought Leader</a:t>
+            </a:r>
+          </a:p>
+        </p:txBody>
+      </p:sp>
       <p:grpSp>
         <p:nvGrpSpPr>
-          <p:cNvPr id="6" name="Group 5">
+          <p:cNvPr id="3" name="Group 2">
             <a:extLst>
               <a:ext uri="{FF2B5EF4-FFF2-40B4-BE49-F238E27FC236}">
-                <a16:creationId xmlns:a16="http://schemas.microsoft.com/office/drawing/2014/main" id="{35913779-960F-428C-9986-06765E7BD496}"/>
+                <a16:creationId xmlns:a16="http://schemas.microsoft.com/office/drawing/2014/main" id="{FC7880F1-B056-40B8-9BAA-5C5EA6677A1B}"/>
               </a:ext>
             </a:extLst>
           </p:cNvPr>
@@ -36830,10 +36734,10 @@
         </p:nvGrpSpPr>
         <p:grpSpPr>
           <a:xfrm>
-            <a:off x="3210744" y="5186511"/>
-            <a:ext cx="1501005" cy="1818865"/>
-            <a:chOff x="6696678" y="5194917"/>
-            <a:chExt cx="1501005" cy="1818865"/>
+            <a:off x="3244823" y="5186511"/>
+            <a:ext cx="1432851" cy="1432851"/>
+            <a:chOff x="3244823" y="5186511"/>
+            <a:chExt cx="1432851" cy="1432851"/>
           </a:xfrm>
         </p:grpSpPr>
         <p:sp>
@@ -36850,7 +36754,7 @@
           </p:nvSpPr>
           <p:spPr>
             <a:xfrm>
-              <a:off x="6730757" y="5194917"/>
+              <a:off x="3244823" y="5186511"/>
               <a:ext cx="1432851" cy="1432851"/>
             </a:xfrm>
             <a:prstGeom prst="ellipse">
@@ -36895,44 +36799,6 @@
         </p:sp>
         <p:sp>
           <p:nvSpPr>
-            <p:cNvPr id="27" name="TextBox 26">
-              <a:extLst>
-                <a:ext uri="{FF2B5EF4-FFF2-40B4-BE49-F238E27FC236}">
-                  <a16:creationId xmlns:a16="http://schemas.microsoft.com/office/drawing/2014/main" id="{A72DDD85-BC29-4438-B32B-BBA28A40C4C8}"/>
-                </a:ext>
-              </a:extLst>
-            </p:cNvPr>
-            <p:cNvSpPr txBox="1"/>
-            <p:nvPr/>
-          </p:nvSpPr>
-          <p:spPr>
-            <a:xfrm>
-              <a:off x="6696678" y="6759866"/>
-              <a:ext cx="1501005" cy="253916"/>
-            </a:xfrm>
-            <a:prstGeom prst="rect">
-              <a:avLst/>
-            </a:prstGeom>
-            <a:noFill/>
-          </p:spPr>
-          <p:txBody>
-            <a:bodyPr wrap="square" rtlCol="0">
-              <a:spAutoFit/>
-            </a:bodyPr>
-            <a:lstStyle/>
-            <a:p>
-              <a:pPr lvl="0" algn="ctr">
-                <a:defRPr/>
-              </a:pPr>
-              <a:r>
-                <a:rPr lang="en-US" sz="1050" dirty="0"/>
-                <a:t>Thought Leader</a:t>
-              </a:r>
-            </a:p>
-          </p:txBody>
-        </p:sp>
-        <p:sp>
-          <p:nvSpPr>
             <p:cNvPr id="28" name="Freeform 89">
               <a:extLst>
                 <a:ext uri="{FF2B5EF4-FFF2-40B4-BE49-F238E27FC236}">
@@ -36947,7 +36813,7 @@
           </p:nvSpPr>
           <p:spPr bwMode="auto">
             <a:xfrm>
-              <a:off x="7027663" y="5526578"/>
+              <a:off x="3541729" y="5518172"/>
               <a:ext cx="839038" cy="769528"/>
             </a:xfrm>
             <a:custGeom>
@@ -37367,12 +37233,50 @@
           </p:txBody>
         </p:sp>
       </p:grpSp>
+      <p:sp>
+        <p:nvSpPr>
+          <p:cNvPr id="20" name="TextBox 19">
+            <a:extLst>
+              <a:ext uri="{FF2B5EF4-FFF2-40B4-BE49-F238E27FC236}">
+                <a16:creationId xmlns:a16="http://schemas.microsoft.com/office/drawing/2014/main" id="{D52F7C25-AA9B-4F57-9601-59FBDDC6CB9A}"/>
+              </a:ext>
+            </a:extLst>
+          </p:cNvPr>
+          <p:cNvSpPr txBox="1"/>
+          <p:nvPr/>
+        </p:nvSpPr>
+        <p:spPr>
+          <a:xfrm>
+            <a:off x="5484694" y="6767068"/>
+            <a:ext cx="1501005" cy="253916"/>
+          </a:xfrm>
+          <a:prstGeom prst="rect">
+            <a:avLst/>
+          </a:prstGeom>
+          <a:noFill/>
+        </p:spPr>
+        <p:txBody>
+          <a:bodyPr wrap="square" rtlCol="0">
+            <a:spAutoFit/>
+          </a:bodyPr>
+          <a:lstStyle/>
+          <a:p>
+            <a:pPr lvl="0" algn="ctr">
+              <a:defRPr/>
+            </a:pPr>
+            <a:r>
+              <a:rPr lang="en-US" sz="1050" dirty="0"/>
+              <a:t>Technologist</a:t>
+            </a:r>
+          </a:p>
+        </p:txBody>
+      </p:sp>
       <p:grpSp>
         <p:nvGrpSpPr>
-          <p:cNvPr id="9" name="Group 8">
+          <p:cNvPr id="5" name="Group 4">
             <a:extLst>
               <a:ext uri="{FF2B5EF4-FFF2-40B4-BE49-F238E27FC236}">
-                <a16:creationId xmlns:a16="http://schemas.microsoft.com/office/drawing/2014/main" id="{F05350B0-C9F2-4A47-AD21-F5BCA2B29686}"/>
+                <a16:creationId xmlns:a16="http://schemas.microsoft.com/office/drawing/2014/main" id="{BB3199AD-B3CF-457C-9DE4-435A54FC8380}"/>
               </a:ext>
             </a:extLst>
           </p:cNvPr>
@@ -37382,9 +37286,9 @@
         <p:grpSpPr>
           <a:xfrm>
             <a:off x="5483523" y="5194917"/>
-            <a:ext cx="1502176" cy="1826067"/>
-            <a:chOff x="7891439" y="5115033"/>
-            <a:chExt cx="1502176" cy="1826067"/>
+            <a:ext cx="1432851" cy="1432851"/>
+            <a:chOff x="5483523" y="5194917"/>
+            <a:chExt cx="1432851" cy="1432851"/>
           </a:xfrm>
         </p:grpSpPr>
         <p:sp>
@@ -37401,7 +37305,7 @@
           </p:nvSpPr>
           <p:spPr>
             <a:xfrm>
-              <a:off x="7891439" y="5115033"/>
+              <a:off x="5483523" y="5194917"/>
               <a:ext cx="1432851" cy="1432851"/>
             </a:xfrm>
             <a:prstGeom prst="ellipse">
@@ -37441,44 +37345,6 @@
             <a:p>
               <a:pPr algn="ctr"/>
               <a:endParaRPr lang="en-GB"/>
-            </a:p>
-          </p:txBody>
-        </p:sp>
-        <p:sp>
-          <p:nvSpPr>
-            <p:cNvPr id="20" name="TextBox 19">
-              <a:extLst>
-                <a:ext uri="{FF2B5EF4-FFF2-40B4-BE49-F238E27FC236}">
-                  <a16:creationId xmlns:a16="http://schemas.microsoft.com/office/drawing/2014/main" id="{D52F7C25-AA9B-4F57-9601-59FBDDC6CB9A}"/>
-                </a:ext>
-              </a:extLst>
-            </p:cNvPr>
-            <p:cNvSpPr txBox="1"/>
-            <p:nvPr/>
-          </p:nvSpPr>
-          <p:spPr>
-            <a:xfrm>
-              <a:off x="7892610" y="6687184"/>
-              <a:ext cx="1501005" cy="253916"/>
-            </a:xfrm>
-            <a:prstGeom prst="rect">
-              <a:avLst/>
-            </a:prstGeom>
-            <a:noFill/>
-          </p:spPr>
-          <p:txBody>
-            <a:bodyPr wrap="square" rtlCol="0">
-              <a:spAutoFit/>
-            </a:bodyPr>
-            <a:lstStyle/>
-            <a:p>
-              <a:pPr lvl="0" algn="ctr">
-                <a:defRPr/>
-              </a:pPr>
-              <a:r>
-                <a:rPr lang="en-US" sz="1050" dirty="0"/>
-                <a:t>Technologist</a:t>
-              </a:r>
             </a:p>
           </p:txBody>
         </p:sp>
@@ -37504,7 +37370,7 @@
           </p:blipFill>
           <p:spPr>
             <a:xfrm>
-              <a:off x="8186336" y="5409930"/>
+              <a:off x="5778420" y="5489814"/>
               <a:ext cx="843056" cy="843056"/>
             </a:xfrm>
             <a:prstGeom prst="rect">

--- a/Modules/Platform/Achievements/Badges/Digital Explorer Badges.pptx
+++ b/Modules/Platform/Achievements/Badges/Digital Explorer Badges.pptx
@@ -5,10 +5,10 @@
     <p:sldMasterId id="2147483648" r:id="rId1"/>
   </p:sldMasterIdLst>
   <p:notesMasterIdLst>
-    <p:notesMasterId r:id="rId13"/>
+    <p:notesMasterId r:id="rId14"/>
   </p:notesMasterIdLst>
   <p:handoutMasterIdLst>
-    <p:handoutMasterId r:id="rId14"/>
+    <p:handoutMasterId r:id="rId15"/>
   </p:handoutMasterIdLst>
   <p:sldIdLst>
     <p:sldId id="256" r:id="rId2"/>
@@ -22,6 +22,7 @@
     <p:sldId id="322" r:id="rId10"/>
     <p:sldId id="326" r:id="rId11"/>
     <p:sldId id="323" r:id="rId12"/>
+    <p:sldId id="327" r:id="rId13"/>
   </p:sldIdLst>
   <p:sldSz cx="14630400" cy="8229600"/>
   <p:notesSz cx="6858000" cy="9144000"/>
@@ -216,7 +217,7 @@
 <file path=ppt/revisionInfo.xml><?xml version="1.0" encoding="utf-8"?>
 <p1510:revInfo xmlns:a="http://schemas.openxmlformats.org/drawingml/2006/main" xmlns:r="http://schemas.openxmlformats.org/officeDocument/2006/relationships" xmlns:p1510="http://schemas.microsoft.com/office/powerpoint/2015/10/main">
   <p1510:revLst>
-    <p1510:client id="{670E130C-2988-4301-A9D9-8E29E06048A8}" v="8" dt="2019-03-19T15:23:46.156"/>
+    <p1510:client id="{2F3C2BD6-EC8A-467C-81A7-DE84C0B738C4}" v="16" dt="2020-03-13T13:08:57.258"/>
   </p1510:revLst>
 </p1510:revInfo>
 </file>
@@ -429,6 +430,181 @@
     </pc:docChg>
   </pc:docChgLst>
   <pc:docChgLst>
+    <pc:chgData name="Stevens, David" userId="73fe415a-d21a-4898-bfab-0e75d37181d7" providerId="ADAL" clId="{2F3C2BD6-EC8A-467C-81A7-DE84C0B738C4}"/>
+    <pc:docChg chg="undo custSel addSld modSld">
+      <pc:chgData name="Stevens, David" userId="73fe415a-d21a-4898-bfab-0e75d37181d7" providerId="ADAL" clId="{2F3C2BD6-EC8A-467C-81A7-DE84C0B738C4}" dt="2020-03-13T13:08:59.553" v="26" actId="478"/>
+      <pc:docMkLst>
+        <pc:docMk/>
+      </pc:docMkLst>
+      <pc:sldChg chg="addSp delSp modSp">
+        <pc:chgData name="Stevens, David" userId="73fe415a-d21a-4898-bfab-0e75d37181d7" providerId="ADAL" clId="{2F3C2BD6-EC8A-467C-81A7-DE84C0B738C4}" dt="2020-03-13T10:03:07.301" v="3" actId="207"/>
+        <pc:sldMkLst>
+          <pc:docMk/>
+          <pc:sldMk cId="4207284262" sldId="323"/>
+        </pc:sldMkLst>
+        <pc:spChg chg="mod">
+          <ac:chgData name="Stevens, David" userId="73fe415a-d21a-4898-bfab-0e75d37181d7" providerId="ADAL" clId="{2F3C2BD6-EC8A-467C-81A7-DE84C0B738C4}" dt="2020-03-13T10:02:58.109" v="0" actId="207"/>
+          <ac:spMkLst>
+            <pc:docMk/>
+            <pc:sldMk cId="4207284262" sldId="323"/>
+            <ac:spMk id="8" creationId="{A9BB4AF5-003D-47ED-AD76-7AE78775F6C8}"/>
+          </ac:spMkLst>
+        </pc:spChg>
+        <pc:picChg chg="add del mod">
+          <ac:chgData name="Stevens, David" userId="73fe415a-d21a-4898-bfab-0e75d37181d7" providerId="ADAL" clId="{2F3C2BD6-EC8A-467C-81A7-DE84C0B738C4}" dt="2020-03-13T10:03:07.301" v="3" actId="207"/>
+          <ac:picMkLst>
+            <pc:docMk/>
+            <pc:sldMk cId="4207284262" sldId="323"/>
+            <ac:picMk id="21" creationId="{01F1A06B-3DBA-4205-98D4-2181FE5CE8C3}"/>
+          </ac:picMkLst>
+        </pc:picChg>
+      </pc:sldChg>
+      <pc:sldChg chg="addSp delSp modSp add">
+        <pc:chgData name="Stevens, David" userId="73fe415a-d21a-4898-bfab-0e75d37181d7" providerId="ADAL" clId="{2F3C2BD6-EC8A-467C-81A7-DE84C0B738C4}" dt="2020-03-13T13:08:59.553" v="26" actId="478"/>
+        <pc:sldMkLst>
+          <pc:docMk/>
+          <pc:sldMk cId="2791360861" sldId="327"/>
+        </pc:sldMkLst>
+        <pc:spChg chg="del">
+          <ac:chgData name="Stevens, David" userId="73fe415a-d21a-4898-bfab-0e75d37181d7" providerId="ADAL" clId="{2F3C2BD6-EC8A-467C-81A7-DE84C0B738C4}" dt="2020-03-13T13:07:42.890" v="5" actId="478"/>
+          <ac:spMkLst>
+            <pc:docMk/>
+            <pc:sldMk cId="2791360861" sldId="327"/>
+            <ac:spMk id="2" creationId="{76C8A82F-66D8-4D01-8B45-DA1B29535F3A}"/>
+          </ac:spMkLst>
+        </pc:spChg>
+        <pc:spChg chg="del">
+          <ac:chgData name="Stevens, David" userId="73fe415a-d21a-4898-bfab-0e75d37181d7" providerId="ADAL" clId="{2F3C2BD6-EC8A-467C-81A7-DE84C0B738C4}" dt="2020-03-13T13:07:42.890" v="5" actId="478"/>
+          <ac:spMkLst>
+            <pc:docMk/>
+            <pc:sldMk cId="2791360861" sldId="327"/>
+            <ac:spMk id="3" creationId="{EA04E5EC-A5E8-4D5C-A8C8-15F4E39C2E39}"/>
+          </ac:spMkLst>
+        </pc:spChg>
+        <pc:spChg chg="del">
+          <ac:chgData name="Stevens, David" userId="73fe415a-d21a-4898-bfab-0e75d37181d7" providerId="ADAL" clId="{2F3C2BD6-EC8A-467C-81A7-DE84C0B738C4}" dt="2020-03-13T13:07:45.699" v="7" actId="478"/>
+          <ac:spMkLst>
+            <pc:docMk/>
+            <pc:sldMk cId="2791360861" sldId="327"/>
+            <ac:spMk id="6" creationId="{22CB45BD-DBEE-4B39-B3E9-300687A4A495}"/>
+          </ac:spMkLst>
+        </pc:spChg>
+        <pc:spChg chg="add del">
+          <ac:chgData name="Stevens, David" userId="73fe415a-d21a-4898-bfab-0e75d37181d7" providerId="ADAL" clId="{2F3C2BD6-EC8A-467C-81A7-DE84C0B738C4}" dt="2020-03-13T13:07:52.683" v="9"/>
+          <ac:spMkLst>
+            <pc:docMk/>
+            <pc:sldMk cId="2791360861" sldId="327"/>
+            <ac:spMk id="8" creationId="{62A508F4-7759-4E9A-902D-9E4E72B9BDA5}"/>
+          </ac:spMkLst>
+        </pc:spChg>
+        <pc:spChg chg="add mod">
+          <ac:chgData name="Stevens, David" userId="73fe415a-d21a-4898-bfab-0e75d37181d7" providerId="ADAL" clId="{2F3C2BD6-EC8A-467C-81A7-DE84C0B738C4}" dt="2020-03-13T13:08:04.577" v="11" actId="1076"/>
+          <ac:spMkLst>
+            <pc:docMk/>
+            <pc:sldMk cId="2791360861" sldId="327"/>
+            <ac:spMk id="9" creationId="{281D5153-6FC2-4EA0-ACD0-658DA17255F0}"/>
+          </ac:spMkLst>
+        </pc:spChg>
+        <pc:spChg chg="add mod">
+          <ac:chgData name="Stevens, David" userId="73fe415a-d21a-4898-bfab-0e75d37181d7" providerId="ADAL" clId="{2F3C2BD6-EC8A-467C-81A7-DE84C0B738C4}" dt="2020-03-13T13:08:04.577" v="11" actId="1076"/>
+          <ac:spMkLst>
+            <pc:docMk/>
+            <pc:sldMk cId="2791360861" sldId="327"/>
+            <ac:spMk id="10" creationId="{E390E4E8-8DC2-4E51-B0AA-637A68ABF252}"/>
+          </ac:spMkLst>
+        </pc:spChg>
+        <pc:spChg chg="mod topLvl">
+          <ac:chgData name="Stevens, David" userId="73fe415a-d21a-4898-bfab-0e75d37181d7" providerId="ADAL" clId="{2F3C2BD6-EC8A-467C-81A7-DE84C0B738C4}" dt="2020-03-13T13:08:19.785" v="19" actId="164"/>
+          <ac:spMkLst>
+            <pc:docMk/>
+            <pc:sldMk cId="2791360861" sldId="327"/>
+            <ac:spMk id="12" creationId="{4715FE88-950E-4A72-9487-CEF483954BC9}"/>
+          </ac:spMkLst>
+        </pc:spChg>
+        <pc:spChg chg="del topLvl">
+          <ac:chgData name="Stevens, David" userId="73fe415a-d21a-4898-bfab-0e75d37181d7" providerId="ADAL" clId="{2F3C2BD6-EC8A-467C-81A7-DE84C0B738C4}" dt="2020-03-13T13:08:16.778" v="18" actId="478"/>
+          <ac:spMkLst>
+            <pc:docMk/>
+            <pc:sldMk cId="2791360861" sldId="327"/>
+            <ac:spMk id="13" creationId="{E67F0D9D-0C0B-48EF-A067-9B7A9216044E}"/>
+          </ac:spMkLst>
+        </pc:spChg>
+        <pc:spChg chg="add mod">
+          <ac:chgData name="Stevens, David" userId="73fe415a-d21a-4898-bfab-0e75d37181d7" providerId="ADAL" clId="{2F3C2BD6-EC8A-467C-81A7-DE84C0B738C4}" dt="2020-03-13T13:08:19.785" v="19" actId="164"/>
+          <ac:spMkLst>
+            <pc:docMk/>
+            <pc:sldMk cId="2791360861" sldId="327"/>
+            <ac:spMk id="14" creationId="{6343F8C6-A89B-4D67-BAD2-0B877E14CD4E}"/>
+          </ac:spMkLst>
+        </pc:spChg>
+        <pc:spChg chg="add mod">
+          <ac:chgData name="Stevens, David" userId="73fe415a-d21a-4898-bfab-0e75d37181d7" providerId="ADAL" clId="{2F3C2BD6-EC8A-467C-81A7-DE84C0B738C4}" dt="2020-03-13T13:08:35.177" v="22" actId="1076"/>
+          <ac:spMkLst>
+            <pc:docMk/>
+            <pc:sldMk cId="2791360861" sldId="327"/>
+            <ac:spMk id="16" creationId="{C039CDD6-1211-44E5-BF9F-E72D7D0ECA32}"/>
+          </ac:spMkLst>
+        </pc:spChg>
+        <pc:spChg chg="add del mod">
+          <ac:chgData name="Stevens, David" userId="73fe415a-d21a-4898-bfab-0e75d37181d7" providerId="ADAL" clId="{2F3C2BD6-EC8A-467C-81A7-DE84C0B738C4}" dt="2020-03-13T13:08:36.642" v="23" actId="478"/>
+          <ac:spMkLst>
+            <pc:docMk/>
+            <pc:sldMk cId="2791360861" sldId="327"/>
+            <ac:spMk id="17" creationId="{FC03F8DE-7AC1-4D64-8B1C-F232215CA80B}"/>
+          </ac:spMkLst>
+        </pc:spChg>
+        <pc:spChg chg="add mod">
+          <ac:chgData name="Stevens, David" userId="73fe415a-d21a-4898-bfab-0e75d37181d7" providerId="ADAL" clId="{2F3C2BD6-EC8A-467C-81A7-DE84C0B738C4}" dt="2020-03-13T13:08:35.177" v="22" actId="1076"/>
+          <ac:spMkLst>
+            <pc:docMk/>
+            <pc:sldMk cId="2791360861" sldId="327"/>
+            <ac:spMk id="18" creationId="{7A9FB16B-BC20-42B5-89E4-29667E76EE8C}"/>
+          </ac:spMkLst>
+        </pc:spChg>
+        <pc:spChg chg="add del mod">
+          <ac:chgData name="Stevens, David" userId="73fe415a-d21a-4898-bfab-0e75d37181d7" providerId="ADAL" clId="{2F3C2BD6-EC8A-467C-81A7-DE84C0B738C4}" dt="2020-03-13T13:08:59.553" v="26" actId="478"/>
+          <ac:spMkLst>
+            <pc:docMk/>
+            <pc:sldMk cId="2791360861" sldId="327"/>
+            <ac:spMk id="19" creationId="{9BAEF5E7-89D1-46B5-ADC1-58FA8DD9021D}"/>
+          </ac:spMkLst>
+        </pc:spChg>
+        <pc:grpChg chg="add mod">
+          <ac:chgData name="Stevens, David" userId="73fe415a-d21a-4898-bfab-0e75d37181d7" providerId="ADAL" clId="{2F3C2BD6-EC8A-467C-81A7-DE84C0B738C4}" dt="2020-03-13T13:08:11.051" v="14" actId="1076"/>
+          <ac:grpSpMkLst>
+            <pc:docMk/>
+            <pc:sldMk cId="2791360861" sldId="327"/>
+            <ac:grpSpMk id="4" creationId="{27B34DBF-1796-4962-8685-2C5A0C620E32}"/>
+          </ac:grpSpMkLst>
+        </pc:grpChg>
+        <pc:grpChg chg="add del mod">
+          <ac:chgData name="Stevens, David" userId="73fe415a-d21a-4898-bfab-0e75d37181d7" providerId="ADAL" clId="{2F3C2BD6-EC8A-467C-81A7-DE84C0B738C4}" dt="2020-03-13T13:08:16.778" v="18" actId="478"/>
+          <ac:grpSpMkLst>
+            <pc:docMk/>
+            <pc:sldMk cId="2791360861" sldId="327"/>
+            <ac:grpSpMk id="11" creationId="{7E1B1AB3-B941-4B1A-BF2E-22A6634B708A}"/>
+          </ac:grpSpMkLst>
+        </pc:grpChg>
+        <pc:grpChg chg="add mod">
+          <ac:chgData name="Stevens, David" userId="73fe415a-d21a-4898-bfab-0e75d37181d7" providerId="ADAL" clId="{2F3C2BD6-EC8A-467C-81A7-DE84C0B738C4}" dt="2020-03-13T13:08:23.697" v="20" actId="1076"/>
+          <ac:grpSpMkLst>
+            <pc:docMk/>
+            <pc:sldMk cId="2791360861" sldId="327"/>
+            <ac:grpSpMk id="15" creationId="{98A9F1C8-9798-4E54-8D0E-A2F4F257DFE3}"/>
+          </ac:grpSpMkLst>
+        </pc:grpChg>
+        <pc:grpChg chg="add mod">
+          <ac:chgData name="Stevens, David" userId="73fe415a-d21a-4898-bfab-0e75d37181d7" providerId="ADAL" clId="{2F3C2BD6-EC8A-467C-81A7-DE84C0B738C4}" dt="2020-03-13T13:08:57.257" v="25" actId="1076"/>
+          <ac:grpSpMkLst>
+            <pc:docMk/>
+            <pc:sldMk cId="2791360861" sldId="327"/>
+            <ac:grpSpMk id="20" creationId="{5211471A-07E1-4AF9-86D2-5DC8E43FF0D7}"/>
+          </ac:grpSpMkLst>
+        </pc:grpChg>
+      </pc:sldChg>
+    </pc:docChg>
+  </pc:docChgLst>
+  <pc:docChgLst>
     <pc:chgData name="Stevens, David" userId="73fe415a-d21a-4898-bfab-0e75d37181d7" providerId="ADAL" clId="{0D06C720-9C57-4E1E-B275-78274B6009E5}"/>
   </pc:docChgLst>
   <pc:docChgLst>
@@ -525,7 +701,7 @@
                 <a:latin typeface="Arial"/>
                 <a:cs typeface="Arial"/>
               </a:rPr>
-              <a:t>3/19/2019</a:t>
+              <a:t>3/13/2020</a:t>
             </a:fld>
             <a:endParaRPr lang="en-US">
               <a:latin typeface="Arial"/>
@@ -710,7 +886,7 @@
             <a:fld id="{73B26A0F-F4D6-9B4F-A87B-D8948CDE3BB4}" type="datetimeFigureOut">
               <a:rPr lang="en-US" smtClean="0"/>
               <a:pPr/>
-              <a:t>3/19/2019</a:t>
+              <a:t>3/13/2020</a:t>
             </a:fld>
             <a:endParaRPr lang="en-US"/>
           </a:p>
@@ -2354,7 +2530,7 @@
                   <a:spcPts val="0"/>
                 </a:spcBef>
               </a:pPr>
-              <a:t>March 19, 2019</a:t>
+              <a:t>March 13, 2020</a:t>
             </a:fld>
             <a:endParaRPr lang="en-US" sz="1400" b="0" dirty="0">
               <a:solidFill>
@@ -2386,7 +2562,7 @@
       </p:transition>
     </mc:Fallback>
   </mc:AlternateContent>
-  <p:extLst mod="1">
+  <p:extLst>
     <p:ext uri="{DCECCB84-F9BA-43D5-87BE-67443E8EF086}">
       <p15:sldGuideLst xmlns:p15="http://schemas.microsoft.com/office/powerpoint/2012/main"/>
     </p:ext>
@@ -4157,7 +4333,7 @@
                   <a:spcPct val="50000"/>
                 </a:spcBef>
               </a:pPr>
-              <a:t>March 19, 2019</a:t>
+              <a:t>March 13, 2020</a:t>
             </a:fld>
             <a:endParaRPr lang="en-US" sz="1100" b="0" dirty="0">
               <a:solidFill>
@@ -4664,7 +4840,6 @@
         </p:txBody>
       </p:sp>
     </p:spTree>
-    <p:extLst/>
   </p:cSld>
   <p:clrMapOvr>
     <a:masterClrMapping/>
@@ -5910,7 +6085,7 @@
                   <a:spcPct val="50000"/>
                 </a:spcBef>
               </a:pPr>
-              <a:t>March 19, 2019</a:t>
+              <a:t>March 13, 2020</a:t>
             </a:fld>
             <a:endParaRPr lang="en-US" sz="1100" b="0" dirty="0">
               <a:solidFill>
@@ -7381,7 +7556,7 @@
                   <a:spcPct val="50000"/>
                 </a:spcBef>
               </a:pPr>
-              <a:t>March 19, 2019</a:t>
+              <a:t>March 13, 2020</a:t>
             </a:fld>
             <a:endParaRPr lang="en-US" sz="1100" b="0" dirty="0">
               <a:solidFill>
@@ -7572,7 +7747,6 @@
         </p:txBody>
       </p:sp>
     </p:spTree>
-    <p:extLst/>
   </p:cSld>
   <p:clrMapOvr>
     <a:masterClrMapping/>
@@ -8734,7 +8908,7 @@
                   <a:spcPts val="0"/>
                 </a:spcBef>
               </a:pPr>
-              <a:t>March 19, 2019</a:t>
+              <a:t>March 13, 2020</a:t>
             </a:fld>
             <a:endParaRPr lang="en-US" sz="1100" b="0" dirty="0">
               <a:solidFill>
@@ -9039,7 +9213,6 @@
         </p:txBody>
       </p:sp>
     </p:spTree>
-    <p:extLst/>
   </p:cSld>
   <p:clrMapOvr>
     <a:masterClrMapping/>
@@ -10171,7 +10344,7 @@
                   <a:spcPct val="50000"/>
                 </a:spcBef>
               </a:pPr>
-              <a:t>March 19, 2019</a:t>
+              <a:t>March 13, 2020</a:t>
             </a:fld>
             <a:endParaRPr lang="en-US" sz="1100" b="0" dirty="0">
               <a:solidFill>
@@ -13072,7 +13245,7 @@
                   <a:spcPts val="0"/>
                 </a:spcBef>
               </a:pPr>
-              <a:t>March 19, 2019</a:t>
+              <a:t>March 13, 2020</a:t>
             </a:fld>
             <a:endParaRPr lang="en-US" sz="1400" b="0" dirty="0">
               <a:solidFill>
@@ -14463,7 +14636,7 @@
                   <a:spcPts val="0"/>
                 </a:spcBef>
               </a:pPr>
-              <a:t>March 19, 2019</a:t>
+              <a:t>March 13, 2020</a:t>
             </a:fld>
             <a:endParaRPr lang="en-US" sz="1400" b="0" dirty="0">
               <a:solidFill>
@@ -14474,7 +14647,6 @@
         </p:txBody>
       </p:sp>
     </p:spTree>
-    <p:extLst/>
   </p:cSld>
   <p:clrMapOvr>
     <a:masterClrMapping/>
@@ -16024,7 +16196,7 @@
                   <a:spcPts val="0"/>
                 </a:spcBef>
               </a:pPr>
-              <a:t>March 19, 2019</a:t>
+              <a:t>March 13, 2020</a:t>
             </a:fld>
             <a:endParaRPr lang="en-US" sz="1400" b="0" dirty="0">
               <a:solidFill>
@@ -17446,7 +17618,7 @@
                   <a:spcPts val="0"/>
                 </a:spcBef>
               </a:pPr>
-              <a:t>March 19, 2019</a:t>
+              <a:t>March 13, 2020</a:t>
             </a:fld>
             <a:endParaRPr lang="en-US" sz="1400" b="0" dirty="0">
               <a:solidFill>
@@ -18860,7 +19032,7 @@
                   <a:spcPts val="0"/>
                 </a:spcBef>
               </a:pPr>
-              <a:t>March 19, 2019</a:t>
+              <a:t>March 13, 2020</a:t>
             </a:fld>
             <a:endParaRPr lang="en-US" sz="1400" b="0" dirty="0">
               <a:solidFill>
@@ -18871,7 +19043,6 @@
         </p:txBody>
       </p:sp>
     </p:spTree>
-    <p:extLst/>
   </p:cSld>
   <p:clrMapOvr>
     <a:masterClrMapping/>
@@ -19424,7 +19595,6 @@
         </p:txBody>
       </p:sp>
     </p:spTree>
-    <p:extLst/>
   </p:cSld>
   <p:clrMapOvr>
     <a:masterClrMapping/>
@@ -20608,7 +20778,7 @@
                   <a:spcPts val="0"/>
                 </a:spcBef>
               </a:pPr>
-              <a:t>March 19, 2019</a:t>
+              <a:t>March 13, 2020</a:t>
             </a:fld>
             <a:endParaRPr lang="en-US" sz="1100" b="0" dirty="0">
               <a:solidFill>
@@ -21098,7 +21268,7 @@
       </a:lvl9pPr>
     </p:otherStyle>
   </p:txStyles>
-  <p:extLst mod="1">
+  <p:extLst>
     <p:ext uri="{27BBF7A9-308A-43DC-89C8-2F10F3537804}">
       <p15:sldGuideLst xmlns:p15="http://schemas.microsoft.com/office/powerpoint/2012/main">
         <p15:guide id="1" orient="horz" pos="403" userDrawn="1">
@@ -23946,7 +24116,9 @@
             <a:prstGeom prst="rect">
               <a:avLst/>
             </a:prstGeom>
-            <a:grpFill/>
+            <a:solidFill>
+              <a:schemeClr val="bg1"/>
+            </a:solidFill>
           </p:spPr>
           <p:txBody>
             <a:bodyPr wrap="square" rtlCol="0">
@@ -24047,7 +24219,7 @@
                 </a:path>
               </a:pathLst>
             </a:custGeom>
-            <a:grpFill/>
+            <a:noFill/>
           </p:spPr>
         </p:pic>
       </p:grpSp>
@@ -24055,6 +24227,1922 @@
     <p:extLst>
       <p:ext uri="{BB962C8B-B14F-4D97-AF65-F5344CB8AC3E}">
         <p14:creationId xmlns:p14="http://schemas.microsoft.com/office/powerpoint/2010/main" val="4207284262"/>
+      </p:ext>
+    </p:extLst>
+  </p:cSld>
+  <p:clrMapOvr>
+    <a:masterClrMapping/>
+  </p:clrMapOvr>
+  <mc:AlternateContent xmlns:mc="http://schemas.openxmlformats.org/markup-compatibility/2006" xmlns:p14="http://schemas.microsoft.com/office/powerpoint/2010/main">
+    <mc:Choice Requires="p14">
+      <p:transition spd="med" p14:dur="700">
+        <p:fade/>
+      </p:transition>
+    </mc:Choice>
+    <mc:Fallback xmlns="">
+      <p:transition spd="med">
+        <p:fade/>
+      </p:transition>
+    </mc:Fallback>
+  </mc:AlternateContent>
+</p:sld>
+</file>
+
+<file path=ppt/slides/slide12.xml><?xml version="1.0" encoding="utf-8"?>
+<p:sld xmlns:a="http://schemas.openxmlformats.org/drawingml/2006/main" xmlns:r="http://schemas.openxmlformats.org/officeDocument/2006/relationships" xmlns:p="http://schemas.openxmlformats.org/presentationml/2006/main">
+  <p:cSld>
+    <p:spTree>
+      <p:nvGrpSpPr>
+        <p:cNvPr id="1" name=""/>
+        <p:cNvGrpSpPr/>
+        <p:nvPr/>
+      </p:nvGrpSpPr>
+      <p:grpSpPr>
+        <a:xfrm>
+          <a:off x="0" y="0"/>
+          <a:ext cx="0" cy="0"/>
+          <a:chOff x="0" y="0"/>
+          <a:chExt cx="0" cy="0"/>
+        </a:xfrm>
+      </p:grpSpPr>
+      <p:grpSp>
+        <p:nvGrpSpPr>
+          <p:cNvPr id="4" name="Group 3">
+            <a:extLst>
+              <a:ext uri="{FF2B5EF4-FFF2-40B4-BE49-F238E27FC236}">
+                <a16:creationId xmlns:a16="http://schemas.microsoft.com/office/drawing/2014/main" id="{27B34DBF-1796-4962-8685-2C5A0C620E32}"/>
+              </a:ext>
+            </a:extLst>
+          </p:cNvPr>
+          <p:cNvGrpSpPr/>
+          <p:nvPr/>
+        </p:nvGrpSpPr>
+        <p:grpSpPr>
+          <a:xfrm>
+            <a:off x="2914197" y="4219155"/>
+            <a:ext cx="1662107" cy="1432851"/>
+            <a:chOff x="2914197" y="4330823"/>
+            <a:chExt cx="1662107" cy="1432851"/>
+          </a:xfrm>
+          <a:solidFill>
+            <a:srgbClr val="FFED00"/>
+          </a:solidFill>
+        </p:grpSpPr>
+        <p:sp>
+          <p:nvSpPr>
+            <p:cNvPr id="5" name="Trapezoid 4">
+              <a:extLst>
+                <a:ext uri="{FF2B5EF4-FFF2-40B4-BE49-F238E27FC236}">
+                  <a16:creationId xmlns:a16="http://schemas.microsoft.com/office/drawing/2014/main" id="{43D413CB-0A40-4541-A4D6-C47DF79B445C}"/>
+                </a:ext>
+              </a:extLst>
+            </p:cNvPr>
+            <p:cNvSpPr/>
+            <p:nvPr/>
+          </p:nvSpPr>
+          <p:spPr>
+            <a:xfrm flipV="1">
+              <a:off x="2914197" y="4330823"/>
+              <a:ext cx="1662107" cy="1432851"/>
+            </a:xfrm>
+            <a:prstGeom prst="trapezoid">
+              <a:avLst>
+                <a:gd name="adj" fmla="val 14707"/>
+              </a:avLst>
+            </a:prstGeom>
+            <a:grpFill/>
+            <a:ln w="127000" cmpd="thinThick">
+              <a:solidFill>
+                <a:schemeClr val="tx1"/>
+              </a:solidFill>
+            </a:ln>
+          </p:spPr>
+          <p:style>
+            <a:lnRef idx="0">
+              <a:schemeClr val="accent1"/>
+            </a:lnRef>
+            <a:fillRef idx="1">
+              <a:schemeClr val="accent1"/>
+            </a:fillRef>
+            <a:effectRef idx="0">
+              <a:schemeClr val="accent1"/>
+            </a:effectRef>
+            <a:fontRef idx="minor">
+              <a:schemeClr val="lt1"/>
+            </a:fontRef>
+          </p:style>
+          <p:txBody>
+            <a:bodyPr rot="0" spcFirstLastPara="0" vertOverflow="overflow" horzOverflow="overflow" vert="horz" wrap="square" lIns="91440" tIns="45720" rIns="91440" bIns="45720" numCol="1" spcCol="0" rtlCol="0" fromWordArt="0" anchor="ctr" anchorCtr="0" forceAA="0" compatLnSpc="1">
+              <a:prstTxWarp prst="textNoShape">
+                <a:avLst/>
+              </a:prstTxWarp>
+              <a:noAutofit/>
+            </a:bodyPr>
+            <a:lstStyle/>
+            <a:p>
+              <a:pPr algn="ctr"/>
+              <a:endParaRPr lang="en-GB"/>
+            </a:p>
+          </p:txBody>
+        </p:sp>
+        <p:pic>
+          <p:nvPicPr>
+            <p:cNvPr id="7" name="Picture 6">
+              <a:extLst>
+                <a:ext uri="{FF2B5EF4-FFF2-40B4-BE49-F238E27FC236}">
+                  <a16:creationId xmlns:a16="http://schemas.microsoft.com/office/drawing/2014/main" id="{48C22A41-4D08-4AE1-A202-CE898EF7474E}"/>
+                </a:ext>
+              </a:extLst>
+            </p:cNvPr>
+            <p:cNvPicPr>
+              <a:picLocks noChangeAspect="1"/>
+            </p:cNvPicPr>
+            <p:nvPr/>
+          </p:nvPicPr>
+          <p:blipFill>
+            <a:blip r:embed="rId2"/>
+            <a:srcRect l="9664"/>
+            <a:stretch>
+              <a:fillRect/>
+            </a:stretch>
+          </p:blipFill>
+          <p:spPr>
+            <a:xfrm>
+              <a:off x="2939448" y="4369253"/>
+              <a:ext cx="1412504" cy="1355987"/>
+            </a:xfrm>
+            <a:custGeom>
+              <a:avLst/>
+              <a:gdLst>
+                <a:gd name="connsiteX0" fmla="*/ 0 w 1412504"/>
+                <a:gd name="connsiteY0" fmla="*/ 0 h 1355987"/>
+                <a:gd name="connsiteX1" fmla="*/ 1412504 w 1412504"/>
+                <a:gd name="connsiteY1" fmla="*/ 0 h 1355987"/>
+                <a:gd name="connsiteX2" fmla="*/ 1412504 w 1412504"/>
+                <a:gd name="connsiteY2" fmla="*/ 1355987 h 1355987"/>
+                <a:gd name="connsiteX3" fmla="*/ 199424 w 1412504"/>
+                <a:gd name="connsiteY3" fmla="*/ 1355987 h 1355987"/>
+              </a:gdLst>
+              <a:ahLst/>
+              <a:cxnLst>
+                <a:cxn ang="0">
+                  <a:pos x="connsiteX0" y="connsiteY0"/>
+                </a:cxn>
+                <a:cxn ang="0">
+                  <a:pos x="connsiteX1" y="connsiteY1"/>
+                </a:cxn>
+                <a:cxn ang="0">
+                  <a:pos x="connsiteX2" y="connsiteY2"/>
+                </a:cxn>
+                <a:cxn ang="0">
+                  <a:pos x="connsiteX3" y="connsiteY3"/>
+                </a:cxn>
+              </a:cxnLst>
+              <a:rect l="l" t="t" r="r" b="b"/>
+              <a:pathLst>
+                <a:path w="1412504" h="1355987">
+                  <a:moveTo>
+                    <a:pt x="0" y="0"/>
+                  </a:moveTo>
+                  <a:lnTo>
+                    <a:pt x="1412504" y="0"/>
+                  </a:lnTo>
+                  <a:lnTo>
+                    <a:pt x="1412504" y="1355987"/>
+                  </a:lnTo>
+                  <a:lnTo>
+                    <a:pt x="199424" y="1355987"/>
+                  </a:lnTo>
+                  <a:close/>
+                </a:path>
+              </a:pathLst>
+            </a:custGeom>
+            <a:noFill/>
+          </p:spPr>
+        </p:pic>
+      </p:grpSp>
+      <p:sp>
+        <p:nvSpPr>
+          <p:cNvPr id="9" name="Oval 8">
+            <a:extLst>
+              <a:ext uri="{FF2B5EF4-FFF2-40B4-BE49-F238E27FC236}">
+                <a16:creationId xmlns:a16="http://schemas.microsoft.com/office/drawing/2014/main" id="{281D5153-6FC2-4EA0-ACD0-658DA17255F0}"/>
+              </a:ext>
+            </a:extLst>
+          </p:cNvPr>
+          <p:cNvSpPr/>
+          <p:nvPr/>
+        </p:nvSpPr>
+        <p:spPr>
+          <a:xfrm>
+            <a:off x="4616844" y="4257585"/>
+            <a:ext cx="1432851" cy="1432851"/>
+          </a:xfrm>
+          <a:prstGeom prst="ellipse">
+            <a:avLst/>
+          </a:prstGeom>
+          <a:solidFill>
+            <a:schemeClr val="bg1"/>
+          </a:solidFill>
+          <a:ln w="127000" cmpd="thinThick">
+            <a:solidFill>
+              <a:schemeClr val="tx1"/>
+            </a:solidFill>
+          </a:ln>
+        </p:spPr>
+        <p:style>
+          <a:lnRef idx="0">
+            <a:schemeClr val="accent1"/>
+          </a:lnRef>
+          <a:fillRef idx="1">
+            <a:schemeClr val="accent1"/>
+          </a:fillRef>
+          <a:effectRef idx="0">
+            <a:schemeClr val="accent1"/>
+          </a:effectRef>
+          <a:fontRef idx="minor">
+            <a:schemeClr val="lt1"/>
+          </a:fontRef>
+        </p:style>
+        <p:txBody>
+          <a:bodyPr rot="0" spcFirstLastPara="0" vertOverflow="overflow" horzOverflow="overflow" vert="horz" wrap="square" lIns="91440" tIns="45720" rIns="91440" bIns="45720" numCol="1" spcCol="0" rtlCol="0" fromWordArt="0" anchor="ctr" anchorCtr="0" forceAA="0" compatLnSpc="1">
+            <a:prstTxWarp prst="textNoShape">
+              <a:avLst/>
+            </a:prstTxWarp>
+            <a:noAutofit/>
+          </a:bodyPr>
+          <a:lstStyle/>
+          <a:p>
+            <a:pPr algn="ctr"/>
+            <a:endParaRPr lang="en-GB"/>
+          </a:p>
+        </p:txBody>
+      </p:sp>
+      <p:sp>
+        <p:nvSpPr>
+          <p:cNvPr id="10" name="Freeform 101">
+            <a:extLst>
+              <a:ext uri="{FF2B5EF4-FFF2-40B4-BE49-F238E27FC236}">
+                <a16:creationId xmlns:a16="http://schemas.microsoft.com/office/drawing/2014/main" id="{E390E4E8-8DC2-4E51-B0AA-637A68ABF252}"/>
+              </a:ext>
+            </a:extLst>
+          </p:cNvPr>
+          <p:cNvSpPr>
+            <a:spLocks noChangeAspect="1" noEditPoints="1"/>
+          </p:cNvSpPr>
+          <p:nvPr/>
+        </p:nvSpPr>
+        <p:spPr bwMode="auto">
+          <a:xfrm>
+            <a:off x="4969225" y="4609965"/>
+            <a:ext cx="728091" cy="728091"/>
+          </a:xfrm>
+          <a:custGeom>
+            <a:avLst/>
+            <a:gdLst>
+              <a:gd name="T0" fmla="*/ 259 w 259"/>
+              <a:gd name="T1" fmla="*/ 129 h 259"/>
+              <a:gd name="T2" fmla="*/ 259 w 259"/>
+              <a:gd name="T3" fmla="*/ 108 h 259"/>
+              <a:gd name="T4" fmla="*/ 0 w 259"/>
+              <a:gd name="T5" fmla="*/ 108 h 259"/>
+              <a:gd name="T6" fmla="*/ 0 w 259"/>
+              <a:gd name="T7" fmla="*/ 129 h 259"/>
+              <a:gd name="T8" fmla="*/ 11 w 259"/>
+              <a:gd name="T9" fmla="*/ 129 h 259"/>
+              <a:gd name="T10" fmla="*/ 11 w 259"/>
+              <a:gd name="T11" fmla="*/ 237 h 259"/>
+              <a:gd name="T12" fmla="*/ 0 w 259"/>
+              <a:gd name="T13" fmla="*/ 237 h 259"/>
+              <a:gd name="T14" fmla="*/ 0 w 259"/>
+              <a:gd name="T15" fmla="*/ 259 h 259"/>
+              <a:gd name="T16" fmla="*/ 259 w 259"/>
+              <a:gd name="T17" fmla="*/ 259 h 259"/>
+              <a:gd name="T18" fmla="*/ 259 w 259"/>
+              <a:gd name="T19" fmla="*/ 237 h 259"/>
+              <a:gd name="T20" fmla="*/ 248 w 259"/>
+              <a:gd name="T21" fmla="*/ 237 h 259"/>
+              <a:gd name="T22" fmla="*/ 248 w 259"/>
+              <a:gd name="T23" fmla="*/ 129 h 259"/>
+              <a:gd name="T24" fmla="*/ 259 w 259"/>
+              <a:gd name="T25" fmla="*/ 129 h 259"/>
+              <a:gd name="T26" fmla="*/ 54 w 259"/>
+              <a:gd name="T27" fmla="*/ 129 h 259"/>
+              <a:gd name="T28" fmla="*/ 75 w 259"/>
+              <a:gd name="T29" fmla="*/ 129 h 259"/>
+              <a:gd name="T30" fmla="*/ 75 w 259"/>
+              <a:gd name="T31" fmla="*/ 237 h 259"/>
+              <a:gd name="T32" fmla="*/ 54 w 259"/>
+              <a:gd name="T33" fmla="*/ 237 h 259"/>
+              <a:gd name="T34" fmla="*/ 54 w 259"/>
+              <a:gd name="T35" fmla="*/ 129 h 259"/>
+              <a:gd name="T36" fmla="*/ 140 w 259"/>
+              <a:gd name="T37" fmla="*/ 237 h 259"/>
+              <a:gd name="T38" fmla="*/ 119 w 259"/>
+              <a:gd name="T39" fmla="*/ 237 h 259"/>
+              <a:gd name="T40" fmla="*/ 119 w 259"/>
+              <a:gd name="T41" fmla="*/ 129 h 259"/>
+              <a:gd name="T42" fmla="*/ 140 w 259"/>
+              <a:gd name="T43" fmla="*/ 129 h 259"/>
+              <a:gd name="T44" fmla="*/ 140 w 259"/>
+              <a:gd name="T45" fmla="*/ 237 h 259"/>
+              <a:gd name="T46" fmla="*/ 205 w 259"/>
+              <a:gd name="T47" fmla="*/ 237 h 259"/>
+              <a:gd name="T48" fmla="*/ 183 w 259"/>
+              <a:gd name="T49" fmla="*/ 237 h 259"/>
+              <a:gd name="T50" fmla="*/ 183 w 259"/>
+              <a:gd name="T51" fmla="*/ 129 h 259"/>
+              <a:gd name="T52" fmla="*/ 205 w 259"/>
+              <a:gd name="T53" fmla="*/ 129 h 259"/>
+              <a:gd name="T54" fmla="*/ 205 w 259"/>
+              <a:gd name="T55" fmla="*/ 237 h 259"/>
+              <a:gd name="T56" fmla="*/ 216 w 259"/>
+              <a:gd name="T57" fmla="*/ 86 h 259"/>
+              <a:gd name="T58" fmla="*/ 43 w 259"/>
+              <a:gd name="T59" fmla="*/ 86 h 259"/>
+              <a:gd name="T60" fmla="*/ 129 w 259"/>
+              <a:gd name="T61" fmla="*/ 0 h 259"/>
+              <a:gd name="T62" fmla="*/ 216 w 259"/>
+              <a:gd name="T63" fmla="*/ 86 h 259"/>
+            </a:gdLst>
+            <a:ahLst/>
+            <a:cxnLst>
+              <a:cxn ang="0">
+                <a:pos x="T0" y="T1"/>
+              </a:cxn>
+              <a:cxn ang="0">
+                <a:pos x="T2" y="T3"/>
+              </a:cxn>
+              <a:cxn ang="0">
+                <a:pos x="T4" y="T5"/>
+              </a:cxn>
+              <a:cxn ang="0">
+                <a:pos x="T6" y="T7"/>
+              </a:cxn>
+              <a:cxn ang="0">
+                <a:pos x="T8" y="T9"/>
+              </a:cxn>
+              <a:cxn ang="0">
+                <a:pos x="T10" y="T11"/>
+              </a:cxn>
+              <a:cxn ang="0">
+                <a:pos x="T12" y="T13"/>
+              </a:cxn>
+              <a:cxn ang="0">
+                <a:pos x="T14" y="T15"/>
+              </a:cxn>
+              <a:cxn ang="0">
+                <a:pos x="T16" y="T17"/>
+              </a:cxn>
+              <a:cxn ang="0">
+                <a:pos x="T18" y="T19"/>
+              </a:cxn>
+              <a:cxn ang="0">
+                <a:pos x="T20" y="T21"/>
+              </a:cxn>
+              <a:cxn ang="0">
+                <a:pos x="T22" y="T23"/>
+              </a:cxn>
+              <a:cxn ang="0">
+                <a:pos x="T24" y="T25"/>
+              </a:cxn>
+              <a:cxn ang="0">
+                <a:pos x="T26" y="T27"/>
+              </a:cxn>
+              <a:cxn ang="0">
+                <a:pos x="T28" y="T29"/>
+              </a:cxn>
+              <a:cxn ang="0">
+                <a:pos x="T30" y="T31"/>
+              </a:cxn>
+              <a:cxn ang="0">
+                <a:pos x="T32" y="T33"/>
+              </a:cxn>
+              <a:cxn ang="0">
+                <a:pos x="T34" y="T35"/>
+              </a:cxn>
+              <a:cxn ang="0">
+                <a:pos x="T36" y="T37"/>
+              </a:cxn>
+              <a:cxn ang="0">
+                <a:pos x="T38" y="T39"/>
+              </a:cxn>
+              <a:cxn ang="0">
+                <a:pos x="T40" y="T41"/>
+              </a:cxn>
+              <a:cxn ang="0">
+                <a:pos x="T42" y="T43"/>
+              </a:cxn>
+              <a:cxn ang="0">
+                <a:pos x="T44" y="T45"/>
+              </a:cxn>
+              <a:cxn ang="0">
+                <a:pos x="T46" y="T47"/>
+              </a:cxn>
+              <a:cxn ang="0">
+                <a:pos x="T48" y="T49"/>
+              </a:cxn>
+              <a:cxn ang="0">
+                <a:pos x="T50" y="T51"/>
+              </a:cxn>
+              <a:cxn ang="0">
+                <a:pos x="T52" y="T53"/>
+              </a:cxn>
+              <a:cxn ang="0">
+                <a:pos x="T54" y="T55"/>
+              </a:cxn>
+              <a:cxn ang="0">
+                <a:pos x="T56" y="T57"/>
+              </a:cxn>
+              <a:cxn ang="0">
+                <a:pos x="T58" y="T59"/>
+              </a:cxn>
+              <a:cxn ang="0">
+                <a:pos x="T60" y="T61"/>
+              </a:cxn>
+              <a:cxn ang="0">
+                <a:pos x="T62" y="T63"/>
+              </a:cxn>
+            </a:cxnLst>
+            <a:rect l="0" t="0" r="r" b="b"/>
+            <a:pathLst>
+              <a:path w="259" h="259">
+                <a:moveTo>
+                  <a:pt x="259" y="129"/>
+                </a:moveTo>
+                <a:cubicBezTo>
+                  <a:pt x="259" y="108"/>
+                  <a:pt x="259" y="108"/>
+                  <a:pt x="259" y="108"/>
+                </a:cubicBezTo>
+                <a:cubicBezTo>
+                  <a:pt x="0" y="108"/>
+                  <a:pt x="0" y="108"/>
+                  <a:pt x="0" y="108"/>
+                </a:cubicBezTo>
+                <a:cubicBezTo>
+                  <a:pt x="0" y="129"/>
+                  <a:pt x="0" y="129"/>
+                  <a:pt x="0" y="129"/>
+                </a:cubicBezTo>
+                <a:cubicBezTo>
+                  <a:pt x="11" y="129"/>
+                  <a:pt x="11" y="129"/>
+                  <a:pt x="11" y="129"/>
+                </a:cubicBezTo>
+                <a:cubicBezTo>
+                  <a:pt x="11" y="237"/>
+                  <a:pt x="11" y="237"/>
+                  <a:pt x="11" y="237"/>
+                </a:cubicBezTo>
+                <a:cubicBezTo>
+                  <a:pt x="0" y="237"/>
+                  <a:pt x="0" y="237"/>
+                  <a:pt x="0" y="237"/>
+                </a:cubicBezTo>
+                <a:cubicBezTo>
+                  <a:pt x="0" y="259"/>
+                  <a:pt x="0" y="259"/>
+                  <a:pt x="0" y="259"/>
+                </a:cubicBezTo>
+                <a:cubicBezTo>
+                  <a:pt x="259" y="259"/>
+                  <a:pt x="259" y="259"/>
+                  <a:pt x="259" y="259"/>
+                </a:cubicBezTo>
+                <a:cubicBezTo>
+                  <a:pt x="259" y="237"/>
+                  <a:pt x="259" y="237"/>
+                  <a:pt x="259" y="237"/>
+                </a:cubicBezTo>
+                <a:cubicBezTo>
+                  <a:pt x="248" y="237"/>
+                  <a:pt x="248" y="237"/>
+                  <a:pt x="248" y="237"/>
+                </a:cubicBezTo>
+                <a:cubicBezTo>
+                  <a:pt x="248" y="129"/>
+                  <a:pt x="248" y="129"/>
+                  <a:pt x="248" y="129"/>
+                </a:cubicBezTo>
+                <a:lnTo>
+                  <a:pt x="259" y="129"/>
+                </a:lnTo>
+                <a:close/>
+                <a:moveTo>
+                  <a:pt x="54" y="129"/>
+                </a:moveTo>
+                <a:cubicBezTo>
+                  <a:pt x="75" y="129"/>
+                  <a:pt x="75" y="129"/>
+                  <a:pt x="75" y="129"/>
+                </a:cubicBezTo>
+                <a:cubicBezTo>
+                  <a:pt x="75" y="237"/>
+                  <a:pt x="75" y="237"/>
+                  <a:pt x="75" y="237"/>
+                </a:cubicBezTo>
+                <a:cubicBezTo>
+                  <a:pt x="54" y="237"/>
+                  <a:pt x="54" y="237"/>
+                  <a:pt x="54" y="237"/>
+                </a:cubicBezTo>
+                <a:lnTo>
+                  <a:pt x="54" y="129"/>
+                </a:lnTo>
+                <a:close/>
+                <a:moveTo>
+                  <a:pt x="140" y="237"/>
+                </a:moveTo>
+                <a:cubicBezTo>
+                  <a:pt x="119" y="237"/>
+                  <a:pt x="119" y="237"/>
+                  <a:pt x="119" y="237"/>
+                </a:cubicBezTo>
+                <a:cubicBezTo>
+                  <a:pt x="119" y="129"/>
+                  <a:pt x="119" y="129"/>
+                  <a:pt x="119" y="129"/>
+                </a:cubicBezTo>
+                <a:cubicBezTo>
+                  <a:pt x="140" y="129"/>
+                  <a:pt x="140" y="129"/>
+                  <a:pt x="140" y="129"/>
+                </a:cubicBezTo>
+                <a:lnTo>
+                  <a:pt x="140" y="237"/>
+                </a:lnTo>
+                <a:close/>
+                <a:moveTo>
+                  <a:pt x="205" y="237"/>
+                </a:moveTo>
+                <a:cubicBezTo>
+                  <a:pt x="183" y="237"/>
+                  <a:pt x="183" y="237"/>
+                  <a:pt x="183" y="237"/>
+                </a:cubicBezTo>
+                <a:cubicBezTo>
+                  <a:pt x="183" y="129"/>
+                  <a:pt x="183" y="129"/>
+                  <a:pt x="183" y="129"/>
+                </a:cubicBezTo>
+                <a:cubicBezTo>
+                  <a:pt x="205" y="129"/>
+                  <a:pt x="205" y="129"/>
+                  <a:pt x="205" y="129"/>
+                </a:cubicBezTo>
+                <a:lnTo>
+                  <a:pt x="205" y="237"/>
+                </a:lnTo>
+                <a:close/>
+                <a:moveTo>
+                  <a:pt x="216" y="86"/>
+                </a:moveTo>
+                <a:cubicBezTo>
+                  <a:pt x="43" y="86"/>
+                  <a:pt x="43" y="86"/>
+                  <a:pt x="43" y="86"/>
+                </a:cubicBezTo>
+                <a:cubicBezTo>
+                  <a:pt x="43" y="38"/>
+                  <a:pt x="82" y="0"/>
+                  <a:pt x="129" y="0"/>
+                </a:cubicBezTo>
+                <a:cubicBezTo>
+                  <a:pt x="177" y="0"/>
+                  <a:pt x="216" y="38"/>
+                  <a:pt x="216" y="86"/>
+                </a:cubicBezTo>
+                <a:close/>
+              </a:path>
+            </a:pathLst>
+          </a:custGeom>
+          <a:solidFill>
+            <a:srgbClr val="000000"/>
+          </a:solidFill>
+          <a:ln>
+            <a:noFill/>
+          </a:ln>
+          <a:extLst>
+            <a:ext uri="{91240B29-F687-4F45-9708-019B960494DF}">
+              <a14:hiddenLine xmlns:a14="http://schemas.microsoft.com/office/drawing/2010/main" w="9525">
+                <a:solidFill>
+                  <a:srgbClr val="000000"/>
+                </a:solidFill>
+                <a:round/>
+                <a:headEnd/>
+                <a:tailEnd/>
+              </a14:hiddenLine>
+            </a:ext>
+          </a:extLst>
+        </p:spPr>
+        <p:txBody>
+          <a:bodyPr vert="horz" wrap="square" lIns="91440" tIns="45720" rIns="91440" bIns="45720" numCol="1" anchor="t" anchorCtr="0" compatLnSpc="1">
+            <a:prstTxWarp prst="textNoShape">
+              <a:avLst/>
+            </a:prstTxWarp>
+          </a:bodyPr>
+          <a:lstStyle/>
+          <a:p>
+            <a:endParaRPr lang="en-GB"/>
+          </a:p>
+        </p:txBody>
+      </p:sp>
+      <p:grpSp>
+        <p:nvGrpSpPr>
+          <p:cNvPr id="15" name="Group 14">
+            <a:extLst>
+              <a:ext uri="{FF2B5EF4-FFF2-40B4-BE49-F238E27FC236}">
+                <a16:creationId xmlns:a16="http://schemas.microsoft.com/office/drawing/2014/main" id="{98A9F1C8-9798-4E54-8D0E-A2F4F257DFE3}"/>
+              </a:ext>
+            </a:extLst>
+          </p:cNvPr>
+          <p:cNvGrpSpPr/>
+          <p:nvPr/>
+        </p:nvGrpSpPr>
+        <p:grpSpPr>
+          <a:xfrm>
+            <a:off x="6184032" y="4257585"/>
+            <a:ext cx="1662107" cy="1432851"/>
+            <a:chOff x="6484146" y="4429534"/>
+            <a:chExt cx="1662107" cy="1432851"/>
+          </a:xfrm>
+        </p:grpSpPr>
+        <p:sp>
+          <p:nvSpPr>
+            <p:cNvPr id="12" name="Hexagon 11">
+              <a:extLst>
+                <a:ext uri="{FF2B5EF4-FFF2-40B4-BE49-F238E27FC236}">
+                  <a16:creationId xmlns:a16="http://schemas.microsoft.com/office/drawing/2014/main" id="{4715FE88-950E-4A72-9487-CEF483954BC9}"/>
+                </a:ext>
+              </a:extLst>
+            </p:cNvPr>
+            <p:cNvSpPr/>
+            <p:nvPr/>
+          </p:nvSpPr>
+          <p:spPr>
+            <a:xfrm>
+              <a:off x="6484146" y="4429534"/>
+              <a:ext cx="1662107" cy="1432851"/>
+            </a:xfrm>
+            <a:prstGeom prst="hexagon">
+              <a:avLst/>
+            </a:prstGeom>
+            <a:solidFill>
+              <a:schemeClr val="bg1"/>
+            </a:solidFill>
+            <a:ln w="127000" cmpd="thinThick">
+              <a:solidFill>
+                <a:schemeClr val="tx1"/>
+              </a:solidFill>
+            </a:ln>
+          </p:spPr>
+          <p:style>
+            <a:lnRef idx="0">
+              <a:schemeClr val="accent1"/>
+            </a:lnRef>
+            <a:fillRef idx="1">
+              <a:schemeClr val="accent1"/>
+            </a:fillRef>
+            <a:effectRef idx="0">
+              <a:schemeClr val="accent1"/>
+            </a:effectRef>
+            <a:fontRef idx="minor">
+              <a:schemeClr val="lt1"/>
+            </a:fontRef>
+          </p:style>
+          <p:txBody>
+            <a:bodyPr rot="0" spcFirstLastPara="0" vertOverflow="overflow" horzOverflow="overflow" vert="horz" wrap="square" lIns="91440" tIns="45720" rIns="91440" bIns="45720" numCol="1" spcCol="0" rtlCol="0" fromWordArt="0" anchor="ctr" anchorCtr="0" forceAA="0" compatLnSpc="1">
+              <a:prstTxWarp prst="textNoShape">
+                <a:avLst/>
+              </a:prstTxWarp>
+              <a:noAutofit/>
+            </a:bodyPr>
+            <a:lstStyle/>
+            <a:p>
+              <a:pPr algn="ctr"/>
+              <a:endParaRPr lang="en-GB"/>
+            </a:p>
+          </p:txBody>
+        </p:sp>
+        <p:sp>
+          <p:nvSpPr>
+            <p:cNvPr id="14" name="Freeform 5">
+              <a:extLst>
+                <a:ext uri="{FF2B5EF4-FFF2-40B4-BE49-F238E27FC236}">
+                  <a16:creationId xmlns:a16="http://schemas.microsoft.com/office/drawing/2014/main" id="{6343F8C6-A89B-4D67-BAD2-0B877E14CD4E}"/>
+                </a:ext>
+              </a:extLst>
+            </p:cNvPr>
+            <p:cNvSpPr>
+              <a:spLocks noChangeAspect="1" noEditPoints="1"/>
+            </p:cNvSpPr>
+            <p:nvPr/>
+          </p:nvSpPr>
+          <p:spPr bwMode="auto">
+            <a:xfrm>
+              <a:off x="6852342" y="4767559"/>
+              <a:ext cx="925713" cy="622127"/>
+            </a:xfrm>
+            <a:custGeom>
+              <a:avLst/>
+              <a:gdLst>
+                <a:gd name="T0" fmla="*/ 259 w 259"/>
+                <a:gd name="T1" fmla="*/ 129 h 173"/>
+                <a:gd name="T2" fmla="*/ 259 w 259"/>
+                <a:gd name="T3" fmla="*/ 173 h 173"/>
+                <a:gd name="T4" fmla="*/ 0 w 259"/>
+                <a:gd name="T5" fmla="*/ 173 h 173"/>
+                <a:gd name="T6" fmla="*/ 0 w 259"/>
+                <a:gd name="T7" fmla="*/ 129 h 173"/>
+                <a:gd name="T8" fmla="*/ 129 w 259"/>
+                <a:gd name="T9" fmla="*/ 0 h 173"/>
+                <a:gd name="T10" fmla="*/ 259 w 259"/>
+                <a:gd name="T11" fmla="*/ 129 h 173"/>
+                <a:gd name="T12" fmla="*/ 216 w 259"/>
+                <a:gd name="T13" fmla="*/ 86 h 173"/>
+                <a:gd name="T14" fmla="*/ 124 w 259"/>
+                <a:gd name="T15" fmla="*/ 109 h 173"/>
+                <a:gd name="T16" fmla="*/ 120 w 259"/>
+                <a:gd name="T17" fmla="*/ 110 h 173"/>
+                <a:gd name="T18" fmla="*/ 110 w 259"/>
+                <a:gd name="T19" fmla="*/ 139 h 173"/>
+                <a:gd name="T20" fmla="*/ 139 w 259"/>
+                <a:gd name="T21" fmla="*/ 149 h 173"/>
+                <a:gd name="T22" fmla="*/ 143 w 259"/>
+                <a:gd name="T23" fmla="*/ 146 h 173"/>
+                <a:gd name="T24" fmla="*/ 216 w 259"/>
+                <a:gd name="T25" fmla="*/ 86 h 173"/>
+                <a:gd name="T26" fmla="*/ 173 w 259"/>
+                <a:gd name="T27" fmla="*/ 75 h 173"/>
+                <a:gd name="T28" fmla="*/ 216 w 259"/>
+                <a:gd name="T29" fmla="*/ 65 h 173"/>
+                <a:gd name="T30" fmla="*/ 129 w 259"/>
+                <a:gd name="T31" fmla="*/ 21 h 173"/>
+                <a:gd name="T32" fmla="*/ 52 w 259"/>
+                <a:gd name="T33" fmla="*/ 54 h 173"/>
+                <a:gd name="T34" fmla="*/ 52 w 259"/>
+                <a:gd name="T35" fmla="*/ 54 h 173"/>
+                <a:gd name="T36" fmla="*/ 98 w 259"/>
+                <a:gd name="T37" fmla="*/ 43 h 173"/>
+                <a:gd name="T38" fmla="*/ 173 w 259"/>
+                <a:gd name="T39" fmla="*/ 75 h 173"/>
+              </a:gdLst>
+              <a:ahLst/>
+              <a:cxnLst>
+                <a:cxn ang="0">
+                  <a:pos x="T0" y="T1"/>
+                </a:cxn>
+                <a:cxn ang="0">
+                  <a:pos x="T2" y="T3"/>
+                </a:cxn>
+                <a:cxn ang="0">
+                  <a:pos x="T4" y="T5"/>
+                </a:cxn>
+                <a:cxn ang="0">
+                  <a:pos x="T6" y="T7"/>
+                </a:cxn>
+                <a:cxn ang="0">
+                  <a:pos x="T8" y="T9"/>
+                </a:cxn>
+                <a:cxn ang="0">
+                  <a:pos x="T10" y="T11"/>
+                </a:cxn>
+                <a:cxn ang="0">
+                  <a:pos x="T12" y="T13"/>
+                </a:cxn>
+                <a:cxn ang="0">
+                  <a:pos x="T14" y="T15"/>
+                </a:cxn>
+                <a:cxn ang="0">
+                  <a:pos x="T16" y="T17"/>
+                </a:cxn>
+                <a:cxn ang="0">
+                  <a:pos x="T18" y="T19"/>
+                </a:cxn>
+                <a:cxn ang="0">
+                  <a:pos x="T20" y="T21"/>
+                </a:cxn>
+                <a:cxn ang="0">
+                  <a:pos x="T22" y="T23"/>
+                </a:cxn>
+                <a:cxn ang="0">
+                  <a:pos x="T24" y="T25"/>
+                </a:cxn>
+                <a:cxn ang="0">
+                  <a:pos x="T26" y="T27"/>
+                </a:cxn>
+                <a:cxn ang="0">
+                  <a:pos x="T28" y="T29"/>
+                </a:cxn>
+                <a:cxn ang="0">
+                  <a:pos x="T30" y="T31"/>
+                </a:cxn>
+                <a:cxn ang="0">
+                  <a:pos x="T32" y="T33"/>
+                </a:cxn>
+                <a:cxn ang="0">
+                  <a:pos x="T34" y="T35"/>
+                </a:cxn>
+                <a:cxn ang="0">
+                  <a:pos x="T36" y="T37"/>
+                </a:cxn>
+                <a:cxn ang="0">
+                  <a:pos x="T38" y="T39"/>
+                </a:cxn>
+              </a:cxnLst>
+              <a:rect l="0" t="0" r="r" b="b"/>
+              <a:pathLst>
+                <a:path w="259" h="173">
+                  <a:moveTo>
+                    <a:pt x="259" y="129"/>
+                  </a:moveTo>
+                  <a:cubicBezTo>
+                    <a:pt x="259" y="173"/>
+                    <a:pt x="259" y="173"/>
+                    <a:pt x="259" y="173"/>
+                  </a:cubicBezTo>
+                  <a:cubicBezTo>
+                    <a:pt x="0" y="173"/>
+                    <a:pt x="0" y="173"/>
+                    <a:pt x="0" y="173"/>
+                  </a:cubicBezTo>
+                  <a:cubicBezTo>
+                    <a:pt x="0" y="129"/>
+                    <a:pt x="0" y="129"/>
+                    <a:pt x="0" y="129"/>
+                  </a:cubicBezTo>
+                  <a:cubicBezTo>
+                    <a:pt x="0" y="58"/>
+                    <a:pt x="58" y="0"/>
+                    <a:pt x="129" y="0"/>
+                  </a:cubicBezTo>
+                  <a:cubicBezTo>
+                    <a:pt x="201" y="0"/>
+                    <a:pt x="259" y="58"/>
+                    <a:pt x="259" y="129"/>
+                  </a:cubicBezTo>
+                  <a:close/>
+                  <a:moveTo>
+                    <a:pt x="216" y="86"/>
+                  </a:moveTo>
+                  <a:cubicBezTo>
+                    <a:pt x="124" y="109"/>
+                    <a:pt x="124" y="109"/>
+                    <a:pt x="124" y="109"/>
+                  </a:cubicBezTo>
+                  <a:cubicBezTo>
+                    <a:pt x="122" y="109"/>
+                    <a:pt x="121" y="109"/>
+                    <a:pt x="120" y="110"/>
+                  </a:cubicBezTo>
+                  <a:cubicBezTo>
+                    <a:pt x="109" y="115"/>
+                    <a:pt x="105" y="128"/>
+                    <a:pt x="110" y="139"/>
+                  </a:cubicBezTo>
+                  <a:cubicBezTo>
+                    <a:pt x="115" y="150"/>
+                    <a:pt x="128" y="154"/>
+                    <a:pt x="139" y="149"/>
+                  </a:cubicBezTo>
+                  <a:cubicBezTo>
+                    <a:pt x="140" y="148"/>
+                    <a:pt x="141" y="147"/>
+                    <a:pt x="143" y="146"/>
+                  </a:cubicBezTo>
+                  <a:lnTo>
+                    <a:pt x="216" y="86"/>
+                  </a:lnTo>
+                  <a:close/>
+                  <a:moveTo>
+                    <a:pt x="173" y="75"/>
+                  </a:moveTo>
+                  <a:cubicBezTo>
+                    <a:pt x="216" y="65"/>
+                    <a:pt x="216" y="65"/>
+                    <a:pt x="216" y="65"/>
+                  </a:cubicBezTo>
+                  <a:cubicBezTo>
+                    <a:pt x="196" y="38"/>
+                    <a:pt x="165" y="21"/>
+                    <a:pt x="129" y="21"/>
+                  </a:cubicBezTo>
+                  <a:cubicBezTo>
+                    <a:pt x="99" y="21"/>
+                    <a:pt x="72" y="34"/>
+                    <a:pt x="52" y="54"/>
+                  </a:cubicBezTo>
+                  <a:cubicBezTo>
+                    <a:pt x="52" y="54"/>
+                    <a:pt x="52" y="54"/>
+                    <a:pt x="52" y="54"/>
+                  </a:cubicBezTo>
+                  <a:cubicBezTo>
+                    <a:pt x="66" y="47"/>
+                    <a:pt x="82" y="43"/>
+                    <a:pt x="98" y="43"/>
+                  </a:cubicBezTo>
+                  <a:cubicBezTo>
+                    <a:pt x="127" y="43"/>
+                    <a:pt x="154" y="55"/>
+                    <a:pt x="173" y="75"/>
+                  </a:cubicBezTo>
+                  <a:close/>
+                </a:path>
+              </a:pathLst>
+            </a:custGeom>
+            <a:solidFill>
+              <a:srgbClr val="000000"/>
+            </a:solidFill>
+            <a:ln>
+              <a:noFill/>
+            </a:ln>
+            <a:extLst>
+              <a:ext uri="{91240B29-F687-4F45-9708-019B960494DF}">
+                <a14:hiddenLine xmlns:a14="http://schemas.microsoft.com/office/drawing/2010/main" w="9525">
+                  <a:solidFill>
+                    <a:srgbClr val="000000"/>
+                  </a:solidFill>
+                  <a:round/>
+                  <a:headEnd/>
+                  <a:tailEnd/>
+                </a14:hiddenLine>
+              </a:ext>
+            </a:extLst>
+          </p:spPr>
+          <p:txBody>
+            <a:bodyPr vert="horz" wrap="square" lIns="91440" tIns="45720" rIns="91440" bIns="45720" numCol="1" anchor="t" anchorCtr="0" compatLnSpc="1">
+              <a:prstTxWarp prst="textNoShape">
+                <a:avLst/>
+              </a:prstTxWarp>
+            </a:bodyPr>
+            <a:lstStyle/>
+            <a:p>
+              <a:endParaRPr lang="en-GB"/>
+            </a:p>
+          </p:txBody>
+        </p:sp>
+      </p:grpSp>
+      <p:sp>
+        <p:nvSpPr>
+          <p:cNvPr id="16" name="Rectangle 15">
+            <a:extLst>
+              <a:ext uri="{FF2B5EF4-FFF2-40B4-BE49-F238E27FC236}">
+                <a16:creationId xmlns:a16="http://schemas.microsoft.com/office/drawing/2014/main" id="{C039CDD6-1211-44E5-BF9F-E72D7D0ECA32}"/>
+              </a:ext>
+            </a:extLst>
+          </p:cNvPr>
+          <p:cNvSpPr/>
+          <p:nvPr/>
+        </p:nvSpPr>
+        <p:spPr>
+          <a:xfrm>
+            <a:off x="8004389" y="4257585"/>
+            <a:ext cx="1432851" cy="1432851"/>
+          </a:xfrm>
+          <a:prstGeom prst="rect">
+            <a:avLst/>
+          </a:prstGeom>
+          <a:solidFill>
+            <a:schemeClr val="bg1"/>
+          </a:solidFill>
+          <a:ln w="127000" cmpd="thinThick">
+            <a:solidFill>
+              <a:schemeClr val="tx1"/>
+            </a:solidFill>
+          </a:ln>
+        </p:spPr>
+        <p:style>
+          <a:lnRef idx="0">
+            <a:schemeClr val="accent1"/>
+          </a:lnRef>
+          <a:fillRef idx="1">
+            <a:schemeClr val="accent1"/>
+          </a:fillRef>
+          <a:effectRef idx="0">
+            <a:schemeClr val="accent1"/>
+          </a:effectRef>
+          <a:fontRef idx="minor">
+            <a:schemeClr val="lt1"/>
+          </a:fontRef>
+        </p:style>
+        <p:txBody>
+          <a:bodyPr rtlCol="0" anchor="ctr"/>
+          <a:lstStyle/>
+          <a:p>
+            <a:pPr algn="ctr"/>
+            <a:endParaRPr lang="en-GB"/>
+          </a:p>
+        </p:txBody>
+      </p:sp>
+      <p:sp>
+        <p:nvSpPr>
+          <p:cNvPr id="18" name="Freeform 57">
+            <a:extLst>
+              <a:ext uri="{FF2B5EF4-FFF2-40B4-BE49-F238E27FC236}">
+                <a16:creationId xmlns:a16="http://schemas.microsoft.com/office/drawing/2014/main" id="{7A9FB16B-BC20-42B5-89E4-29667E76EE8C}"/>
+              </a:ext>
+            </a:extLst>
+          </p:cNvPr>
+          <p:cNvSpPr>
+            <a:spLocks noChangeAspect="1" noEditPoints="1"/>
+          </p:cNvSpPr>
+          <p:nvPr/>
+        </p:nvSpPr>
+        <p:spPr bwMode="auto">
+          <a:xfrm>
+            <a:off x="8377120" y="4599271"/>
+            <a:ext cx="687387" cy="749477"/>
+          </a:xfrm>
+          <a:custGeom>
+            <a:avLst/>
+            <a:gdLst>
+              <a:gd name="T0" fmla="*/ 1008 w 1056"/>
+              <a:gd name="T1" fmla="*/ 720 h 1152"/>
+              <a:gd name="T2" fmla="*/ 864 w 1056"/>
+              <a:gd name="T3" fmla="*/ 864 h 1152"/>
+              <a:gd name="T4" fmla="*/ 720 w 1056"/>
+              <a:gd name="T5" fmla="*/ 720 h 1152"/>
+              <a:gd name="T6" fmla="*/ 864 w 1056"/>
+              <a:gd name="T7" fmla="*/ 576 h 1152"/>
+              <a:gd name="T8" fmla="*/ 1008 w 1056"/>
+              <a:gd name="T9" fmla="*/ 720 h 1152"/>
+              <a:gd name="T10" fmla="*/ 1056 w 1056"/>
+              <a:gd name="T11" fmla="*/ 1056 h 1152"/>
+              <a:gd name="T12" fmla="*/ 1056 w 1056"/>
+              <a:gd name="T13" fmla="*/ 1152 h 1152"/>
+              <a:gd name="T14" fmla="*/ 576 w 1056"/>
+              <a:gd name="T15" fmla="*/ 1152 h 1152"/>
+              <a:gd name="T16" fmla="*/ 576 w 1056"/>
+              <a:gd name="T17" fmla="*/ 288 h 1152"/>
+              <a:gd name="T18" fmla="*/ 480 w 1056"/>
+              <a:gd name="T19" fmla="*/ 288 h 1152"/>
+              <a:gd name="T20" fmla="*/ 480 w 1056"/>
+              <a:gd name="T21" fmla="*/ 1152 h 1152"/>
+              <a:gd name="T22" fmla="*/ 384 w 1056"/>
+              <a:gd name="T23" fmla="*/ 1152 h 1152"/>
+              <a:gd name="T24" fmla="*/ 384 w 1056"/>
+              <a:gd name="T25" fmla="*/ 288 h 1152"/>
+              <a:gd name="T26" fmla="*/ 288 w 1056"/>
+              <a:gd name="T27" fmla="*/ 288 h 1152"/>
+              <a:gd name="T28" fmla="*/ 288 w 1056"/>
+              <a:gd name="T29" fmla="*/ 1152 h 1152"/>
+              <a:gd name="T30" fmla="*/ 0 w 1056"/>
+              <a:gd name="T31" fmla="*/ 1152 h 1152"/>
+              <a:gd name="T32" fmla="*/ 0 w 1056"/>
+              <a:gd name="T33" fmla="*/ 672 h 1152"/>
+              <a:gd name="T34" fmla="*/ 192 w 1056"/>
+              <a:gd name="T35" fmla="*/ 672 h 1152"/>
+              <a:gd name="T36" fmla="*/ 192 w 1056"/>
+              <a:gd name="T37" fmla="*/ 192 h 1152"/>
+              <a:gd name="T38" fmla="*/ 432 w 1056"/>
+              <a:gd name="T39" fmla="*/ 0 h 1152"/>
+              <a:gd name="T40" fmla="*/ 672 w 1056"/>
+              <a:gd name="T41" fmla="*/ 192 h 1152"/>
+              <a:gd name="T42" fmla="*/ 672 w 1056"/>
+              <a:gd name="T43" fmla="*/ 1056 h 1152"/>
+              <a:gd name="T44" fmla="*/ 864 w 1056"/>
+              <a:gd name="T45" fmla="*/ 864 h 1152"/>
+              <a:gd name="T46" fmla="*/ 1056 w 1056"/>
+              <a:gd name="T47" fmla="*/ 1056 h 1152"/>
+              <a:gd name="T48" fmla="*/ 192 w 1056"/>
+              <a:gd name="T49" fmla="*/ 960 h 1152"/>
+              <a:gd name="T50" fmla="*/ 96 w 1056"/>
+              <a:gd name="T51" fmla="*/ 960 h 1152"/>
+              <a:gd name="T52" fmla="*/ 96 w 1056"/>
+              <a:gd name="T53" fmla="*/ 1056 h 1152"/>
+              <a:gd name="T54" fmla="*/ 192 w 1056"/>
+              <a:gd name="T55" fmla="*/ 1056 h 1152"/>
+              <a:gd name="T56" fmla="*/ 192 w 1056"/>
+              <a:gd name="T57" fmla="*/ 960 h 1152"/>
+              <a:gd name="T58" fmla="*/ 192 w 1056"/>
+              <a:gd name="T59" fmla="*/ 768 h 1152"/>
+              <a:gd name="T60" fmla="*/ 96 w 1056"/>
+              <a:gd name="T61" fmla="*/ 768 h 1152"/>
+              <a:gd name="T62" fmla="*/ 96 w 1056"/>
+              <a:gd name="T63" fmla="*/ 864 h 1152"/>
+              <a:gd name="T64" fmla="*/ 192 w 1056"/>
+              <a:gd name="T65" fmla="*/ 864 h 1152"/>
+              <a:gd name="T66" fmla="*/ 192 w 1056"/>
+              <a:gd name="T67" fmla="*/ 768 h 1152"/>
+            </a:gdLst>
+            <a:ahLst/>
+            <a:cxnLst>
+              <a:cxn ang="0">
+                <a:pos x="T0" y="T1"/>
+              </a:cxn>
+              <a:cxn ang="0">
+                <a:pos x="T2" y="T3"/>
+              </a:cxn>
+              <a:cxn ang="0">
+                <a:pos x="T4" y="T5"/>
+              </a:cxn>
+              <a:cxn ang="0">
+                <a:pos x="T6" y="T7"/>
+              </a:cxn>
+              <a:cxn ang="0">
+                <a:pos x="T8" y="T9"/>
+              </a:cxn>
+              <a:cxn ang="0">
+                <a:pos x="T10" y="T11"/>
+              </a:cxn>
+              <a:cxn ang="0">
+                <a:pos x="T12" y="T13"/>
+              </a:cxn>
+              <a:cxn ang="0">
+                <a:pos x="T14" y="T15"/>
+              </a:cxn>
+              <a:cxn ang="0">
+                <a:pos x="T16" y="T17"/>
+              </a:cxn>
+              <a:cxn ang="0">
+                <a:pos x="T18" y="T19"/>
+              </a:cxn>
+              <a:cxn ang="0">
+                <a:pos x="T20" y="T21"/>
+              </a:cxn>
+              <a:cxn ang="0">
+                <a:pos x="T22" y="T23"/>
+              </a:cxn>
+              <a:cxn ang="0">
+                <a:pos x="T24" y="T25"/>
+              </a:cxn>
+              <a:cxn ang="0">
+                <a:pos x="T26" y="T27"/>
+              </a:cxn>
+              <a:cxn ang="0">
+                <a:pos x="T28" y="T29"/>
+              </a:cxn>
+              <a:cxn ang="0">
+                <a:pos x="T30" y="T31"/>
+              </a:cxn>
+              <a:cxn ang="0">
+                <a:pos x="T32" y="T33"/>
+              </a:cxn>
+              <a:cxn ang="0">
+                <a:pos x="T34" y="T35"/>
+              </a:cxn>
+              <a:cxn ang="0">
+                <a:pos x="T36" y="T37"/>
+              </a:cxn>
+              <a:cxn ang="0">
+                <a:pos x="T38" y="T39"/>
+              </a:cxn>
+              <a:cxn ang="0">
+                <a:pos x="T40" y="T41"/>
+              </a:cxn>
+              <a:cxn ang="0">
+                <a:pos x="T42" y="T43"/>
+              </a:cxn>
+              <a:cxn ang="0">
+                <a:pos x="T44" y="T45"/>
+              </a:cxn>
+              <a:cxn ang="0">
+                <a:pos x="T46" y="T47"/>
+              </a:cxn>
+              <a:cxn ang="0">
+                <a:pos x="T48" y="T49"/>
+              </a:cxn>
+              <a:cxn ang="0">
+                <a:pos x="T50" y="T51"/>
+              </a:cxn>
+              <a:cxn ang="0">
+                <a:pos x="T52" y="T53"/>
+              </a:cxn>
+              <a:cxn ang="0">
+                <a:pos x="T54" y="T55"/>
+              </a:cxn>
+              <a:cxn ang="0">
+                <a:pos x="T56" y="T57"/>
+              </a:cxn>
+              <a:cxn ang="0">
+                <a:pos x="T58" y="T59"/>
+              </a:cxn>
+              <a:cxn ang="0">
+                <a:pos x="T60" y="T61"/>
+              </a:cxn>
+              <a:cxn ang="0">
+                <a:pos x="T62" y="T63"/>
+              </a:cxn>
+              <a:cxn ang="0">
+                <a:pos x="T64" y="T65"/>
+              </a:cxn>
+              <a:cxn ang="0">
+                <a:pos x="T66" y="T67"/>
+              </a:cxn>
+            </a:cxnLst>
+            <a:rect l="0" t="0" r="r" b="b"/>
+            <a:pathLst>
+              <a:path w="1056" h="1152">
+                <a:moveTo>
+                  <a:pt x="1008" y="720"/>
+                </a:moveTo>
+                <a:cubicBezTo>
+                  <a:pt x="1008" y="800"/>
+                  <a:pt x="944" y="864"/>
+                  <a:pt x="864" y="864"/>
+                </a:cubicBezTo>
+                <a:cubicBezTo>
+                  <a:pt x="785" y="864"/>
+                  <a:pt x="720" y="800"/>
+                  <a:pt x="720" y="720"/>
+                </a:cubicBezTo>
+                <a:cubicBezTo>
+                  <a:pt x="720" y="640"/>
+                  <a:pt x="785" y="576"/>
+                  <a:pt x="864" y="576"/>
+                </a:cubicBezTo>
+                <a:cubicBezTo>
+                  <a:pt x="944" y="576"/>
+                  <a:pt x="1008" y="640"/>
+                  <a:pt x="1008" y="720"/>
+                </a:cubicBezTo>
+                <a:close/>
+                <a:moveTo>
+                  <a:pt x="1056" y="1056"/>
+                </a:moveTo>
+                <a:cubicBezTo>
+                  <a:pt x="1056" y="1152"/>
+                  <a:pt x="1056" y="1152"/>
+                  <a:pt x="1056" y="1152"/>
+                </a:cubicBezTo>
+                <a:cubicBezTo>
+                  <a:pt x="576" y="1152"/>
+                  <a:pt x="576" y="1152"/>
+                  <a:pt x="576" y="1152"/>
+                </a:cubicBezTo>
+                <a:cubicBezTo>
+                  <a:pt x="576" y="288"/>
+                  <a:pt x="576" y="288"/>
+                  <a:pt x="576" y="288"/>
+                </a:cubicBezTo>
+                <a:cubicBezTo>
+                  <a:pt x="480" y="288"/>
+                  <a:pt x="480" y="288"/>
+                  <a:pt x="480" y="288"/>
+                </a:cubicBezTo>
+                <a:cubicBezTo>
+                  <a:pt x="480" y="1152"/>
+                  <a:pt x="480" y="1152"/>
+                  <a:pt x="480" y="1152"/>
+                </a:cubicBezTo>
+                <a:cubicBezTo>
+                  <a:pt x="384" y="1152"/>
+                  <a:pt x="384" y="1152"/>
+                  <a:pt x="384" y="1152"/>
+                </a:cubicBezTo>
+                <a:cubicBezTo>
+                  <a:pt x="384" y="288"/>
+                  <a:pt x="384" y="288"/>
+                  <a:pt x="384" y="288"/>
+                </a:cubicBezTo>
+                <a:cubicBezTo>
+                  <a:pt x="288" y="288"/>
+                  <a:pt x="288" y="288"/>
+                  <a:pt x="288" y="288"/>
+                </a:cubicBezTo>
+                <a:cubicBezTo>
+                  <a:pt x="288" y="1152"/>
+                  <a:pt x="288" y="1152"/>
+                  <a:pt x="288" y="1152"/>
+                </a:cubicBezTo>
+                <a:cubicBezTo>
+                  <a:pt x="0" y="1152"/>
+                  <a:pt x="0" y="1152"/>
+                  <a:pt x="0" y="1152"/>
+                </a:cubicBezTo>
+                <a:cubicBezTo>
+                  <a:pt x="0" y="672"/>
+                  <a:pt x="0" y="672"/>
+                  <a:pt x="0" y="672"/>
+                </a:cubicBezTo>
+                <a:cubicBezTo>
+                  <a:pt x="192" y="672"/>
+                  <a:pt x="192" y="672"/>
+                  <a:pt x="192" y="672"/>
+                </a:cubicBezTo>
+                <a:cubicBezTo>
+                  <a:pt x="192" y="192"/>
+                  <a:pt x="192" y="192"/>
+                  <a:pt x="192" y="192"/>
+                </a:cubicBezTo>
+                <a:cubicBezTo>
+                  <a:pt x="432" y="0"/>
+                  <a:pt x="432" y="0"/>
+                  <a:pt x="432" y="0"/>
+                </a:cubicBezTo>
+                <a:cubicBezTo>
+                  <a:pt x="672" y="192"/>
+                  <a:pt x="672" y="192"/>
+                  <a:pt x="672" y="192"/>
+                </a:cubicBezTo>
+                <a:cubicBezTo>
+                  <a:pt x="672" y="1056"/>
+                  <a:pt x="672" y="1056"/>
+                  <a:pt x="672" y="1056"/>
+                </a:cubicBezTo>
+                <a:cubicBezTo>
+                  <a:pt x="672" y="950"/>
+                  <a:pt x="758" y="864"/>
+                  <a:pt x="864" y="864"/>
+                </a:cubicBezTo>
+                <a:cubicBezTo>
+                  <a:pt x="971" y="864"/>
+                  <a:pt x="1056" y="950"/>
+                  <a:pt x="1056" y="1056"/>
+                </a:cubicBezTo>
+                <a:close/>
+                <a:moveTo>
+                  <a:pt x="192" y="960"/>
+                </a:moveTo>
+                <a:cubicBezTo>
+                  <a:pt x="96" y="960"/>
+                  <a:pt x="96" y="960"/>
+                  <a:pt x="96" y="960"/>
+                </a:cubicBezTo>
+                <a:cubicBezTo>
+                  <a:pt x="96" y="1056"/>
+                  <a:pt x="96" y="1056"/>
+                  <a:pt x="96" y="1056"/>
+                </a:cubicBezTo>
+                <a:cubicBezTo>
+                  <a:pt x="192" y="1056"/>
+                  <a:pt x="192" y="1056"/>
+                  <a:pt x="192" y="1056"/>
+                </a:cubicBezTo>
+                <a:lnTo>
+                  <a:pt x="192" y="960"/>
+                </a:lnTo>
+                <a:close/>
+                <a:moveTo>
+                  <a:pt x="192" y="768"/>
+                </a:moveTo>
+                <a:cubicBezTo>
+                  <a:pt x="96" y="768"/>
+                  <a:pt x="96" y="768"/>
+                  <a:pt x="96" y="768"/>
+                </a:cubicBezTo>
+                <a:cubicBezTo>
+                  <a:pt x="96" y="864"/>
+                  <a:pt x="96" y="864"/>
+                  <a:pt x="96" y="864"/>
+                </a:cubicBezTo>
+                <a:cubicBezTo>
+                  <a:pt x="192" y="864"/>
+                  <a:pt x="192" y="864"/>
+                  <a:pt x="192" y="864"/>
+                </a:cubicBezTo>
+                <a:lnTo>
+                  <a:pt x="192" y="768"/>
+                </a:lnTo>
+                <a:close/>
+              </a:path>
+            </a:pathLst>
+          </a:custGeom>
+          <a:solidFill>
+            <a:srgbClr val="000000"/>
+          </a:solidFill>
+          <a:ln>
+            <a:noFill/>
+          </a:ln>
+          <a:extLst>
+            <a:ext uri="{91240B29-F687-4F45-9708-019B960494DF}">
+              <a14:hiddenLine xmlns:a14="http://schemas.microsoft.com/office/drawing/2010/main" w="9525">
+                <a:solidFill>
+                  <a:srgbClr val="000000"/>
+                </a:solidFill>
+                <a:round/>
+                <a:headEnd/>
+                <a:tailEnd/>
+              </a14:hiddenLine>
+            </a:ext>
+          </a:extLst>
+        </p:spPr>
+        <p:txBody>
+          <a:bodyPr vert="horz" wrap="square" lIns="91440" tIns="45720" rIns="91440" bIns="45720" numCol="1" anchor="t" anchorCtr="0" compatLnSpc="1">
+            <a:prstTxWarp prst="textNoShape">
+              <a:avLst/>
+            </a:prstTxWarp>
+          </a:bodyPr>
+          <a:lstStyle/>
+          <a:p>
+            <a:endParaRPr lang="en-GB"/>
+          </a:p>
+        </p:txBody>
+      </p:sp>
+      <p:grpSp>
+        <p:nvGrpSpPr>
+          <p:cNvPr id="20" name="Group 19">
+            <a:extLst>
+              <a:ext uri="{FF2B5EF4-FFF2-40B4-BE49-F238E27FC236}">
+                <a16:creationId xmlns:a16="http://schemas.microsoft.com/office/drawing/2014/main" id="{5211471A-07E1-4AF9-86D2-5DC8E43FF0D7}"/>
+              </a:ext>
+            </a:extLst>
+          </p:cNvPr>
+          <p:cNvGrpSpPr/>
+          <p:nvPr/>
+        </p:nvGrpSpPr>
+        <p:grpSpPr>
+          <a:xfrm>
+            <a:off x="9666010" y="4257585"/>
+            <a:ext cx="1432851" cy="1432851"/>
+            <a:chOff x="6579493" y="5428220"/>
+            <a:chExt cx="1432851" cy="1432851"/>
+          </a:xfrm>
+        </p:grpSpPr>
+        <p:sp>
+          <p:nvSpPr>
+            <p:cNvPr id="21" name="Rectangle 20">
+              <a:extLst>
+                <a:ext uri="{FF2B5EF4-FFF2-40B4-BE49-F238E27FC236}">
+                  <a16:creationId xmlns:a16="http://schemas.microsoft.com/office/drawing/2014/main" id="{6B56A6E0-263A-4418-ACA1-EBDADB28579D}"/>
+                </a:ext>
+              </a:extLst>
+            </p:cNvPr>
+            <p:cNvSpPr/>
+            <p:nvPr/>
+          </p:nvSpPr>
+          <p:spPr>
+            <a:xfrm>
+              <a:off x="6579493" y="5428220"/>
+              <a:ext cx="1432851" cy="1432851"/>
+            </a:xfrm>
+            <a:prstGeom prst="rect">
+              <a:avLst/>
+            </a:prstGeom>
+            <a:solidFill>
+              <a:schemeClr val="bg1"/>
+            </a:solidFill>
+            <a:ln w="127000" cmpd="thinThick">
+              <a:solidFill>
+                <a:schemeClr val="tx1"/>
+              </a:solidFill>
+            </a:ln>
+          </p:spPr>
+          <p:style>
+            <a:lnRef idx="0">
+              <a:schemeClr val="accent1"/>
+            </a:lnRef>
+            <a:fillRef idx="1">
+              <a:schemeClr val="accent1"/>
+            </a:fillRef>
+            <a:effectRef idx="0">
+              <a:schemeClr val="accent1"/>
+            </a:effectRef>
+            <a:fontRef idx="minor">
+              <a:schemeClr val="lt1"/>
+            </a:fontRef>
+          </p:style>
+          <p:txBody>
+            <a:bodyPr rtlCol="0" anchor="ctr"/>
+            <a:lstStyle/>
+            <a:p>
+              <a:pPr algn="ctr"/>
+              <a:endParaRPr lang="en-GB"/>
+            </a:p>
+          </p:txBody>
+        </p:sp>
+        <p:sp>
+          <p:nvSpPr>
+            <p:cNvPr id="22" name="Freeform 89">
+              <a:extLst>
+                <a:ext uri="{FF2B5EF4-FFF2-40B4-BE49-F238E27FC236}">
+                  <a16:creationId xmlns:a16="http://schemas.microsoft.com/office/drawing/2014/main" id="{287DF373-2FB3-422F-88CD-E32891D1A59B}"/>
+                </a:ext>
+              </a:extLst>
+            </p:cNvPr>
+            <p:cNvSpPr>
+              <a:spLocks noChangeAspect="1" noEditPoints="1"/>
+            </p:cNvSpPr>
+            <p:nvPr/>
+          </p:nvSpPr>
+          <p:spPr bwMode="auto">
+            <a:xfrm>
+              <a:off x="6876399" y="5759881"/>
+              <a:ext cx="839038" cy="769528"/>
+            </a:xfrm>
+            <a:custGeom>
+              <a:avLst/>
+              <a:gdLst>
+                <a:gd name="T0" fmla="*/ 576 w 1152"/>
+                <a:gd name="T1" fmla="*/ 288 h 1056"/>
+                <a:gd name="T2" fmla="*/ 768 w 1152"/>
+                <a:gd name="T3" fmla="*/ 480 h 1056"/>
+                <a:gd name="T4" fmla="*/ 768 w 1152"/>
+                <a:gd name="T5" fmla="*/ 672 h 1056"/>
+                <a:gd name="T6" fmla="*/ 576 w 1152"/>
+                <a:gd name="T7" fmla="*/ 480 h 1056"/>
+                <a:gd name="T8" fmla="*/ 384 w 1152"/>
+                <a:gd name="T9" fmla="*/ 672 h 1056"/>
+                <a:gd name="T10" fmla="*/ 384 w 1152"/>
+                <a:gd name="T11" fmla="*/ 480 h 1056"/>
+                <a:gd name="T12" fmla="*/ 576 w 1152"/>
+                <a:gd name="T13" fmla="*/ 288 h 1056"/>
+                <a:gd name="T14" fmla="*/ 720 w 1152"/>
+                <a:gd name="T15" fmla="*/ 144 h 1056"/>
+                <a:gd name="T16" fmla="*/ 576 w 1152"/>
+                <a:gd name="T17" fmla="*/ 0 h 1056"/>
+                <a:gd name="T18" fmla="*/ 432 w 1152"/>
+                <a:gd name="T19" fmla="*/ 144 h 1056"/>
+                <a:gd name="T20" fmla="*/ 576 w 1152"/>
+                <a:gd name="T21" fmla="*/ 288 h 1056"/>
+                <a:gd name="T22" fmla="*/ 720 w 1152"/>
+                <a:gd name="T23" fmla="*/ 144 h 1056"/>
+                <a:gd name="T24" fmla="*/ 336 w 1152"/>
+                <a:gd name="T25" fmla="*/ 528 h 1056"/>
+                <a:gd name="T26" fmla="*/ 192 w 1152"/>
+                <a:gd name="T27" fmla="*/ 384 h 1056"/>
+                <a:gd name="T28" fmla="*/ 48 w 1152"/>
+                <a:gd name="T29" fmla="*/ 528 h 1056"/>
+                <a:gd name="T30" fmla="*/ 192 w 1152"/>
+                <a:gd name="T31" fmla="*/ 672 h 1056"/>
+                <a:gd name="T32" fmla="*/ 336 w 1152"/>
+                <a:gd name="T33" fmla="*/ 528 h 1056"/>
+                <a:gd name="T34" fmla="*/ 328 w 1152"/>
+                <a:gd name="T35" fmla="*/ 728 h 1056"/>
+                <a:gd name="T36" fmla="*/ 192 w 1152"/>
+                <a:gd name="T37" fmla="*/ 672 h 1056"/>
+                <a:gd name="T38" fmla="*/ 0 w 1152"/>
+                <a:gd name="T39" fmla="*/ 864 h 1056"/>
+                <a:gd name="T40" fmla="*/ 0 w 1152"/>
+                <a:gd name="T41" fmla="*/ 1056 h 1056"/>
+                <a:gd name="T42" fmla="*/ 384 w 1152"/>
+                <a:gd name="T43" fmla="*/ 1056 h 1056"/>
+                <a:gd name="T44" fmla="*/ 384 w 1152"/>
+                <a:gd name="T45" fmla="*/ 864 h 1056"/>
+                <a:gd name="T46" fmla="*/ 192 w 1152"/>
+                <a:gd name="T47" fmla="*/ 864 h 1056"/>
+                <a:gd name="T48" fmla="*/ 328 w 1152"/>
+                <a:gd name="T49" fmla="*/ 728 h 1056"/>
+                <a:gd name="T50" fmla="*/ 1104 w 1152"/>
+                <a:gd name="T51" fmla="*/ 528 h 1056"/>
+                <a:gd name="T52" fmla="*/ 960 w 1152"/>
+                <a:gd name="T53" fmla="*/ 384 h 1056"/>
+                <a:gd name="T54" fmla="*/ 816 w 1152"/>
+                <a:gd name="T55" fmla="*/ 528 h 1056"/>
+                <a:gd name="T56" fmla="*/ 960 w 1152"/>
+                <a:gd name="T57" fmla="*/ 672 h 1056"/>
+                <a:gd name="T58" fmla="*/ 1104 w 1152"/>
+                <a:gd name="T59" fmla="*/ 528 h 1056"/>
+                <a:gd name="T60" fmla="*/ 960 w 1152"/>
+                <a:gd name="T61" fmla="*/ 672 h 1056"/>
+                <a:gd name="T62" fmla="*/ 824 w 1152"/>
+                <a:gd name="T63" fmla="*/ 728 h 1056"/>
+                <a:gd name="T64" fmla="*/ 960 w 1152"/>
+                <a:gd name="T65" fmla="*/ 864 h 1056"/>
+                <a:gd name="T66" fmla="*/ 768 w 1152"/>
+                <a:gd name="T67" fmla="*/ 864 h 1056"/>
+                <a:gd name="T68" fmla="*/ 768 w 1152"/>
+                <a:gd name="T69" fmla="*/ 1056 h 1056"/>
+                <a:gd name="T70" fmla="*/ 1152 w 1152"/>
+                <a:gd name="T71" fmla="*/ 1056 h 1056"/>
+                <a:gd name="T72" fmla="*/ 1152 w 1152"/>
+                <a:gd name="T73" fmla="*/ 864 h 1056"/>
+                <a:gd name="T74" fmla="*/ 960 w 1152"/>
+                <a:gd name="T75" fmla="*/ 672 h 1056"/>
+              </a:gdLst>
+              <a:ahLst/>
+              <a:cxnLst>
+                <a:cxn ang="0">
+                  <a:pos x="T0" y="T1"/>
+                </a:cxn>
+                <a:cxn ang="0">
+                  <a:pos x="T2" y="T3"/>
+                </a:cxn>
+                <a:cxn ang="0">
+                  <a:pos x="T4" y="T5"/>
+                </a:cxn>
+                <a:cxn ang="0">
+                  <a:pos x="T6" y="T7"/>
+                </a:cxn>
+                <a:cxn ang="0">
+                  <a:pos x="T8" y="T9"/>
+                </a:cxn>
+                <a:cxn ang="0">
+                  <a:pos x="T10" y="T11"/>
+                </a:cxn>
+                <a:cxn ang="0">
+                  <a:pos x="T12" y="T13"/>
+                </a:cxn>
+                <a:cxn ang="0">
+                  <a:pos x="T14" y="T15"/>
+                </a:cxn>
+                <a:cxn ang="0">
+                  <a:pos x="T16" y="T17"/>
+                </a:cxn>
+                <a:cxn ang="0">
+                  <a:pos x="T18" y="T19"/>
+                </a:cxn>
+                <a:cxn ang="0">
+                  <a:pos x="T20" y="T21"/>
+                </a:cxn>
+                <a:cxn ang="0">
+                  <a:pos x="T22" y="T23"/>
+                </a:cxn>
+                <a:cxn ang="0">
+                  <a:pos x="T24" y="T25"/>
+                </a:cxn>
+                <a:cxn ang="0">
+                  <a:pos x="T26" y="T27"/>
+                </a:cxn>
+                <a:cxn ang="0">
+                  <a:pos x="T28" y="T29"/>
+                </a:cxn>
+                <a:cxn ang="0">
+                  <a:pos x="T30" y="T31"/>
+                </a:cxn>
+                <a:cxn ang="0">
+                  <a:pos x="T32" y="T33"/>
+                </a:cxn>
+                <a:cxn ang="0">
+                  <a:pos x="T34" y="T35"/>
+                </a:cxn>
+                <a:cxn ang="0">
+                  <a:pos x="T36" y="T37"/>
+                </a:cxn>
+                <a:cxn ang="0">
+                  <a:pos x="T38" y="T39"/>
+                </a:cxn>
+                <a:cxn ang="0">
+                  <a:pos x="T40" y="T41"/>
+                </a:cxn>
+                <a:cxn ang="0">
+                  <a:pos x="T42" y="T43"/>
+                </a:cxn>
+                <a:cxn ang="0">
+                  <a:pos x="T44" y="T45"/>
+                </a:cxn>
+                <a:cxn ang="0">
+                  <a:pos x="T46" y="T47"/>
+                </a:cxn>
+                <a:cxn ang="0">
+                  <a:pos x="T48" y="T49"/>
+                </a:cxn>
+                <a:cxn ang="0">
+                  <a:pos x="T50" y="T51"/>
+                </a:cxn>
+                <a:cxn ang="0">
+                  <a:pos x="T52" y="T53"/>
+                </a:cxn>
+                <a:cxn ang="0">
+                  <a:pos x="T54" y="T55"/>
+                </a:cxn>
+                <a:cxn ang="0">
+                  <a:pos x="T56" y="T57"/>
+                </a:cxn>
+                <a:cxn ang="0">
+                  <a:pos x="T58" y="T59"/>
+                </a:cxn>
+                <a:cxn ang="0">
+                  <a:pos x="T60" y="T61"/>
+                </a:cxn>
+                <a:cxn ang="0">
+                  <a:pos x="T62" y="T63"/>
+                </a:cxn>
+                <a:cxn ang="0">
+                  <a:pos x="T64" y="T65"/>
+                </a:cxn>
+                <a:cxn ang="0">
+                  <a:pos x="T66" y="T67"/>
+                </a:cxn>
+                <a:cxn ang="0">
+                  <a:pos x="T68" y="T69"/>
+                </a:cxn>
+                <a:cxn ang="0">
+                  <a:pos x="T70" y="T71"/>
+                </a:cxn>
+                <a:cxn ang="0">
+                  <a:pos x="T72" y="T73"/>
+                </a:cxn>
+                <a:cxn ang="0">
+                  <a:pos x="T74" y="T75"/>
+                </a:cxn>
+              </a:cxnLst>
+              <a:rect l="0" t="0" r="r" b="b"/>
+              <a:pathLst>
+                <a:path w="1152" h="1056">
+                  <a:moveTo>
+                    <a:pt x="576" y="288"/>
+                  </a:moveTo>
+                  <a:cubicBezTo>
+                    <a:pt x="682" y="288"/>
+                    <a:pt x="768" y="374"/>
+                    <a:pt x="768" y="480"/>
+                  </a:cubicBezTo>
+                  <a:cubicBezTo>
+                    <a:pt x="768" y="672"/>
+                    <a:pt x="768" y="672"/>
+                    <a:pt x="768" y="672"/>
+                  </a:cubicBezTo>
+                  <a:cubicBezTo>
+                    <a:pt x="576" y="480"/>
+                    <a:pt x="576" y="480"/>
+                    <a:pt x="576" y="480"/>
+                  </a:cubicBezTo>
+                  <a:cubicBezTo>
+                    <a:pt x="384" y="672"/>
+                    <a:pt x="384" y="672"/>
+                    <a:pt x="384" y="672"/>
+                  </a:cubicBezTo>
+                  <a:cubicBezTo>
+                    <a:pt x="384" y="480"/>
+                    <a:pt x="384" y="480"/>
+                    <a:pt x="384" y="480"/>
+                  </a:cubicBezTo>
+                  <a:cubicBezTo>
+                    <a:pt x="384" y="374"/>
+                    <a:pt x="470" y="288"/>
+                    <a:pt x="576" y="288"/>
+                  </a:cubicBezTo>
+                  <a:close/>
+                  <a:moveTo>
+                    <a:pt x="720" y="144"/>
+                  </a:moveTo>
+                  <a:cubicBezTo>
+                    <a:pt x="720" y="64"/>
+                    <a:pt x="656" y="0"/>
+                    <a:pt x="576" y="0"/>
+                  </a:cubicBezTo>
+                  <a:cubicBezTo>
+                    <a:pt x="496" y="0"/>
+                    <a:pt x="432" y="64"/>
+                    <a:pt x="432" y="144"/>
+                  </a:cubicBezTo>
+                  <a:cubicBezTo>
+                    <a:pt x="432" y="224"/>
+                    <a:pt x="496" y="288"/>
+                    <a:pt x="576" y="288"/>
+                  </a:cubicBezTo>
+                  <a:cubicBezTo>
+                    <a:pt x="656" y="288"/>
+                    <a:pt x="720" y="224"/>
+                    <a:pt x="720" y="144"/>
+                  </a:cubicBezTo>
+                  <a:close/>
+                  <a:moveTo>
+                    <a:pt x="336" y="528"/>
+                  </a:moveTo>
+                  <a:cubicBezTo>
+                    <a:pt x="336" y="448"/>
+                    <a:pt x="272" y="384"/>
+                    <a:pt x="192" y="384"/>
+                  </a:cubicBezTo>
+                  <a:cubicBezTo>
+                    <a:pt x="112" y="384"/>
+                    <a:pt x="48" y="448"/>
+                    <a:pt x="48" y="528"/>
+                  </a:cubicBezTo>
+                  <a:cubicBezTo>
+                    <a:pt x="48" y="608"/>
+                    <a:pt x="112" y="672"/>
+                    <a:pt x="192" y="672"/>
+                  </a:cubicBezTo>
+                  <a:cubicBezTo>
+                    <a:pt x="272" y="672"/>
+                    <a:pt x="336" y="608"/>
+                    <a:pt x="336" y="528"/>
+                  </a:cubicBezTo>
+                  <a:close/>
+                  <a:moveTo>
+                    <a:pt x="328" y="728"/>
+                  </a:moveTo>
+                  <a:cubicBezTo>
+                    <a:pt x="293" y="693"/>
+                    <a:pt x="245" y="672"/>
+                    <a:pt x="192" y="672"/>
+                  </a:cubicBezTo>
+                  <a:cubicBezTo>
+                    <a:pt x="86" y="672"/>
+                    <a:pt x="0" y="758"/>
+                    <a:pt x="0" y="864"/>
+                  </a:cubicBezTo>
+                  <a:cubicBezTo>
+                    <a:pt x="0" y="1056"/>
+                    <a:pt x="0" y="1056"/>
+                    <a:pt x="0" y="1056"/>
+                  </a:cubicBezTo>
+                  <a:cubicBezTo>
+                    <a:pt x="384" y="1056"/>
+                    <a:pt x="384" y="1056"/>
+                    <a:pt x="384" y="1056"/>
+                  </a:cubicBezTo>
+                  <a:cubicBezTo>
+                    <a:pt x="384" y="864"/>
+                    <a:pt x="384" y="864"/>
+                    <a:pt x="384" y="864"/>
+                  </a:cubicBezTo>
+                  <a:cubicBezTo>
+                    <a:pt x="192" y="864"/>
+                    <a:pt x="192" y="864"/>
+                    <a:pt x="192" y="864"/>
+                  </a:cubicBezTo>
+                  <a:lnTo>
+                    <a:pt x="328" y="728"/>
+                  </a:lnTo>
+                  <a:close/>
+                  <a:moveTo>
+                    <a:pt x="1104" y="528"/>
+                  </a:moveTo>
+                  <a:cubicBezTo>
+                    <a:pt x="1104" y="448"/>
+                    <a:pt x="1040" y="384"/>
+                    <a:pt x="960" y="384"/>
+                  </a:cubicBezTo>
+                  <a:cubicBezTo>
+                    <a:pt x="880" y="384"/>
+                    <a:pt x="816" y="448"/>
+                    <a:pt x="816" y="528"/>
+                  </a:cubicBezTo>
+                  <a:cubicBezTo>
+                    <a:pt x="816" y="608"/>
+                    <a:pt x="880" y="672"/>
+                    <a:pt x="960" y="672"/>
+                  </a:cubicBezTo>
+                  <a:cubicBezTo>
+                    <a:pt x="1040" y="672"/>
+                    <a:pt x="1104" y="608"/>
+                    <a:pt x="1104" y="528"/>
+                  </a:cubicBezTo>
+                  <a:close/>
+                  <a:moveTo>
+                    <a:pt x="960" y="672"/>
+                  </a:moveTo>
+                  <a:cubicBezTo>
+                    <a:pt x="907" y="672"/>
+                    <a:pt x="859" y="693"/>
+                    <a:pt x="824" y="728"/>
+                  </a:cubicBezTo>
+                  <a:cubicBezTo>
+                    <a:pt x="960" y="864"/>
+                    <a:pt x="960" y="864"/>
+                    <a:pt x="960" y="864"/>
+                  </a:cubicBezTo>
+                  <a:cubicBezTo>
+                    <a:pt x="768" y="864"/>
+                    <a:pt x="768" y="864"/>
+                    <a:pt x="768" y="864"/>
+                  </a:cubicBezTo>
+                  <a:cubicBezTo>
+                    <a:pt x="768" y="1056"/>
+                    <a:pt x="768" y="1056"/>
+                    <a:pt x="768" y="1056"/>
+                  </a:cubicBezTo>
+                  <a:cubicBezTo>
+                    <a:pt x="1152" y="1056"/>
+                    <a:pt x="1152" y="1056"/>
+                    <a:pt x="1152" y="1056"/>
+                  </a:cubicBezTo>
+                  <a:cubicBezTo>
+                    <a:pt x="1152" y="864"/>
+                    <a:pt x="1152" y="864"/>
+                    <a:pt x="1152" y="864"/>
+                  </a:cubicBezTo>
+                  <a:cubicBezTo>
+                    <a:pt x="1152" y="758"/>
+                    <a:pt x="1066" y="672"/>
+                    <a:pt x="960" y="672"/>
+                  </a:cubicBezTo>
+                  <a:close/>
+                </a:path>
+              </a:pathLst>
+            </a:custGeom>
+            <a:solidFill>
+              <a:srgbClr val="000000"/>
+            </a:solidFill>
+            <a:ln>
+              <a:noFill/>
+            </a:ln>
+            <a:extLst>
+              <a:ext uri="{91240B29-F687-4F45-9708-019B960494DF}">
+                <a14:hiddenLine xmlns:a14="http://schemas.microsoft.com/office/drawing/2010/main" w="9525">
+                  <a:solidFill>
+                    <a:srgbClr val="000000"/>
+                  </a:solidFill>
+                  <a:round/>
+                  <a:headEnd/>
+                  <a:tailEnd/>
+                </a14:hiddenLine>
+              </a:ext>
+            </a:extLst>
+          </p:spPr>
+          <p:txBody>
+            <a:bodyPr vert="horz" wrap="square" lIns="91440" tIns="45720" rIns="91440" bIns="45720" numCol="1" anchor="t" anchorCtr="0" compatLnSpc="1">
+              <a:prstTxWarp prst="textNoShape">
+                <a:avLst/>
+              </a:prstTxWarp>
+            </a:bodyPr>
+            <a:lstStyle/>
+            <a:p>
+              <a:endParaRPr lang="en-GB"/>
+            </a:p>
+          </p:txBody>
+        </p:sp>
+      </p:grpSp>
+    </p:spTree>
+    <p:extLst>
+      <p:ext uri="{BB962C8B-B14F-4D97-AF65-F5344CB8AC3E}">
+        <p14:creationId xmlns:p14="http://schemas.microsoft.com/office/powerpoint/2010/main" val="2791360861"/>
       </p:ext>
     </p:extLst>
   </p:cSld>
